--- a/poster/PDS-INFO-2-G1.3.pptx
+++ b/poster/PDS-INFO-2-G1.3.pptx
@@ -1,19 +1,114 @@
 
 <file path=ppt/presentation.xml><?xml version="1.0" encoding="utf-8"?>
-<p:presentation xmlns:a="http://schemas.openxmlformats.org/drawingml/2006/main" xmlns:p="http://schemas.openxmlformats.org/presentationml/2006/main" xmlns:r="http://schemas.openxmlformats.org/officeDocument/2006/relationships" xmlns:p14="http://schemas.microsoft.com/office/powerpoint/2010/main" xmlns:p15="http://schemas.microsoft.com/office/powerpoint/2012/main" xmlns:mc="http://schemas.openxmlformats.org/markup-compatibility/2006">
+<p:presentation xmlns:a="http://schemas.openxmlformats.org/drawingml/2006/main" xmlns:r="http://schemas.openxmlformats.org/officeDocument/2006/relationships" xmlns:p="http://schemas.openxmlformats.org/presentationml/2006/main">
   <p:sldMasterIdLst>
-    <p:sldMasterId id="2147483648" r:id="rId2"/>
+    <p:sldMasterId id="2147483648" r:id="rId1"/>
   </p:sldMasterIdLst>
   <p:sldIdLst>
-    <p:sldId id="256" r:id="rId3"/>
+    <p:sldId id="256" r:id="rId2"/>
   </p:sldIdLst>
-  <p:sldSz cx="32899350" cy="43562587"/>
-  <p:notesSz cx="6867525" cy="9993312"/>
+  <p:sldSz cx="32899350" cy="43562588"/>
+  <p:notesSz cx="7559675" cy="10691813"/>
+  <p:defaultTextStyle>
+    <a:defPPr>
+      <a:defRPr lang="fr-FR"/>
+    </a:defPPr>
+    <a:lvl1pPr marL="0" algn="l" defTabSz="914400" rtl="0" eaLnBrk="1" latinLnBrk="0" hangingPunct="1">
+      <a:defRPr sz="1800" kern="1200">
+        <a:solidFill>
+          <a:schemeClr val="tx1"/>
+        </a:solidFill>
+        <a:latin typeface="+mn-lt"/>
+        <a:ea typeface="+mn-ea"/>
+        <a:cs typeface="+mn-cs"/>
+      </a:defRPr>
+    </a:lvl1pPr>
+    <a:lvl2pPr marL="457200" algn="l" defTabSz="914400" rtl="0" eaLnBrk="1" latinLnBrk="0" hangingPunct="1">
+      <a:defRPr sz="1800" kern="1200">
+        <a:solidFill>
+          <a:schemeClr val="tx1"/>
+        </a:solidFill>
+        <a:latin typeface="+mn-lt"/>
+        <a:ea typeface="+mn-ea"/>
+        <a:cs typeface="+mn-cs"/>
+      </a:defRPr>
+    </a:lvl2pPr>
+    <a:lvl3pPr marL="914400" algn="l" defTabSz="914400" rtl="0" eaLnBrk="1" latinLnBrk="0" hangingPunct="1">
+      <a:defRPr sz="1800" kern="1200">
+        <a:solidFill>
+          <a:schemeClr val="tx1"/>
+        </a:solidFill>
+        <a:latin typeface="+mn-lt"/>
+        <a:ea typeface="+mn-ea"/>
+        <a:cs typeface="+mn-cs"/>
+      </a:defRPr>
+    </a:lvl3pPr>
+    <a:lvl4pPr marL="1371600" algn="l" defTabSz="914400" rtl="0" eaLnBrk="1" latinLnBrk="0" hangingPunct="1">
+      <a:defRPr sz="1800" kern="1200">
+        <a:solidFill>
+          <a:schemeClr val="tx1"/>
+        </a:solidFill>
+        <a:latin typeface="+mn-lt"/>
+        <a:ea typeface="+mn-ea"/>
+        <a:cs typeface="+mn-cs"/>
+      </a:defRPr>
+    </a:lvl4pPr>
+    <a:lvl5pPr marL="1828800" algn="l" defTabSz="914400" rtl="0" eaLnBrk="1" latinLnBrk="0" hangingPunct="1">
+      <a:defRPr sz="1800" kern="1200">
+        <a:solidFill>
+          <a:schemeClr val="tx1"/>
+        </a:solidFill>
+        <a:latin typeface="+mn-lt"/>
+        <a:ea typeface="+mn-ea"/>
+        <a:cs typeface="+mn-cs"/>
+      </a:defRPr>
+    </a:lvl5pPr>
+    <a:lvl6pPr marL="2286000" algn="l" defTabSz="914400" rtl="0" eaLnBrk="1" latinLnBrk="0" hangingPunct="1">
+      <a:defRPr sz="1800" kern="1200">
+        <a:solidFill>
+          <a:schemeClr val="tx1"/>
+        </a:solidFill>
+        <a:latin typeface="+mn-lt"/>
+        <a:ea typeface="+mn-ea"/>
+        <a:cs typeface="+mn-cs"/>
+      </a:defRPr>
+    </a:lvl6pPr>
+    <a:lvl7pPr marL="2743200" algn="l" defTabSz="914400" rtl="0" eaLnBrk="1" latinLnBrk="0" hangingPunct="1">
+      <a:defRPr sz="1800" kern="1200">
+        <a:solidFill>
+          <a:schemeClr val="tx1"/>
+        </a:solidFill>
+        <a:latin typeface="+mn-lt"/>
+        <a:ea typeface="+mn-ea"/>
+        <a:cs typeface="+mn-cs"/>
+      </a:defRPr>
+    </a:lvl7pPr>
+    <a:lvl8pPr marL="3200400" algn="l" defTabSz="914400" rtl="0" eaLnBrk="1" latinLnBrk="0" hangingPunct="1">
+      <a:defRPr sz="1800" kern="1200">
+        <a:solidFill>
+          <a:schemeClr val="tx1"/>
+        </a:solidFill>
+        <a:latin typeface="+mn-lt"/>
+        <a:ea typeface="+mn-ea"/>
+        <a:cs typeface="+mn-cs"/>
+      </a:defRPr>
+    </a:lvl8pPr>
+    <a:lvl9pPr marL="3657600" algn="l" defTabSz="914400" rtl="0" eaLnBrk="1" latinLnBrk="0" hangingPunct="1">
+      <a:defRPr sz="1800" kern="1200">
+        <a:solidFill>
+          <a:schemeClr val="tx1"/>
+        </a:solidFill>
+        <a:latin typeface="+mn-lt"/>
+        <a:ea typeface="+mn-ea"/>
+        <a:cs typeface="+mn-cs"/>
+      </a:defRPr>
+    </a:lvl9pPr>
+  </p:defaultTextStyle>
 </p:presentation>
 </file>
 
 <file path=ppt/slideLayouts/slideLayout1.xml><?xml version="1.0" encoding="utf-8"?>
-<p:sldLayout xmlns:a="http://schemas.openxmlformats.org/drawingml/2006/main" xmlns:p="http://schemas.openxmlformats.org/presentationml/2006/main" xmlns:r="http://schemas.openxmlformats.org/officeDocument/2006/relationships" xmlns:p14="http://schemas.microsoft.com/office/powerpoint/2010/main" xmlns:p15="http://schemas.microsoft.com/office/powerpoint/2012/main" xmlns:mc="http://schemas.openxmlformats.org/markup-compatibility/2006" type="blank" preserve="1">
+<p:sldLayout xmlns:a="http://schemas.openxmlformats.org/drawingml/2006/main" xmlns:r="http://schemas.openxmlformats.org/officeDocument/2006/relationships" xmlns:p="http://schemas.openxmlformats.org/presentationml/2006/main" type="blank" preserve="1">
   <p:cSld name="Blank Slide">
     <p:spTree>
       <p:nvGrpSpPr>
@@ -31,11 +126,14 @@
       </p:grpSpPr>
     </p:spTree>
   </p:cSld>
+  <p:clrMapOvr>
+    <a:masterClrMapping/>
+  </p:clrMapOvr>
 </p:sldLayout>
 </file>
 
 <file path=ppt/slideLayouts/slideLayout10.xml><?xml version="1.0" encoding="utf-8"?>
-<p:sldLayout xmlns:a="http://schemas.openxmlformats.org/drawingml/2006/main" xmlns:p="http://schemas.openxmlformats.org/presentationml/2006/main" xmlns:r="http://schemas.openxmlformats.org/officeDocument/2006/relationships" xmlns:p14="http://schemas.microsoft.com/office/powerpoint/2010/main" xmlns:p15="http://schemas.microsoft.com/office/powerpoint/2012/main" xmlns:mc="http://schemas.openxmlformats.org/markup-compatibility/2006" type="objOverTx" preserve="1">
+<p:sldLayout xmlns:a="http://schemas.openxmlformats.org/drawingml/2006/main" xmlns:r="http://schemas.openxmlformats.org/officeDocument/2006/relationships" xmlns:p="http://schemas.openxmlformats.org/presentationml/2006/main" type="objOverTx" preserve="1">
   <p:cSld name="Title, Content over Content">
     <p:spTree>
       <p:nvGrpSpPr>
@@ -53,7 +151,7 @@
       </p:grpSpPr>
       <p:sp>
         <p:nvSpPr>
-          <p:cNvPr id="25" name="PlaceHolder 1"/>
+          <p:cNvPr id="23" name="PlaceHolder 1"/>
           <p:cNvSpPr>
             <a:spLocks noGrp="1"/>
           </p:cNvSpPr>
@@ -64,32 +162,34 @@
         <p:spPr>
           <a:xfrm>
             <a:off x="2467080" y="13531680"/>
-            <a:ext cx="27965160" cy="9338760"/>
-          </a:xfrm>
-          <a:prstGeom prst="rect">
-            <a:avLst/>
-          </a:prstGeom>
-        </p:spPr>
-        <p:txBody>
-          <a:bodyPr lIns="0" rIns="0" tIns="0" bIns="0" anchor="ctr"/>
-          <a:p>
-            <a:endParaRPr b="0" lang="fr-FR" sz="2400" spc="-1" strike="noStrike">
-              <a:solidFill>
-                <a:srgbClr val="000000"/>
-              </a:solidFill>
-              <a:uFill>
-                <a:solidFill>
-                  <a:srgbClr val="ffffff"/>
-                </a:solidFill>
-              </a:uFill>
-              <a:latin typeface="Arial"/>
-            </a:endParaRPr>
-          </a:p>
-        </p:txBody>
-      </p:sp>
-      <p:sp>
-        <p:nvSpPr>
-          <p:cNvPr id="26" name="PlaceHolder 2"/>
+            <a:ext cx="27964800" cy="9338400"/>
+          </a:xfrm>
+          <a:prstGeom prst="rect">
+            <a:avLst/>
+          </a:prstGeom>
+        </p:spPr>
+        <p:txBody>
+          <a:bodyPr lIns="0" tIns="0" rIns="0" bIns="0" anchor="ctr"/>
+          <a:lstStyle/>
+          <a:p>
+            <a:pPr algn="ctr"/>
+            <a:endParaRPr lang="fr-BE" sz="4400" b="0" strike="noStrike" spc="-1">
+              <a:solidFill>
+                <a:srgbClr val="000000"/>
+              </a:solidFill>
+              <a:uFill>
+                <a:solidFill>
+                  <a:srgbClr val="FFFFFF"/>
+                </a:solidFill>
+              </a:uFill>
+              <a:latin typeface="Arial"/>
+            </a:endParaRPr>
+          </a:p>
+        </p:txBody>
+      </p:sp>
+      <p:sp>
+        <p:nvSpPr>
+          <p:cNvPr id="24" name="PlaceHolder 2"/>
           <p:cNvSpPr>
             <a:spLocks noGrp="1"/>
           </p:cNvSpPr>
@@ -107,25 +207,26 @@
           </a:prstGeom>
         </p:spPr>
         <p:txBody>
-          <a:bodyPr lIns="0" rIns="0" tIns="0" bIns="0"/>
-          <a:p>
-            <a:endParaRPr b="0" lang="fr-FR" sz="15300" spc="-1" strike="noStrike">
-              <a:solidFill>
-                <a:srgbClr val="000000"/>
-              </a:solidFill>
-              <a:uFill>
-                <a:solidFill>
-                  <a:srgbClr val="ffffff"/>
-                </a:solidFill>
-              </a:uFill>
-              <a:latin typeface="Arial"/>
-            </a:endParaRPr>
-          </a:p>
-        </p:txBody>
-      </p:sp>
-      <p:sp>
-        <p:nvSpPr>
-          <p:cNvPr id="27" name="PlaceHolder 3"/>
+          <a:bodyPr lIns="0" tIns="0" rIns="0" bIns="0"/>
+          <a:lstStyle/>
+          <a:p>
+            <a:endParaRPr lang="fr-BE" sz="3200" b="0" strike="noStrike" spc="-1">
+              <a:solidFill>
+                <a:srgbClr val="000000"/>
+              </a:solidFill>
+              <a:uFill>
+                <a:solidFill>
+                  <a:srgbClr val="FFFFFF"/>
+                </a:solidFill>
+              </a:uFill>
+              <a:latin typeface="Arial"/>
+            </a:endParaRPr>
+          </a:p>
+        </p:txBody>
+      </p:sp>
+      <p:sp>
+        <p:nvSpPr>
+          <p:cNvPr id="25" name="PlaceHolder 3"/>
           <p:cNvSpPr>
             <a:spLocks noGrp="1"/>
           </p:cNvSpPr>
@@ -143,15 +244,16 @@
           </a:prstGeom>
         </p:spPr>
         <p:txBody>
-          <a:bodyPr lIns="0" rIns="0" tIns="0" bIns="0"/>
-          <a:p>
-            <a:endParaRPr b="0" lang="fr-FR" sz="15300" spc="-1" strike="noStrike">
-              <a:solidFill>
-                <a:srgbClr val="000000"/>
-              </a:solidFill>
-              <a:uFill>
-                <a:solidFill>
-                  <a:srgbClr val="ffffff"/>
+          <a:bodyPr lIns="0" tIns="0" rIns="0" bIns="0"/>
+          <a:lstStyle/>
+          <a:p>
+            <a:endParaRPr lang="fr-BE" sz="3200" b="0" strike="noStrike" spc="-1">
+              <a:solidFill>
+                <a:srgbClr val="000000"/>
+              </a:solidFill>
+              <a:uFill>
+                <a:solidFill>
+                  <a:srgbClr val="FFFFFF"/>
                 </a:solidFill>
               </a:uFill>
               <a:latin typeface="Arial"/>
@@ -161,11 +263,14 @@
       </p:sp>
     </p:spTree>
   </p:cSld>
+  <p:clrMapOvr>
+    <a:masterClrMapping/>
+  </p:clrMapOvr>
 </p:sldLayout>
 </file>
 
 <file path=ppt/slideLayouts/slideLayout11.xml><?xml version="1.0" encoding="utf-8"?>
-<p:sldLayout xmlns:a="http://schemas.openxmlformats.org/drawingml/2006/main" xmlns:p="http://schemas.openxmlformats.org/presentationml/2006/main" xmlns:r="http://schemas.openxmlformats.org/officeDocument/2006/relationships" xmlns:p14="http://schemas.microsoft.com/office/powerpoint/2010/main" xmlns:p15="http://schemas.microsoft.com/office/powerpoint/2012/main" xmlns:mc="http://schemas.openxmlformats.org/markup-compatibility/2006" type="fourObj" preserve="1">
+<p:sldLayout xmlns:a="http://schemas.openxmlformats.org/drawingml/2006/main" xmlns:r="http://schemas.openxmlformats.org/officeDocument/2006/relationships" xmlns:p="http://schemas.openxmlformats.org/presentationml/2006/main" type="fourObj" preserve="1">
   <p:cSld name="Title, 4 Content">
     <p:spTree>
       <p:nvGrpSpPr>
@@ -183,7 +288,7 @@
       </p:grpSpPr>
       <p:sp>
         <p:nvSpPr>
-          <p:cNvPr id="28" name="PlaceHolder 1"/>
+          <p:cNvPr id="26" name="PlaceHolder 1"/>
           <p:cNvSpPr>
             <a:spLocks noGrp="1"/>
           </p:cNvSpPr>
@@ -194,32 +299,34 @@
         <p:spPr>
           <a:xfrm>
             <a:off x="2467080" y="13531680"/>
-            <a:ext cx="27965160" cy="9338760"/>
-          </a:xfrm>
-          <a:prstGeom prst="rect">
-            <a:avLst/>
-          </a:prstGeom>
-        </p:spPr>
-        <p:txBody>
-          <a:bodyPr lIns="0" rIns="0" tIns="0" bIns="0" anchor="ctr"/>
-          <a:p>
-            <a:endParaRPr b="0" lang="fr-FR" sz="2400" spc="-1" strike="noStrike">
-              <a:solidFill>
-                <a:srgbClr val="000000"/>
-              </a:solidFill>
-              <a:uFill>
-                <a:solidFill>
-                  <a:srgbClr val="ffffff"/>
-                </a:solidFill>
-              </a:uFill>
-              <a:latin typeface="Arial"/>
-            </a:endParaRPr>
-          </a:p>
-        </p:txBody>
-      </p:sp>
-      <p:sp>
-        <p:nvSpPr>
-          <p:cNvPr id="29" name="PlaceHolder 2"/>
+            <a:ext cx="27964800" cy="9338400"/>
+          </a:xfrm>
+          <a:prstGeom prst="rect">
+            <a:avLst/>
+          </a:prstGeom>
+        </p:spPr>
+        <p:txBody>
+          <a:bodyPr lIns="0" tIns="0" rIns="0" bIns="0" anchor="ctr"/>
+          <a:lstStyle/>
+          <a:p>
+            <a:pPr algn="ctr"/>
+            <a:endParaRPr lang="fr-BE" sz="4400" b="0" strike="noStrike" spc="-1">
+              <a:solidFill>
+                <a:srgbClr val="000000"/>
+              </a:solidFill>
+              <a:uFill>
+                <a:solidFill>
+                  <a:srgbClr val="FFFFFF"/>
+                </a:solidFill>
+              </a:uFill>
+              <a:latin typeface="Arial"/>
+            </a:endParaRPr>
+          </a:p>
+        </p:txBody>
+      </p:sp>
+      <p:sp>
+        <p:nvSpPr>
+          <p:cNvPr id="27" name="PlaceHolder 2"/>
           <p:cNvSpPr>
             <a:spLocks noGrp="1"/>
           </p:cNvSpPr>
@@ -237,25 +344,26 @@
           </a:prstGeom>
         </p:spPr>
         <p:txBody>
-          <a:bodyPr lIns="0" rIns="0" tIns="0" bIns="0"/>
-          <a:p>
-            <a:endParaRPr b="0" lang="fr-FR" sz="15300" spc="-1" strike="noStrike">
-              <a:solidFill>
-                <a:srgbClr val="000000"/>
-              </a:solidFill>
-              <a:uFill>
-                <a:solidFill>
-                  <a:srgbClr val="ffffff"/>
-                </a:solidFill>
-              </a:uFill>
-              <a:latin typeface="Arial"/>
-            </a:endParaRPr>
-          </a:p>
-        </p:txBody>
-      </p:sp>
-      <p:sp>
-        <p:nvSpPr>
-          <p:cNvPr id="30" name="PlaceHolder 3"/>
+          <a:bodyPr lIns="0" tIns="0" rIns="0" bIns="0"/>
+          <a:lstStyle/>
+          <a:p>
+            <a:endParaRPr lang="fr-BE" sz="3200" b="0" strike="noStrike" spc="-1">
+              <a:solidFill>
+                <a:srgbClr val="000000"/>
+              </a:solidFill>
+              <a:uFill>
+                <a:solidFill>
+                  <a:srgbClr val="FFFFFF"/>
+                </a:solidFill>
+              </a:uFill>
+              <a:latin typeface="Arial"/>
+            </a:endParaRPr>
+          </a:p>
+        </p:txBody>
+      </p:sp>
+      <p:sp>
+        <p:nvSpPr>
+          <p:cNvPr id="28" name="PlaceHolder 3"/>
           <p:cNvSpPr>
             <a:spLocks noGrp="1"/>
           </p:cNvSpPr>
@@ -273,25 +381,26 @@
           </a:prstGeom>
         </p:spPr>
         <p:txBody>
-          <a:bodyPr lIns="0" rIns="0" tIns="0" bIns="0"/>
-          <a:p>
-            <a:endParaRPr b="0" lang="fr-FR" sz="15300" spc="-1" strike="noStrike">
-              <a:solidFill>
-                <a:srgbClr val="000000"/>
-              </a:solidFill>
-              <a:uFill>
-                <a:solidFill>
-                  <a:srgbClr val="ffffff"/>
-                </a:solidFill>
-              </a:uFill>
-              <a:latin typeface="Arial"/>
-            </a:endParaRPr>
-          </a:p>
-        </p:txBody>
-      </p:sp>
-      <p:sp>
-        <p:nvSpPr>
-          <p:cNvPr id="31" name="PlaceHolder 4"/>
+          <a:bodyPr lIns="0" tIns="0" rIns="0" bIns="0"/>
+          <a:lstStyle/>
+          <a:p>
+            <a:endParaRPr lang="fr-BE" sz="3200" b="0" strike="noStrike" spc="-1">
+              <a:solidFill>
+                <a:srgbClr val="000000"/>
+              </a:solidFill>
+              <a:uFill>
+                <a:solidFill>
+                  <a:srgbClr val="FFFFFF"/>
+                </a:solidFill>
+              </a:uFill>
+              <a:latin typeface="Arial"/>
+            </a:endParaRPr>
+          </a:p>
+        </p:txBody>
+      </p:sp>
+      <p:sp>
+        <p:nvSpPr>
+          <p:cNvPr id="29" name="PlaceHolder 4"/>
           <p:cNvSpPr>
             <a:spLocks noGrp="1"/>
           </p:cNvSpPr>
@@ -309,25 +418,26 @@
           </a:prstGeom>
         </p:spPr>
         <p:txBody>
-          <a:bodyPr lIns="0" rIns="0" tIns="0" bIns="0"/>
-          <a:p>
-            <a:endParaRPr b="0" lang="fr-FR" sz="15300" spc="-1" strike="noStrike">
-              <a:solidFill>
-                <a:srgbClr val="000000"/>
-              </a:solidFill>
-              <a:uFill>
-                <a:solidFill>
-                  <a:srgbClr val="ffffff"/>
-                </a:solidFill>
-              </a:uFill>
-              <a:latin typeface="Arial"/>
-            </a:endParaRPr>
-          </a:p>
-        </p:txBody>
-      </p:sp>
-      <p:sp>
-        <p:nvSpPr>
-          <p:cNvPr id="32" name="PlaceHolder 5"/>
+          <a:bodyPr lIns="0" tIns="0" rIns="0" bIns="0"/>
+          <a:lstStyle/>
+          <a:p>
+            <a:endParaRPr lang="fr-BE" sz="3200" b="0" strike="noStrike" spc="-1">
+              <a:solidFill>
+                <a:srgbClr val="000000"/>
+              </a:solidFill>
+              <a:uFill>
+                <a:solidFill>
+                  <a:srgbClr val="FFFFFF"/>
+                </a:solidFill>
+              </a:uFill>
+              <a:latin typeface="Arial"/>
+            </a:endParaRPr>
+          </a:p>
+        </p:txBody>
+      </p:sp>
+      <p:sp>
+        <p:nvSpPr>
+          <p:cNvPr id="30" name="PlaceHolder 5"/>
           <p:cNvSpPr>
             <a:spLocks noGrp="1"/>
           </p:cNvSpPr>
@@ -345,15 +455,16 @@
           </a:prstGeom>
         </p:spPr>
         <p:txBody>
-          <a:bodyPr lIns="0" rIns="0" tIns="0" bIns="0"/>
-          <a:p>
-            <a:endParaRPr b="0" lang="fr-FR" sz="15300" spc="-1" strike="noStrike">
-              <a:solidFill>
-                <a:srgbClr val="000000"/>
-              </a:solidFill>
-              <a:uFill>
-                <a:solidFill>
-                  <a:srgbClr val="ffffff"/>
+          <a:bodyPr lIns="0" tIns="0" rIns="0" bIns="0"/>
+          <a:lstStyle/>
+          <a:p>
+            <a:endParaRPr lang="fr-BE" sz="3200" b="0" strike="noStrike" spc="-1">
+              <a:solidFill>
+                <a:srgbClr val="000000"/>
+              </a:solidFill>
+              <a:uFill>
+                <a:solidFill>
+                  <a:srgbClr val="FFFFFF"/>
                 </a:solidFill>
               </a:uFill>
               <a:latin typeface="Arial"/>
@@ -363,11 +474,14 @@
       </p:sp>
     </p:spTree>
   </p:cSld>
+  <p:clrMapOvr>
+    <a:masterClrMapping/>
+  </p:clrMapOvr>
 </p:sldLayout>
 </file>
 
 <file path=ppt/slideLayouts/slideLayout12.xml><?xml version="1.0" encoding="utf-8"?>
-<p:sldLayout xmlns:a="http://schemas.openxmlformats.org/drawingml/2006/main" xmlns:p="http://schemas.openxmlformats.org/presentationml/2006/main" xmlns:r="http://schemas.openxmlformats.org/officeDocument/2006/relationships" xmlns:p14="http://schemas.microsoft.com/office/powerpoint/2010/main" xmlns:p15="http://schemas.microsoft.com/office/powerpoint/2012/main" xmlns:mc="http://schemas.openxmlformats.org/markup-compatibility/2006" type="blank" preserve="1">
+<p:sldLayout xmlns:a="http://schemas.openxmlformats.org/drawingml/2006/main" xmlns:r="http://schemas.openxmlformats.org/officeDocument/2006/relationships" xmlns:p="http://schemas.openxmlformats.org/presentationml/2006/main" type="blank" preserve="1">
   <p:cSld name="Title, 6 Content">
     <p:spTree>
       <p:nvGrpSpPr>
@@ -385,7 +499,7 @@
       </p:grpSpPr>
       <p:sp>
         <p:nvSpPr>
-          <p:cNvPr id="33" name="PlaceHolder 1"/>
+          <p:cNvPr id="31" name="PlaceHolder 1"/>
           <p:cNvSpPr>
             <a:spLocks noGrp="1"/>
           </p:cNvSpPr>
@@ -396,32 +510,34 @@
         <p:spPr>
           <a:xfrm>
             <a:off x="2467080" y="13531680"/>
-            <a:ext cx="27965160" cy="9338760"/>
-          </a:xfrm>
-          <a:prstGeom prst="rect">
-            <a:avLst/>
-          </a:prstGeom>
-        </p:spPr>
-        <p:txBody>
-          <a:bodyPr lIns="0" rIns="0" tIns="0" bIns="0" anchor="ctr"/>
-          <a:p>
-            <a:endParaRPr b="0" lang="fr-FR" sz="2400" spc="-1" strike="noStrike">
-              <a:solidFill>
-                <a:srgbClr val="000000"/>
-              </a:solidFill>
-              <a:uFill>
-                <a:solidFill>
-                  <a:srgbClr val="ffffff"/>
-                </a:solidFill>
-              </a:uFill>
-              <a:latin typeface="Arial"/>
-            </a:endParaRPr>
-          </a:p>
-        </p:txBody>
-      </p:sp>
-      <p:sp>
-        <p:nvSpPr>
-          <p:cNvPr id="34" name="PlaceHolder 2"/>
+            <a:ext cx="27964800" cy="9338400"/>
+          </a:xfrm>
+          <a:prstGeom prst="rect">
+            <a:avLst/>
+          </a:prstGeom>
+        </p:spPr>
+        <p:txBody>
+          <a:bodyPr lIns="0" tIns="0" rIns="0" bIns="0" anchor="ctr"/>
+          <a:lstStyle/>
+          <a:p>
+            <a:pPr algn="ctr"/>
+            <a:endParaRPr lang="fr-BE" sz="4400" b="0" strike="noStrike" spc="-1">
+              <a:solidFill>
+                <a:srgbClr val="000000"/>
+              </a:solidFill>
+              <a:uFill>
+                <a:solidFill>
+                  <a:srgbClr val="FFFFFF"/>
+                </a:solidFill>
+              </a:uFill>
+              <a:latin typeface="Arial"/>
+            </a:endParaRPr>
+          </a:p>
+        </p:txBody>
+      </p:sp>
+      <p:sp>
+        <p:nvSpPr>
+          <p:cNvPr id="32" name="PlaceHolder 2"/>
           <p:cNvSpPr>
             <a:spLocks noGrp="1"/>
           </p:cNvSpPr>
@@ -439,25 +555,26 @@
           </a:prstGeom>
         </p:spPr>
         <p:txBody>
-          <a:bodyPr lIns="0" rIns="0" tIns="0" bIns="0"/>
-          <a:p>
-            <a:endParaRPr b="0" lang="fr-FR" sz="15300" spc="-1" strike="noStrike">
-              <a:solidFill>
-                <a:srgbClr val="000000"/>
-              </a:solidFill>
-              <a:uFill>
-                <a:solidFill>
-                  <a:srgbClr val="ffffff"/>
-                </a:solidFill>
-              </a:uFill>
-              <a:latin typeface="Arial"/>
-            </a:endParaRPr>
-          </a:p>
-        </p:txBody>
-      </p:sp>
-      <p:sp>
-        <p:nvSpPr>
-          <p:cNvPr id="35" name="PlaceHolder 3"/>
+          <a:bodyPr lIns="0" tIns="0" rIns="0" bIns="0"/>
+          <a:lstStyle/>
+          <a:p>
+            <a:endParaRPr lang="fr-BE" sz="3200" b="0" strike="noStrike" spc="-1">
+              <a:solidFill>
+                <a:srgbClr val="000000"/>
+              </a:solidFill>
+              <a:uFill>
+                <a:solidFill>
+                  <a:srgbClr val="FFFFFF"/>
+                </a:solidFill>
+              </a:uFill>
+              <a:latin typeface="Arial"/>
+            </a:endParaRPr>
+          </a:p>
+        </p:txBody>
+      </p:sp>
+      <p:sp>
+        <p:nvSpPr>
+          <p:cNvPr id="33" name="PlaceHolder 3"/>
           <p:cNvSpPr>
             <a:spLocks noGrp="1"/>
           </p:cNvSpPr>
@@ -475,15 +592,16 @@
           </a:prstGeom>
         </p:spPr>
         <p:txBody>
-          <a:bodyPr lIns="0" rIns="0" tIns="0" bIns="0"/>
-          <a:p>
-            <a:endParaRPr b="0" lang="fr-FR" sz="15300" spc="-1" strike="noStrike">
-              <a:solidFill>
-                <a:srgbClr val="000000"/>
-              </a:solidFill>
-              <a:uFill>
-                <a:solidFill>
-                  <a:srgbClr val="ffffff"/>
+          <a:bodyPr lIns="0" tIns="0" rIns="0" bIns="0"/>
+          <a:lstStyle/>
+          <a:p>
+            <a:endParaRPr lang="fr-BE" sz="3200" b="0" strike="noStrike" spc="-1">
+              <a:solidFill>
+                <a:srgbClr val="000000"/>
+              </a:solidFill>
+              <a:uFill>
+                <a:solidFill>
+                  <a:srgbClr val="FFFFFF"/>
                 </a:solidFill>
               </a:uFill>
               <a:latin typeface="Arial"/>
@@ -493,7 +611,7 @@
       </p:sp>
       <p:pic>
         <p:nvPicPr>
-          <p:cNvPr id="36" name="" descr=""/>
+          <p:cNvPr id="34" name="Image 33"/>
           <p:cNvPicPr/>
           <p:nvPr/>
         </p:nvPicPr>
@@ -516,12 +634,12 @@
       </p:pic>
       <p:pic>
         <p:nvPicPr>
-          <p:cNvPr id="37" name="" descr=""/>
+          <p:cNvPr id="35" name="Image 34"/>
           <p:cNvPicPr/>
           <p:nvPr/>
         </p:nvPicPr>
         <p:blipFill>
-          <a:blip r:embed="rId3"/>
+          <a:blip r:embed="rId2"/>
           <a:stretch/>
         </p:blipFill>
         <p:spPr>
@@ -539,11 +657,14 @@
       </p:pic>
     </p:spTree>
   </p:cSld>
+  <p:clrMapOvr>
+    <a:masterClrMapping/>
+  </p:clrMapOvr>
 </p:sldLayout>
 </file>
 
 <file path=ppt/slideLayouts/slideLayout2.xml><?xml version="1.0" encoding="utf-8"?>
-<p:sldLayout xmlns:a="http://schemas.openxmlformats.org/drawingml/2006/main" xmlns:p="http://schemas.openxmlformats.org/presentationml/2006/main" xmlns:r="http://schemas.openxmlformats.org/officeDocument/2006/relationships" xmlns:p14="http://schemas.microsoft.com/office/powerpoint/2010/main" xmlns:p15="http://schemas.microsoft.com/office/powerpoint/2012/main" xmlns:mc="http://schemas.openxmlformats.org/markup-compatibility/2006" type="tx" preserve="1">
+<p:sldLayout xmlns:a="http://schemas.openxmlformats.org/drawingml/2006/main" xmlns:r="http://schemas.openxmlformats.org/officeDocument/2006/relationships" xmlns:p="http://schemas.openxmlformats.org/presentationml/2006/main" type="tx" preserve="1">
   <p:cSld name="Title Slide">
     <p:spTree>
       <p:nvGrpSpPr>
@@ -561,7 +682,7 @@
       </p:grpSpPr>
       <p:sp>
         <p:nvSpPr>
-          <p:cNvPr id="4" name="PlaceHolder 1"/>
+          <p:cNvPr id="2" name="PlaceHolder 1"/>
           <p:cNvSpPr>
             <a:spLocks noGrp="1"/>
           </p:cNvSpPr>
@@ -572,32 +693,34 @@
         <p:spPr>
           <a:xfrm>
             <a:off x="2467080" y="13531680"/>
-            <a:ext cx="27965160" cy="9338760"/>
-          </a:xfrm>
-          <a:prstGeom prst="rect">
-            <a:avLst/>
-          </a:prstGeom>
-        </p:spPr>
-        <p:txBody>
-          <a:bodyPr lIns="0" rIns="0" tIns="0" bIns="0" anchor="ctr"/>
-          <a:p>
-            <a:endParaRPr b="0" lang="fr-FR" sz="2400" spc="-1" strike="noStrike">
-              <a:solidFill>
-                <a:srgbClr val="000000"/>
-              </a:solidFill>
-              <a:uFill>
-                <a:solidFill>
-                  <a:srgbClr val="ffffff"/>
-                </a:solidFill>
-              </a:uFill>
-              <a:latin typeface="Arial"/>
-            </a:endParaRPr>
-          </a:p>
-        </p:txBody>
-      </p:sp>
-      <p:sp>
-        <p:nvSpPr>
-          <p:cNvPr id="5" name="PlaceHolder 2"/>
+            <a:ext cx="27964800" cy="9338400"/>
+          </a:xfrm>
+          <a:prstGeom prst="rect">
+            <a:avLst/>
+          </a:prstGeom>
+        </p:spPr>
+        <p:txBody>
+          <a:bodyPr lIns="0" tIns="0" rIns="0" bIns="0" anchor="ctr"/>
+          <a:lstStyle/>
+          <a:p>
+            <a:pPr algn="ctr"/>
+            <a:endParaRPr lang="fr-BE" sz="4400" b="0" strike="noStrike" spc="-1">
+              <a:solidFill>
+                <a:srgbClr val="000000"/>
+              </a:solidFill>
+              <a:uFill>
+                <a:solidFill>
+                  <a:srgbClr val="FFFFFF"/>
+                </a:solidFill>
+              </a:uFill>
+              <a:latin typeface="Arial"/>
+            </a:endParaRPr>
+          </a:p>
+        </p:txBody>
+      </p:sp>
+      <p:sp>
+        <p:nvSpPr>
+          <p:cNvPr id="3" name="PlaceHolder 2"/>
           <p:cNvSpPr>
             <a:spLocks noGrp="1"/>
           </p:cNvSpPr>
@@ -615,16 +738,17 @@
           </a:prstGeom>
         </p:spPr>
         <p:txBody>
-          <a:bodyPr lIns="0" rIns="0" tIns="0" bIns="0" anchor="ctr"/>
+          <a:bodyPr lIns="0" tIns="0" rIns="0" bIns="0" anchor="ctr"/>
+          <a:lstStyle/>
           <a:p>
             <a:pPr algn="ctr"/>
-            <a:endParaRPr b="0" lang="fr-BE" sz="3200" spc="-1" strike="noStrike">
-              <a:solidFill>
-                <a:srgbClr val="000000"/>
-              </a:solidFill>
-              <a:uFill>
-                <a:solidFill>
-                  <a:srgbClr val="ffffff"/>
+            <a:endParaRPr lang="fr-BE" sz="3200" b="0" strike="noStrike" spc="-1">
+              <a:solidFill>
+                <a:srgbClr val="000000"/>
+              </a:solidFill>
+              <a:uFill>
+                <a:solidFill>
+                  <a:srgbClr val="FFFFFF"/>
                 </a:solidFill>
               </a:uFill>
               <a:latin typeface="Arial"/>
@@ -634,11 +758,14 @@
       </p:sp>
     </p:spTree>
   </p:cSld>
+  <p:clrMapOvr>
+    <a:masterClrMapping/>
+  </p:clrMapOvr>
 </p:sldLayout>
 </file>
 
 <file path=ppt/slideLayouts/slideLayout3.xml><?xml version="1.0" encoding="utf-8"?>
-<p:sldLayout xmlns:a="http://schemas.openxmlformats.org/drawingml/2006/main" xmlns:p="http://schemas.openxmlformats.org/presentationml/2006/main" xmlns:r="http://schemas.openxmlformats.org/officeDocument/2006/relationships" xmlns:p14="http://schemas.microsoft.com/office/powerpoint/2010/main" xmlns:p15="http://schemas.microsoft.com/office/powerpoint/2012/main" xmlns:mc="http://schemas.openxmlformats.org/markup-compatibility/2006" type="obj" preserve="1">
+<p:sldLayout xmlns:a="http://schemas.openxmlformats.org/drawingml/2006/main" xmlns:r="http://schemas.openxmlformats.org/officeDocument/2006/relationships" xmlns:p="http://schemas.openxmlformats.org/presentationml/2006/main" type="obj" preserve="1">
   <p:cSld name="Title, Content">
     <p:spTree>
       <p:nvGrpSpPr>
@@ -656,7 +783,7 @@
       </p:grpSpPr>
       <p:sp>
         <p:nvSpPr>
-          <p:cNvPr id="6" name="PlaceHolder 1"/>
+          <p:cNvPr id="4" name="PlaceHolder 1"/>
           <p:cNvSpPr>
             <a:spLocks noGrp="1"/>
           </p:cNvSpPr>
@@ -667,32 +794,34 @@
         <p:spPr>
           <a:xfrm>
             <a:off x="2467080" y="13531680"/>
-            <a:ext cx="27965160" cy="9338760"/>
-          </a:xfrm>
-          <a:prstGeom prst="rect">
-            <a:avLst/>
-          </a:prstGeom>
-        </p:spPr>
-        <p:txBody>
-          <a:bodyPr lIns="0" rIns="0" tIns="0" bIns="0" anchor="ctr"/>
-          <a:p>
-            <a:endParaRPr b="0" lang="fr-FR" sz="2400" spc="-1" strike="noStrike">
-              <a:solidFill>
-                <a:srgbClr val="000000"/>
-              </a:solidFill>
-              <a:uFill>
-                <a:solidFill>
-                  <a:srgbClr val="ffffff"/>
-                </a:solidFill>
-              </a:uFill>
-              <a:latin typeface="Arial"/>
-            </a:endParaRPr>
-          </a:p>
-        </p:txBody>
-      </p:sp>
-      <p:sp>
-        <p:nvSpPr>
-          <p:cNvPr id="7" name="PlaceHolder 2"/>
+            <a:ext cx="27964800" cy="9338400"/>
+          </a:xfrm>
+          <a:prstGeom prst="rect">
+            <a:avLst/>
+          </a:prstGeom>
+        </p:spPr>
+        <p:txBody>
+          <a:bodyPr lIns="0" tIns="0" rIns="0" bIns="0" anchor="ctr"/>
+          <a:lstStyle/>
+          <a:p>
+            <a:pPr algn="ctr"/>
+            <a:endParaRPr lang="fr-BE" sz="4400" b="0" strike="noStrike" spc="-1">
+              <a:solidFill>
+                <a:srgbClr val="000000"/>
+              </a:solidFill>
+              <a:uFill>
+                <a:solidFill>
+                  <a:srgbClr val="FFFFFF"/>
+                </a:solidFill>
+              </a:uFill>
+              <a:latin typeface="Arial"/>
+            </a:endParaRPr>
+          </a:p>
+        </p:txBody>
+      </p:sp>
+      <p:sp>
+        <p:nvSpPr>
+          <p:cNvPr id="5" name="PlaceHolder 2"/>
           <p:cNvSpPr>
             <a:spLocks noGrp="1"/>
           </p:cNvSpPr>
@@ -710,15 +839,16 @@
           </a:prstGeom>
         </p:spPr>
         <p:txBody>
-          <a:bodyPr lIns="0" rIns="0" tIns="0" bIns="0"/>
-          <a:p>
-            <a:endParaRPr b="0" lang="fr-FR" sz="15300" spc="-1" strike="noStrike">
-              <a:solidFill>
-                <a:srgbClr val="000000"/>
-              </a:solidFill>
-              <a:uFill>
-                <a:solidFill>
-                  <a:srgbClr val="ffffff"/>
+          <a:bodyPr lIns="0" tIns="0" rIns="0" bIns="0"/>
+          <a:lstStyle/>
+          <a:p>
+            <a:endParaRPr lang="fr-BE" sz="3200" b="0" strike="noStrike" spc="-1">
+              <a:solidFill>
+                <a:srgbClr val="000000"/>
+              </a:solidFill>
+              <a:uFill>
+                <a:solidFill>
+                  <a:srgbClr val="FFFFFF"/>
                 </a:solidFill>
               </a:uFill>
               <a:latin typeface="Arial"/>
@@ -728,11 +858,14 @@
       </p:sp>
     </p:spTree>
   </p:cSld>
+  <p:clrMapOvr>
+    <a:masterClrMapping/>
+  </p:clrMapOvr>
 </p:sldLayout>
 </file>
 
 <file path=ppt/slideLayouts/slideLayout4.xml><?xml version="1.0" encoding="utf-8"?>
-<p:sldLayout xmlns:a="http://schemas.openxmlformats.org/drawingml/2006/main" xmlns:p="http://schemas.openxmlformats.org/presentationml/2006/main" xmlns:r="http://schemas.openxmlformats.org/officeDocument/2006/relationships" xmlns:p14="http://schemas.microsoft.com/office/powerpoint/2010/main" xmlns:p15="http://schemas.microsoft.com/office/powerpoint/2012/main" xmlns:mc="http://schemas.openxmlformats.org/markup-compatibility/2006" type="twoObj" preserve="1">
+<p:sldLayout xmlns:a="http://schemas.openxmlformats.org/drawingml/2006/main" xmlns:r="http://schemas.openxmlformats.org/officeDocument/2006/relationships" xmlns:p="http://schemas.openxmlformats.org/presentationml/2006/main" type="twoObj" preserve="1">
   <p:cSld name="Title, 2 Content">
     <p:spTree>
       <p:nvGrpSpPr>
@@ -750,7 +883,7 @@
       </p:grpSpPr>
       <p:sp>
         <p:nvSpPr>
-          <p:cNvPr id="8" name="PlaceHolder 1"/>
+          <p:cNvPr id="6" name="PlaceHolder 1"/>
           <p:cNvSpPr>
             <a:spLocks noGrp="1"/>
           </p:cNvSpPr>
@@ -761,32 +894,34 @@
         <p:spPr>
           <a:xfrm>
             <a:off x="2467080" y="13531680"/>
-            <a:ext cx="27965160" cy="9338760"/>
-          </a:xfrm>
-          <a:prstGeom prst="rect">
-            <a:avLst/>
-          </a:prstGeom>
-        </p:spPr>
-        <p:txBody>
-          <a:bodyPr lIns="0" rIns="0" tIns="0" bIns="0" anchor="ctr"/>
-          <a:p>
-            <a:endParaRPr b="0" lang="fr-FR" sz="2400" spc="-1" strike="noStrike">
-              <a:solidFill>
-                <a:srgbClr val="000000"/>
-              </a:solidFill>
-              <a:uFill>
-                <a:solidFill>
-                  <a:srgbClr val="ffffff"/>
-                </a:solidFill>
-              </a:uFill>
-              <a:latin typeface="Arial"/>
-            </a:endParaRPr>
-          </a:p>
-        </p:txBody>
-      </p:sp>
-      <p:sp>
-        <p:nvSpPr>
-          <p:cNvPr id="9" name="PlaceHolder 2"/>
+            <a:ext cx="27964800" cy="9338400"/>
+          </a:xfrm>
+          <a:prstGeom prst="rect">
+            <a:avLst/>
+          </a:prstGeom>
+        </p:spPr>
+        <p:txBody>
+          <a:bodyPr lIns="0" tIns="0" rIns="0" bIns="0" anchor="ctr"/>
+          <a:lstStyle/>
+          <a:p>
+            <a:pPr algn="ctr"/>
+            <a:endParaRPr lang="fr-BE" sz="4400" b="0" strike="noStrike" spc="-1">
+              <a:solidFill>
+                <a:srgbClr val="000000"/>
+              </a:solidFill>
+              <a:uFill>
+                <a:solidFill>
+                  <a:srgbClr val="FFFFFF"/>
+                </a:solidFill>
+              </a:uFill>
+              <a:latin typeface="Arial"/>
+            </a:endParaRPr>
+          </a:p>
+        </p:txBody>
+      </p:sp>
+      <p:sp>
+        <p:nvSpPr>
+          <p:cNvPr id="7" name="PlaceHolder 2"/>
           <p:cNvSpPr>
             <a:spLocks noGrp="1"/>
           </p:cNvSpPr>
@@ -804,25 +939,26 @@
           </a:prstGeom>
         </p:spPr>
         <p:txBody>
-          <a:bodyPr lIns="0" rIns="0" tIns="0" bIns="0"/>
-          <a:p>
-            <a:endParaRPr b="0" lang="fr-FR" sz="15300" spc="-1" strike="noStrike">
-              <a:solidFill>
-                <a:srgbClr val="000000"/>
-              </a:solidFill>
-              <a:uFill>
-                <a:solidFill>
-                  <a:srgbClr val="ffffff"/>
-                </a:solidFill>
-              </a:uFill>
-              <a:latin typeface="Arial"/>
-            </a:endParaRPr>
-          </a:p>
-        </p:txBody>
-      </p:sp>
-      <p:sp>
-        <p:nvSpPr>
-          <p:cNvPr id="10" name="PlaceHolder 3"/>
+          <a:bodyPr lIns="0" tIns="0" rIns="0" bIns="0"/>
+          <a:lstStyle/>
+          <a:p>
+            <a:endParaRPr lang="fr-BE" sz="3200" b="0" strike="noStrike" spc="-1">
+              <a:solidFill>
+                <a:srgbClr val="000000"/>
+              </a:solidFill>
+              <a:uFill>
+                <a:solidFill>
+                  <a:srgbClr val="FFFFFF"/>
+                </a:solidFill>
+              </a:uFill>
+              <a:latin typeface="Arial"/>
+            </a:endParaRPr>
+          </a:p>
+        </p:txBody>
+      </p:sp>
+      <p:sp>
+        <p:nvSpPr>
+          <p:cNvPr id="8" name="PlaceHolder 3"/>
           <p:cNvSpPr>
             <a:spLocks noGrp="1"/>
           </p:cNvSpPr>
@@ -840,15 +976,16 @@
           </a:prstGeom>
         </p:spPr>
         <p:txBody>
-          <a:bodyPr lIns="0" rIns="0" tIns="0" bIns="0"/>
-          <a:p>
-            <a:endParaRPr b="0" lang="fr-FR" sz="15300" spc="-1" strike="noStrike">
-              <a:solidFill>
-                <a:srgbClr val="000000"/>
-              </a:solidFill>
-              <a:uFill>
-                <a:solidFill>
-                  <a:srgbClr val="ffffff"/>
+          <a:bodyPr lIns="0" tIns="0" rIns="0" bIns="0"/>
+          <a:lstStyle/>
+          <a:p>
+            <a:endParaRPr lang="fr-BE" sz="3200" b="0" strike="noStrike" spc="-1">
+              <a:solidFill>
+                <a:srgbClr val="000000"/>
+              </a:solidFill>
+              <a:uFill>
+                <a:solidFill>
+                  <a:srgbClr val="FFFFFF"/>
                 </a:solidFill>
               </a:uFill>
               <a:latin typeface="Arial"/>
@@ -858,11 +995,14 @@
       </p:sp>
     </p:spTree>
   </p:cSld>
+  <p:clrMapOvr>
+    <a:masterClrMapping/>
+  </p:clrMapOvr>
 </p:sldLayout>
 </file>
 
 <file path=ppt/slideLayouts/slideLayout5.xml><?xml version="1.0" encoding="utf-8"?>
-<p:sldLayout xmlns:a="http://schemas.openxmlformats.org/drawingml/2006/main" xmlns:p="http://schemas.openxmlformats.org/presentationml/2006/main" xmlns:r="http://schemas.openxmlformats.org/officeDocument/2006/relationships" xmlns:p14="http://schemas.microsoft.com/office/powerpoint/2010/main" xmlns:p15="http://schemas.microsoft.com/office/powerpoint/2012/main" xmlns:mc="http://schemas.openxmlformats.org/markup-compatibility/2006" type="titleOnly" preserve="1">
+<p:sldLayout xmlns:a="http://schemas.openxmlformats.org/drawingml/2006/main" xmlns:r="http://schemas.openxmlformats.org/officeDocument/2006/relationships" xmlns:p="http://schemas.openxmlformats.org/presentationml/2006/main" type="titleOnly" preserve="1">
   <p:cSld name="Title Only">
     <p:spTree>
       <p:nvGrpSpPr>
@@ -880,7 +1020,7 @@
       </p:grpSpPr>
       <p:sp>
         <p:nvSpPr>
-          <p:cNvPr id="11" name="PlaceHolder 1"/>
+          <p:cNvPr id="9" name="PlaceHolder 1"/>
           <p:cNvSpPr>
             <a:spLocks noGrp="1"/>
           </p:cNvSpPr>
@@ -891,22 +1031,24 @@
         <p:spPr>
           <a:xfrm>
             <a:off x="2467080" y="13531680"/>
-            <a:ext cx="27965160" cy="9338760"/>
-          </a:xfrm>
-          <a:prstGeom prst="rect">
-            <a:avLst/>
-          </a:prstGeom>
-        </p:spPr>
-        <p:txBody>
-          <a:bodyPr lIns="0" rIns="0" tIns="0" bIns="0" anchor="ctr"/>
-          <a:p>
-            <a:endParaRPr b="0" lang="fr-FR" sz="2400" spc="-1" strike="noStrike">
-              <a:solidFill>
-                <a:srgbClr val="000000"/>
-              </a:solidFill>
-              <a:uFill>
-                <a:solidFill>
-                  <a:srgbClr val="ffffff"/>
+            <a:ext cx="27964800" cy="9338400"/>
+          </a:xfrm>
+          <a:prstGeom prst="rect">
+            <a:avLst/>
+          </a:prstGeom>
+        </p:spPr>
+        <p:txBody>
+          <a:bodyPr lIns="0" tIns="0" rIns="0" bIns="0" anchor="ctr"/>
+          <a:lstStyle/>
+          <a:p>
+            <a:pPr algn="ctr"/>
+            <a:endParaRPr lang="fr-BE" sz="4400" b="0" strike="noStrike" spc="-1">
+              <a:solidFill>
+                <a:srgbClr val="000000"/>
+              </a:solidFill>
+              <a:uFill>
+                <a:solidFill>
+                  <a:srgbClr val="FFFFFF"/>
                 </a:solidFill>
               </a:uFill>
               <a:latin typeface="Arial"/>
@@ -916,11 +1058,14 @@
       </p:sp>
     </p:spTree>
   </p:cSld>
+  <p:clrMapOvr>
+    <a:masterClrMapping/>
+  </p:clrMapOvr>
 </p:sldLayout>
 </file>
 
 <file path=ppt/slideLayouts/slideLayout6.xml><?xml version="1.0" encoding="utf-8"?>
-<p:sldLayout xmlns:a="http://schemas.openxmlformats.org/drawingml/2006/main" xmlns:p="http://schemas.openxmlformats.org/presentationml/2006/main" xmlns:r="http://schemas.openxmlformats.org/officeDocument/2006/relationships" xmlns:p14="http://schemas.microsoft.com/office/powerpoint/2010/main" xmlns:p15="http://schemas.microsoft.com/office/powerpoint/2012/main" xmlns:mc="http://schemas.openxmlformats.org/markup-compatibility/2006" type="objOnly" preserve="1">
+<p:sldLayout xmlns:a="http://schemas.openxmlformats.org/drawingml/2006/main" xmlns:r="http://schemas.openxmlformats.org/officeDocument/2006/relationships" xmlns:p="http://schemas.openxmlformats.org/presentationml/2006/main" type="objOnly" preserve="1">
   <p:cSld name="Centered Text">
     <p:spTree>
       <p:nvGrpSpPr>
@@ -938,7 +1083,7 @@
       </p:grpSpPr>
       <p:sp>
         <p:nvSpPr>
-          <p:cNvPr id="12" name="PlaceHolder 1"/>
+          <p:cNvPr id="10" name="PlaceHolder 1"/>
           <p:cNvSpPr>
             <a:spLocks noGrp="1"/>
           </p:cNvSpPr>
@@ -949,23 +1094,24 @@
         <p:spPr>
           <a:xfrm>
             <a:off x="2467080" y="13531680"/>
-            <a:ext cx="27965160" cy="43290360"/>
-          </a:xfrm>
-          <a:prstGeom prst="rect">
-            <a:avLst/>
-          </a:prstGeom>
-        </p:spPr>
-        <p:txBody>
-          <a:bodyPr lIns="0" rIns="0" tIns="0" bIns="0" anchor="ctr"/>
+            <a:ext cx="27964800" cy="43288560"/>
+          </a:xfrm>
+          <a:prstGeom prst="rect">
+            <a:avLst/>
+          </a:prstGeom>
+        </p:spPr>
+        <p:txBody>
+          <a:bodyPr lIns="0" tIns="0" rIns="0" bIns="0" anchor="ctr"/>
+          <a:lstStyle/>
           <a:p>
             <a:pPr algn="ctr"/>
-            <a:endParaRPr b="0" lang="fr-BE" sz="3200" spc="-1" strike="noStrike">
-              <a:solidFill>
-                <a:srgbClr val="000000"/>
-              </a:solidFill>
-              <a:uFill>
-                <a:solidFill>
-                  <a:srgbClr val="ffffff"/>
+            <a:endParaRPr lang="fr-BE" sz="3200" b="0" strike="noStrike" spc="-1">
+              <a:solidFill>
+                <a:srgbClr val="000000"/>
+              </a:solidFill>
+              <a:uFill>
+                <a:solidFill>
+                  <a:srgbClr val="FFFFFF"/>
                 </a:solidFill>
               </a:uFill>
               <a:latin typeface="Arial"/>
@@ -975,11 +1121,14 @@
       </p:sp>
     </p:spTree>
   </p:cSld>
+  <p:clrMapOvr>
+    <a:masterClrMapping/>
+  </p:clrMapOvr>
 </p:sldLayout>
 </file>
 
 <file path=ppt/slideLayouts/slideLayout7.xml><?xml version="1.0" encoding="utf-8"?>
-<p:sldLayout xmlns:a="http://schemas.openxmlformats.org/drawingml/2006/main" xmlns:p="http://schemas.openxmlformats.org/presentationml/2006/main" xmlns:r="http://schemas.openxmlformats.org/officeDocument/2006/relationships" xmlns:p14="http://schemas.microsoft.com/office/powerpoint/2010/main" xmlns:p15="http://schemas.microsoft.com/office/powerpoint/2012/main" xmlns:mc="http://schemas.openxmlformats.org/markup-compatibility/2006" type="twoObjAndObj" preserve="1">
+<p:sldLayout xmlns:a="http://schemas.openxmlformats.org/drawingml/2006/main" xmlns:r="http://schemas.openxmlformats.org/officeDocument/2006/relationships" xmlns:p="http://schemas.openxmlformats.org/presentationml/2006/main" type="twoObjAndObj" preserve="1">
   <p:cSld name="Title, 2 Content and Content">
     <p:spTree>
       <p:nvGrpSpPr>
@@ -997,7 +1146,7 @@
       </p:grpSpPr>
       <p:sp>
         <p:nvSpPr>
-          <p:cNvPr id="13" name="PlaceHolder 1"/>
+          <p:cNvPr id="11" name="PlaceHolder 1"/>
           <p:cNvSpPr>
             <a:spLocks noGrp="1"/>
           </p:cNvSpPr>
@@ -1008,32 +1157,34 @@
         <p:spPr>
           <a:xfrm>
             <a:off x="2467080" y="13531680"/>
-            <a:ext cx="27965160" cy="9338760"/>
-          </a:xfrm>
-          <a:prstGeom prst="rect">
-            <a:avLst/>
-          </a:prstGeom>
-        </p:spPr>
-        <p:txBody>
-          <a:bodyPr lIns="0" rIns="0" tIns="0" bIns="0" anchor="ctr"/>
-          <a:p>
-            <a:endParaRPr b="0" lang="fr-FR" sz="2400" spc="-1" strike="noStrike">
-              <a:solidFill>
-                <a:srgbClr val="000000"/>
-              </a:solidFill>
-              <a:uFill>
-                <a:solidFill>
-                  <a:srgbClr val="ffffff"/>
-                </a:solidFill>
-              </a:uFill>
-              <a:latin typeface="Arial"/>
-            </a:endParaRPr>
-          </a:p>
-        </p:txBody>
-      </p:sp>
-      <p:sp>
-        <p:nvSpPr>
-          <p:cNvPr id="14" name="PlaceHolder 2"/>
+            <a:ext cx="27964800" cy="9338400"/>
+          </a:xfrm>
+          <a:prstGeom prst="rect">
+            <a:avLst/>
+          </a:prstGeom>
+        </p:spPr>
+        <p:txBody>
+          <a:bodyPr lIns="0" tIns="0" rIns="0" bIns="0" anchor="ctr"/>
+          <a:lstStyle/>
+          <a:p>
+            <a:pPr algn="ctr"/>
+            <a:endParaRPr lang="fr-BE" sz="4400" b="0" strike="noStrike" spc="-1">
+              <a:solidFill>
+                <a:srgbClr val="000000"/>
+              </a:solidFill>
+              <a:uFill>
+                <a:solidFill>
+                  <a:srgbClr val="FFFFFF"/>
+                </a:solidFill>
+              </a:uFill>
+              <a:latin typeface="Arial"/>
+            </a:endParaRPr>
+          </a:p>
+        </p:txBody>
+      </p:sp>
+      <p:sp>
+        <p:nvSpPr>
+          <p:cNvPr id="12" name="PlaceHolder 2"/>
           <p:cNvSpPr>
             <a:spLocks noGrp="1"/>
           </p:cNvSpPr>
@@ -1051,25 +1202,26 @@
           </a:prstGeom>
         </p:spPr>
         <p:txBody>
-          <a:bodyPr lIns="0" rIns="0" tIns="0" bIns="0"/>
-          <a:p>
-            <a:endParaRPr b="0" lang="fr-FR" sz="15300" spc="-1" strike="noStrike">
-              <a:solidFill>
-                <a:srgbClr val="000000"/>
-              </a:solidFill>
-              <a:uFill>
-                <a:solidFill>
-                  <a:srgbClr val="ffffff"/>
-                </a:solidFill>
-              </a:uFill>
-              <a:latin typeface="Arial"/>
-            </a:endParaRPr>
-          </a:p>
-        </p:txBody>
-      </p:sp>
-      <p:sp>
-        <p:nvSpPr>
-          <p:cNvPr id="15" name="PlaceHolder 3"/>
+          <a:bodyPr lIns="0" tIns="0" rIns="0" bIns="0"/>
+          <a:lstStyle/>
+          <a:p>
+            <a:endParaRPr lang="fr-BE" sz="3200" b="0" strike="noStrike" spc="-1">
+              <a:solidFill>
+                <a:srgbClr val="000000"/>
+              </a:solidFill>
+              <a:uFill>
+                <a:solidFill>
+                  <a:srgbClr val="FFFFFF"/>
+                </a:solidFill>
+              </a:uFill>
+              <a:latin typeface="Arial"/>
+            </a:endParaRPr>
+          </a:p>
+        </p:txBody>
+      </p:sp>
+      <p:sp>
+        <p:nvSpPr>
+          <p:cNvPr id="13" name="PlaceHolder 3"/>
           <p:cNvSpPr>
             <a:spLocks noGrp="1"/>
           </p:cNvSpPr>
@@ -1087,25 +1239,26 @@
           </a:prstGeom>
         </p:spPr>
         <p:txBody>
-          <a:bodyPr lIns="0" rIns="0" tIns="0" bIns="0"/>
-          <a:p>
-            <a:endParaRPr b="0" lang="fr-FR" sz="15300" spc="-1" strike="noStrike">
-              <a:solidFill>
-                <a:srgbClr val="000000"/>
-              </a:solidFill>
-              <a:uFill>
-                <a:solidFill>
-                  <a:srgbClr val="ffffff"/>
-                </a:solidFill>
-              </a:uFill>
-              <a:latin typeface="Arial"/>
-            </a:endParaRPr>
-          </a:p>
-        </p:txBody>
-      </p:sp>
-      <p:sp>
-        <p:nvSpPr>
-          <p:cNvPr id="16" name="PlaceHolder 4"/>
+          <a:bodyPr lIns="0" tIns="0" rIns="0" bIns="0"/>
+          <a:lstStyle/>
+          <a:p>
+            <a:endParaRPr lang="fr-BE" sz="3200" b="0" strike="noStrike" spc="-1">
+              <a:solidFill>
+                <a:srgbClr val="000000"/>
+              </a:solidFill>
+              <a:uFill>
+                <a:solidFill>
+                  <a:srgbClr val="FFFFFF"/>
+                </a:solidFill>
+              </a:uFill>
+              <a:latin typeface="Arial"/>
+            </a:endParaRPr>
+          </a:p>
+        </p:txBody>
+      </p:sp>
+      <p:sp>
+        <p:nvSpPr>
+          <p:cNvPr id="14" name="PlaceHolder 4"/>
           <p:cNvSpPr>
             <a:spLocks noGrp="1"/>
           </p:cNvSpPr>
@@ -1123,15 +1276,16 @@
           </a:prstGeom>
         </p:spPr>
         <p:txBody>
-          <a:bodyPr lIns="0" rIns="0" tIns="0" bIns="0"/>
-          <a:p>
-            <a:endParaRPr b="0" lang="fr-FR" sz="15300" spc="-1" strike="noStrike">
-              <a:solidFill>
-                <a:srgbClr val="000000"/>
-              </a:solidFill>
-              <a:uFill>
-                <a:solidFill>
-                  <a:srgbClr val="ffffff"/>
+          <a:bodyPr lIns="0" tIns="0" rIns="0" bIns="0"/>
+          <a:lstStyle/>
+          <a:p>
+            <a:endParaRPr lang="fr-BE" sz="3200" b="0" strike="noStrike" spc="-1">
+              <a:solidFill>
+                <a:srgbClr val="000000"/>
+              </a:solidFill>
+              <a:uFill>
+                <a:solidFill>
+                  <a:srgbClr val="FFFFFF"/>
                 </a:solidFill>
               </a:uFill>
               <a:latin typeface="Arial"/>
@@ -1141,11 +1295,14 @@
       </p:sp>
     </p:spTree>
   </p:cSld>
+  <p:clrMapOvr>
+    <a:masterClrMapping/>
+  </p:clrMapOvr>
 </p:sldLayout>
 </file>
 
 <file path=ppt/slideLayouts/slideLayout8.xml><?xml version="1.0" encoding="utf-8"?>
-<p:sldLayout xmlns:a="http://schemas.openxmlformats.org/drawingml/2006/main" xmlns:p="http://schemas.openxmlformats.org/presentationml/2006/main" xmlns:r="http://schemas.openxmlformats.org/officeDocument/2006/relationships" xmlns:p14="http://schemas.microsoft.com/office/powerpoint/2010/main" xmlns:p15="http://schemas.microsoft.com/office/powerpoint/2012/main" xmlns:mc="http://schemas.openxmlformats.org/markup-compatibility/2006" type="objAndTwoObj" preserve="1">
+<p:sldLayout xmlns:a="http://schemas.openxmlformats.org/drawingml/2006/main" xmlns:r="http://schemas.openxmlformats.org/officeDocument/2006/relationships" xmlns:p="http://schemas.openxmlformats.org/presentationml/2006/main" type="objAndTwoObj" preserve="1">
   <p:cSld name="Title Content and 2 Content">
     <p:spTree>
       <p:nvGrpSpPr>
@@ -1163,7 +1320,7 @@
       </p:grpSpPr>
       <p:sp>
         <p:nvSpPr>
-          <p:cNvPr id="17" name="PlaceHolder 1"/>
+          <p:cNvPr id="15" name="PlaceHolder 1"/>
           <p:cNvSpPr>
             <a:spLocks noGrp="1"/>
           </p:cNvSpPr>
@@ -1174,32 +1331,34 @@
         <p:spPr>
           <a:xfrm>
             <a:off x="2467080" y="13531680"/>
-            <a:ext cx="27965160" cy="9338760"/>
-          </a:xfrm>
-          <a:prstGeom prst="rect">
-            <a:avLst/>
-          </a:prstGeom>
-        </p:spPr>
-        <p:txBody>
-          <a:bodyPr lIns="0" rIns="0" tIns="0" bIns="0" anchor="ctr"/>
-          <a:p>
-            <a:endParaRPr b="0" lang="fr-FR" sz="2400" spc="-1" strike="noStrike">
-              <a:solidFill>
-                <a:srgbClr val="000000"/>
-              </a:solidFill>
-              <a:uFill>
-                <a:solidFill>
-                  <a:srgbClr val="ffffff"/>
-                </a:solidFill>
-              </a:uFill>
-              <a:latin typeface="Arial"/>
-            </a:endParaRPr>
-          </a:p>
-        </p:txBody>
-      </p:sp>
-      <p:sp>
-        <p:nvSpPr>
-          <p:cNvPr id="18" name="PlaceHolder 2"/>
+            <a:ext cx="27964800" cy="9338400"/>
+          </a:xfrm>
+          <a:prstGeom prst="rect">
+            <a:avLst/>
+          </a:prstGeom>
+        </p:spPr>
+        <p:txBody>
+          <a:bodyPr lIns="0" tIns="0" rIns="0" bIns="0" anchor="ctr"/>
+          <a:lstStyle/>
+          <a:p>
+            <a:pPr algn="ctr"/>
+            <a:endParaRPr lang="fr-BE" sz="4400" b="0" strike="noStrike" spc="-1">
+              <a:solidFill>
+                <a:srgbClr val="000000"/>
+              </a:solidFill>
+              <a:uFill>
+                <a:solidFill>
+                  <a:srgbClr val="FFFFFF"/>
+                </a:solidFill>
+              </a:uFill>
+              <a:latin typeface="Arial"/>
+            </a:endParaRPr>
+          </a:p>
+        </p:txBody>
+      </p:sp>
+      <p:sp>
+        <p:nvSpPr>
+          <p:cNvPr id="16" name="PlaceHolder 2"/>
           <p:cNvSpPr>
             <a:spLocks noGrp="1"/>
           </p:cNvSpPr>
@@ -1217,25 +1376,26 @@
           </a:prstGeom>
         </p:spPr>
         <p:txBody>
-          <a:bodyPr lIns="0" rIns="0" tIns="0" bIns="0"/>
-          <a:p>
-            <a:endParaRPr b="0" lang="fr-FR" sz="15300" spc="-1" strike="noStrike">
-              <a:solidFill>
-                <a:srgbClr val="000000"/>
-              </a:solidFill>
-              <a:uFill>
-                <a:solidFill>
-                  <a:srgbClr val="ffffff"/>
-                </a:solidFill>
-              </a:uFill>
-              <a:latin typeface="Arial"/>
-            </a:endParaRPr>
-          </a:p>
-        </p:txBody>
-      </p:sp>
-      <p:sp>
-        <p:nvSpPr>
-          <p:cNvPr id="19" name="PlaceHolder 3"/>
+          <a:bodyPr lIns="0" tIns="0" rIns="0" bIns="0"/>
+          <a:lstStyle/>
+          <a:p>
+            <a:endParaRPr lang="fr-BE" sz="3200" b="0" strike="noStrike" spc="-1">
+              <a:solidFill>
+                <a:srgbClr val="000000"/>
+              </a:solidFill>
+              <a:uFill>
+                <a:solidFill>
+                  <a:srgbClr val="FFFFFF"/>
+                </a:solidFill>
+              </a:uFill>
+              <a:latin typeface="Arial"/>
+            </a:endParaRPr>
+          </a:p>
+        </p:txBody>
+      </p:sp>
+      <p:sp>
+        <p:nvSpPr>
+          <p:cNvPr id="17" name="PlaceHolder 3"/>
           <p:cNvSpPr>
             <a:spLocks noGrp="1"/>
           </p:cNvSpPr>
@@ -1253,25 +1413,26 @@
           </a:prstGeom>
         </p:spPr>
         <p:txBody>
-          <a:bodyPr lIns="0" rIns="0" tIns="0" bIns="0"/>
-          <a:p>
-            <a:endParaRPr b="0" lang="fr-FR" sz="15300" spc="-1" strike="noStrike">
-              <a:solidFill>
-                <a:srgbClr val="000000"/>
-              </a:solidFill>
-              <a:uFill>
-                <a:solidFill>
-                  <a:srgbClr val="ffffff"/>
-                </a:solidFill>
-              </a:uFill>
-              <a:latin typeface="Arial"/>
-            </a:endParaRPr>
-          </a:p>
-        </p:txBody>
-      </p:sp>
-      <p:sp>
-        <p:nvSpPr>
-          <p:cNvPr id="20" name="PlaceHolder 4"/>
+          <a:bodyPr lIns="0" tIns="0" rIns="0" bIns="0"/>
+          <a:lstStyle/>
+          <a:p>
+            <a:endParaRPr lang="fr-BE" sz="3200" b="0" strike="noStrike" spc="-1">
+              <a:solidFill>
+                <a:srgbClr val="000000"/>
+              </a:solidFill>
+              <a:uFill>
+                <a:solidFill>
+                  <a:srgbClr val="FFFFFF"/>
+                </a:solidFill>
+              </a:uFill>
+              <a:latin typeface="Arial"/>
+            </a:endParaRPr>
+          </a:p>
+        </p:txBody>
+      </p:sp>
+      <p:sp>
+        <p:nvSpPr>
+          <p:cNvPr id="18" name="PlaceHolder 4"/>
           <p:cNvSpPr>
             <a:spLocks noGrp="1"/>
           </p:cNvSpPr>
@@ -1289,15 +1450,16 @@
           </a:prstGeom>
         </p:spPr>
         <p:txBody>
-          <a:bodyPr lIns="0" rIns="0" tIns="0" bIns="0"/>
-          <a:p>
-            <a:endParaRPr b="0" lang="fr-FR" sz="15300" spc="-1" strike="noStrike">
-              <a:solidFill>
-                <a:srgbClr val="000000"/>
-              </a:solidFill>
-              <a:uFill>
-                <a:solidFill>
-                  <a:srgbClr val="ffffff"/>
+          <a:bodyPr lIns="0" tIns="0" rIns="0" bIns="0"/>
+          <a:lstStyle/>
+          <a:p>
+            <a:endParaRPr lang="fr-BE" sz="3200" b="0" strike="noStrike" spc="-1">
+              <a:solidFill>
+                <a:srgbClr val="000000"/>
+              </a:solidFill>
+              <a:uFill>
+                <a:solidFill>
+                  <a:srgbClr val="FFFFFF"/>
                 </a:solidFill>
               </a:uFill>
               <a:latin typeface="Arial"/>
@@ -1307,11 +1469,14 @@
       </p:sp>
     </p:spTree>
   </p:cSld>
+  <p:clrMapOvr>
+    <a:masterClrMapping/>
+  </p:clrMapOvr>
 </p:sldLayout>
 </file>
 
 <file path=ppt/slideLayouts/slideLayout9.xml><?xml version="1.0" encoding="utf-8"?>
-<p:sldLayout xmlns:a="http://schemas.openxmlformats.org/drawingml/2006/main" xmlns:p="http://schemas.openxmlformats.org/presentationml/2006/main" xmlns:r="http://schemas.openxmlformats.org/officeDocument/2006/relationships" xmlns:p14="http://schemas.microsoft.com/office/powerpoint/2010/main" xmlns:p15="http://schemas.microsoft.com/office/powerpoint/2012/main" xmlns:mc="http://schemas.openxmlformats.org/markup-compatibility/2006" type="twoObjOverTx" preserve="1">
+<p:sldLayout xmlns:a="http://schemas.openxmlformats.org/drawingml/2006/main" xmlns:r="http://schemas.openxmlformats.org/officeDocument/2006/relationships" xmlns:p="http://schemas.openxmlformats.org/presentationml/2006/main" type="twoObjOverTx" preserve="1">
   <p:cSld name="Title, 2 Content over Content">
     <p:spTree>
       <p:nvGrpSpPr>
@@ -1329,7 +1494,7 @@
       </p:grpSpPr>
       <p:sp>
         <p:nvSpPr>
-          <p:cNvPr id="21" name="PlaceHolder 1"/>
+          <p:cNvPr id="19" name="PlaceHolder 1"/>
           <p:cNvSpPr>
             <a:spLocks noGrp="1"/>
           </p:cNvSpPr>
@@ -1340,32 +1505,34 @@
         <p:spPr>
           <a:xfrm>
             <a:off x="2467080" y="13531680"/>
-            <a:ext cx="27965160" cy="9338760"/>
-          </a:xfrm>
-          <a:prstGeom prst="rect">
-            <a:avLst/>
-          </a:prstGeom>
-        </p:spPr>
-        <p:txBody>
-          <a:bodyPr lIns="0" rIns="0" tIns="0" bIns="0" anchor="ctr"/>
-          <a:p>
-            <a:endParaRPr b="0" lang="fr-FR" sz="2400" spc="-1" strike="noStrike">
-              <a:solidFill>
-                <a:srgbClr val="000000"/>
-              </a:solidFill>
-              <a:uFill>
-                <a:solidFill>
-                  <a:srgbClr val="ffffff"/>
-                </a:solidFill>
-              </a:uFill>
-              <a:latin typeface="Arial"/>
-            </a:endParaRPr>
-          </a:p>
-        </p:txBody>
-      </p:sp>
-      <p:sp>
-        <p:nvSpPr>
-          <p:cNvPr id="22" name="PlaceHolder 2"/>
+            <a:ext cx="27964800" cy="9338400"/>
+          </a:xfrm>
+          <a:prstGeom prst="rect">
+            <a:avLst/>
+          </a:prstGeom>
+        </p:spPr>
+        <p:txBody>
+          <a:bodyPr lIns="0" tIns="0" rIns="0" bIns="0" anchor="ctr"/>
+          <a:lstStyle/>
+          <a:p>
+            <a:pPr algn="ctr"/>
+            <a:endParaRPr lang="fr-BE" sz="4400" b="0" strike="noStrike" spc="-1">
+              <a:solidFill>
+                <a:srgbClr val="000000"/>
+              </a:solidFill>
+              <a:uFill>
+                <a:solidFill>
+                  <a:srgbClr val="FFFFFF"/>
+                </a:solidFill>
+              </a:uFill>
+              <a:latin typeface="Arial"/>
+            </a:endParaRPr>
+          </a:p>
+        </p:txBody>
+      </p:sp>
+      <p:sp>
+        <p:nvSpPr>
+          <p:cNvPr id="20" name="PlaceHolder 2"/>
           <p:cNvSpPr>
             <a:spLocks noGrp="1"/>
           </p:cNvSpPr>
@@ -1383,25 +1550,26 @@
           </a:prstGeom>
         </p:spPr>
         <p:txBody>
-          <a:bodyPr lIns="0" rIns="0" tIns="0" bIns="0"/>
-          <a:p>
-            <a:endParaRPr b="0" lang="fr-FR" sz="15300" spc="-1" strike="noStrike">
-              <a:solidFill>
-                <a:srgbClr val="000000"/>
-              </a:solidFill>
-              <a:uFill>
-                <a:solidFill>
-                  <a:srgbClr val="ffffff"/>
-                </a:solidFill>
-              </a:uFill>
-              <a:latin typeface="Arial"/>
-            </a:endParaRPr>
-          </a:p>
-        </p:txBody>
-      </p:sp>
-      <p:sp>
-        <p:nvSpPr>
-          <p:cNvPr id="23" name="PlaceHolder 3"/>
+          <a:bodyPr lIns="0" tIns="0" rIns="0" bIns="0"/>
+          <a:lstStyle/>
+          <a:p>
+            <a:endParaRPr lang="fr-BE" sz="3200" b="0" strike="noStrike" spc="-1">
+              <a:solidFill>
+                <a:srgbClr val="000000"/>
+              </a:solidFill>
+              <a:uFill>
+                <a:solidFill>
+                  <a:srgbClr val="FFFFFF"/>
+                </a:solidFill>
+              </a:uFill>
+              <a:latin typeface="Arial"/>
+            </a:endParaRPr>
+          </a:p>
+        </p:txBody>
+      </p:sp>
+      <p:sp>
+        <p:nvSpPr>
+          <p:cNvPr id="21" name="PlaceHolder 3"/>
           <p:cNvSpPr>
             <a:spLocks noGrp="1"/>
           </p:cNvSpPr>
@@ -1419,25 +1587,26 @@
           </a:prstGeom>
         </p:spPr>
         <p:txBody>
-          <a:bodyPr lIns="0" rIns="0" tIns="0" bIns="0"/>
-          <a:p>
-            <a:endParaRPr b="0" lang="fr-FR" sz="15300" spc="-1" strike="noStrike">
-              <a:solidFill>
-                <a:srgbClr val="000000"/>
-              </a:solidFill>
-              <a:uFill>
-                <a:solidFill>
-                  <a:srgbClr val="ffffff"/>
-                </a:solidFill>
-              </a:uFill>
-              <a:latin typeface="Arial"/>
-            </a:endParaRPr>
-          </a:p>
-        </p:txBody>
-      </p:sp>
-      <p:sp>
-        <p:nvSpPr>
-          <p:cNvPr id="24" name="PlaceHolder 4"/>
+          <a:bodyPr lIns="0" tIns="0" rIns="0" bIns="0"/>
+          <a:lstStyle/>
+          <a:p>
+            <a:endParaRPr lang="fr-BE" sz="3200" b="0" strike="noStrike" spc="-1">
+              <a:solidFill>
+                <a:srgbClr val="000000"/>
+              </a:solidFill>
+              <a:uFill>
+                <a:solidFill>
+                  <a:srgbClr val="FFFFFF"/>
+                </a:solidFill>
+              </a:uFill>
+              <a:latin typeface="Arial"/>
+            </a:endParaRPr>
+          </a:p>
+        </p:txBody>
+      </p:sp>
+      <p:sp>
+        <p:nvSpPr>
+          <p:cNvPr id="22" name="PlaceHolder 4"/>
           <p:cNvSpPr>
             <a:spLocks noGrp="1"/>
           </p:cNvSpPr>
@@ -1455,15 +1624,16 @@
           </a:prstGeom>
         </p:spPr>
         <p:txBody>
-          <a:bodyPr lIns="0" rIns="0" tIns="0" bIns="0"/>
-          <a:p>
-            <a:endParaRPr b="0" lang="fr-FR" sz="15300" spc="-1" strike="noStrike">
-              <a:solidFill>
-                <a:srgbClr val="000000"/>
-              </a:solidFill>
-              <a:uFill>
-                <a:solidFill>
-                  <a:srgbClr val="ffffff"/>
+          <a:bodyPr lIns="0" tIns="0" rIns="0" bIns="0"/>
+          <a:lstStyle/>
+          <a:p>
+            <a:endParaRPr lang="fr-BE" sz="3200" b="0" strike="noStrike" spc="-1">
+              <a:solidFill>
+                <a:srgbClr val="000000"/>
+              </a:solidFill>
+              <a:uFill>
+                <a:solidFill>
+                  <a:srgbClr val="FFFFFF"/>
                 </a:solidFill>
               </a:uFill>
               <a:latin typeface="Arial"/>
@@ -1473,17 +1643,21 @@
       </p:sp>
     </p:spTree>
   </p:cSld>
+  <p:clrMapOvr>
+    <a:masterClrMapping/>
+  </p:clrMapOvr>
 </p:sldLayout>
 </file>
 
 <file path=ppt/slideMasters/slideMaster1.xml><?xml version="1.0" encoding="utf-8"?>
-<p:sldMaster xmlns:a="http://schemas.openxmlformats.org/drawingml/2006/main" xmlns:p="http://schemas.openxmlformats.org/presentationml/2006/main" xmlns:r="http://schemas.openxmlformats.org/officeDocument/2006/relationships" xmlns:p14="http://schemas.microsoft.com/office/powerpoint/2010/main" xmlns:p15="http://schemas.microsoft.com/office/powerpoint/2012/main" xmlns:mc="http://schemas.openxmlformats.org/markup-compatibility/2006">
+<p:sldMaster xmlns:a="http://schemas.openxmlformats.org/drawingml/2006/main" xmlns:r="http://schemas.openxmlformats.org/officeDocument/2006/relationships" xmlns:p="http://schemas.openxmlformats.org/presentationml/2006/main">
   <p:cSld>
     <p:bg>
       <p:bgPr>
         <a:solidFill>
-          <a:srgbClr val="ffffff"/>
+          <a:srgbClr val="FFFFFF"/>
         </a:solidFill>
+        <a:effectLst/>
       </p:bgPr>
     </p:bg>
     <p:spTree>
@@ -1502,7 +1676,7 @@
       </p:grpSpPr>
       <p:sp>
         <p:nvSpPr>
-          <p:cNvPr id="0" name="PlaceHolder 1"/>
+          <p:cNvPr id="2" name="PlaceHolder 1"/>
           <p:cNvSpPr>
             <a:spLocks noGrp="1"/>
           </p:cNvSpPr>
@@ -1513,199 +1687,525 @@
         <p:spPr>
           <a:xfrm>
             <a:off x="2467080" y="13531680"/>
-            <a:ext cx="27965160" cy="9338760"/>
-          </a:xfrm>
-          <a:prstGeom prst="rect">
-            <a:avLst/>
-          </a:prstGeom>
-        </p:spPr>
-        <p:txBody>
-          <a:bodyPr lIns="437040" rIns="437040" tIns="218520" bIns="218520" anchor="ctr"/>
-          <a:p>
-            <a:pPr algn="ctr">
-              <a:lnSpc>
-                <a:spcPct val="100000"/>
-              </a:lnSpc>
-            </a:pPr>
-            <a:r>
-              <a:rPr b="0" lang="fr-FR" sz="21000" spc="-1" strike="noStrike">
-                <a:solidFill>
-                  <a:srgbClr val="000000"/>
-                </a:solidFill>
-                <a:uFill>
-                  <a:solidFill>
-                    <a:srgbClr val="ffffff"/>
-                  </a:solidFill>
-                </a:uFill>
-                <a:latin typeface="Arial"/>
-                <a:ea typeface="ＭＳ Ｐゴシック"/>
-              </a:rPr>
-              <a:t>Cliquez pour modifier le style du titre</a:t>
-            </a:r>
-            <a:endParaRPr b="0" lang="fr-FR" sz="2400" spc="-1" strike="noStrike">
-              <a:solidFill>
-                <a:srgbClr val="000000"/>
-              </a:solidFill>
-              <a:uFill>
-                <a:solidFill>
-                  <a:srgbClr val="ffffff"/>
-                </a:solidFill>
-              </a:uFill>
-              <a:latin typeface="Arial"/>
-            </a:endParaRPr>
-          </a:p>
-        </p:txBody>
-      </p:sp>
-      <p:sp>
-        <p:nvSpPr>
-          <p:cNvPr id="1" name="PlaceHolder 2"/>
+            <a:ext cx="27964800" cy="9338400"/>
+          </a:xfrm>
+          <a:prstGeom prst="rect">
+            <a:avLst/>
+          </a:prstGeom>
+        </p:spPr>
+        <p:txBody>
+          <a:bodyPr lIns="0" tIns="0" rIns="0" bIns="0" anchor="ctr"/>
+          <a:lstStyle/>
+          <a:p>
+            <a:pPr algn="ctr"/>
+            <a:endParaRPr lang="fr-BE" sz="4400" b="0" strike="noStrike" spc="-1">
+              <a:solidFill>
+                <a:srgbClr val="000000"/>
+              </a:solidFill>
+              <a:uFill>
+                <a:solidFill>
+                  <a:srgbClr val="FFFFFF"/>
+                </a:solidFill>
+              </a:uFill>
+              <a:latin typeface="Arial"/>
+            </a:endParaRPr>
+          </a:p>
+        </p:txBody>
+      </p:sp>
+      <p:sp>
+        <p:nvSpPr>
+          <p:cNvPr id="3" name="PlaceHolder 2"/>
           <p:cNvSpPr>
             <a:spLocks noGrp="1"/>
           </p:cNvSpPr>
           <p:nvPr>
-            <p:ph type="dt"/>
+            <p:ph type="body"/>
           </p:nvPr>
         </p:nvSpPr>
         <p:spPr>
           <a:xfrm>
-            <a:off x="2467080" y="39690720"/>
-            <a:ext cx="6854400" cy="2903040"/>
-          </a:xfrm>
-          <a:prstGeom prst="rect">
-            <a:avLst/>
-          </a:prstGeom>
-        </p:spPr>
-        <p:txBody>
-          <a:bodyPr lIns="437040" rIns="437040" tIns="218520" bIns="218520"/>
-          <a:p>
-            <a:endParaRPr b="0" lang="fr-BE" sz="2400" spc="-1" strike="noStrike">
-              <a:solidFill>
-                <a:srgbClr val="000000"/>
-              </a:solidFill>
-              <a:uFill>
-                <a:solidFill>
-                  <a:srgbClr val="ffffff"/>
-                </a:solidFill>
-              </a:uFill>
-              <a:latin typeface="Times New Roman"/>
-            </a:endParaRPr>
-          </a:p>
-        </p:txBody>
-      </p:sp>
-      <p:sp>
-        <p:nvSpPr>
-          <p:cNvPr id="2" name="PlaceHolder 3"/>
-          <p:cNvSpPr>
-            <a:spLocks noGrp="1"/>
-          </p:cNvSpPr>
-          <p:nvPr>
-            <p:ph type="ftr"/>
-          </p:nvPr>
-        </p:nvSpPr>
-        <p:spPr>
-          <a:xfrm>
-            <a:off x="11241000" y="39690720"/>
-            <a:ext cx="10416960" cy="2903040"/>
-          </a:xfrm>
-          <a:prstGeom prst="rect">
-            <a:avLst/>
-          </a:prstGeom>
-        </p:spPr>
-        <p:txBody>
-          <a:bodyPr lIns="437040" rIns="437040" tIns="218520" bIns="218520"/>
-          <a:p>
-            <a:endParaRPr b="0" lang="fr-BE" sz="2400" spc="-1" strike="noStrike">
-              <a:solidFill>
-                <a:srgbClr val="000000"/>
-              </a:solidFill>
-              <a:uFill>
-                <a:solidFill>
-                  <a:srgbClr val="ffffff"/>
-                </a:solidFill>
-              </a:uFill>
-              <a:latin typeface="Times New Roman"/>
-            </a:endParaRPr>
-          </a:p>
-        </p:txBody>
-      </p:sp>
-      <p:sp>
-        <p:nvSpPr>
-          <p:cNvPr id="3" name="PlaceHolder 4"/>
-          <p:cNvSpPr>
-            <a:spLocks noGrp="1"/>
-          </p:cNvSpPr>
-          <p:nvPr>
-            <p:ph type="sldNum"/>
-          </p:nvPr>
-        </p:nvSpPr>
-        <p:spPr>
-          <a:xfrm>
-            <a:off x="23577480" y="39690720"/>
-            <a:ext cx="6854400" cy="2903040"/>
-          </a:xfrm>
-          <a:prstGeom prst="rect">
-            <a:avLst/>
-          </a:prstGeom>
-        </p:spPr>
-        <p:txBody>
-          <a:bodyPr lIns="437040" rIns="437040" tIns="218520" bIns="218520"/>
-          <a:p>
-            <a:pPr algn="r">
-              <a:lnSpc>
-                <a:spcPct val="100000"/>
-              </a:lnSpc>
+            <a:off x="1644840" y="10193400"/>
+            <a:ext cx="29608920" cy="25265880"/>
+          </a:xfrm>
+          <a:prstGeom prst="rect">
+            <a:avLst/>
+          </a:prstGeom>
+        </p:spPr>
+        <p:txBody>
+          <a:bodyPr lIns="0" tIns="0" rIns="0" bIns="0"/>
+          <a:lstStyle/>
+          <a:p>
+            <a:pPr marL="432000" indent="-324000">
+              <a:buClr>
+                <a:srgbClr val="000000"/>
+              </a:buClr>
+              <a:buSzPct val="45000"/>
+              <a:buFont typeface="Wingdings" charset="2"/>
+              <a:buChar char=""/>
             </a:pPr>
-            <a:fld id="{A73688F7-7561-4E6C-90ED-8D4F7FC0E4D8}" type="slidenum">
-              <a:rPr b="0" lang="fr-BE" sz="6700" spc="-1" strike="noStrike">
+            <a:r>
+              <a:rPr lang="fr-BE" sz="3200" b="0" strike="noStrike" spc="-1">
                 <a:solidFill>
                   <a:srgbClr val="000000"/>
                 </a:solidFill>
                 <a:uFill>
                   <a:solidFill>
-                    <a:srgbClr val="ffffff"/>
+                    <a:srgbClr val="FFFFFF"/>
                   </a:solidFill>
                 </a:uFill>
                 <a:latin typeface="Arial"/>
-                <a:ea typeface="ＭＳ Ｐゴシック"/>
               </a:rPr>
-              <a:t>&lt;numéro&gt;</a:t>
-            </a:fld>
-            <a:endParaRPr b="0" lang="fr-BE" sz="1400" spc="-1" strike="noStrike">
-              <a:solidFill>
-                <a:srgbClr val="000000"/>
-              </a:solidFill>
-              <a:uFill>
-                <a:solidFill>
-                  <a:srgbClr val="ffffff"/>
-                </a:solidFill>
-              </a:uFill>
-              <a:latin typeface="Times New Roman"/>
-            </a:endParaRPr>
+              <a:t>Cliquez pour éditer le format du plan de texte</a:t>
+            </a:r>
+          </a:p>
+          <a:p>
+            <a:pPr marL="864000" lvl="1" indent="-324000">
+              <a:buClr>
+                <a:srgbClr val="000000"/>
+              </a:buClr>
+              <a:buSzPct val="75000"/>
+              <a:buFont typeface="Symbol" charset="2"/>
+              <a:buChar char=""/>
+            </a:pPr>
+            <a:r>
+              <a:rPr lang="fr-BE" sz="2800" b="0" strike="noStrike" spc="-1">
+                <a:solidFill>
+                  <a:srgbClr val="000000"/>
+                </a:solidFill>
+                <a:uFill>
+                  <a:solidFill>
+                    <a:srgbClr val="FFFFFF"/>
+                  </a:solidFill>
+                </a:uFill>
+                <a:latin typeface="Arial"/>
+              </a:rPr>
+              <a:t>Second niveau de plan</a:t>
+            </a:r>
+          </a:p>
+          <a:p>
+            <a:pPr marL="1296000" lvl="2" indent="-288000">
+              <a:buClr>
+                <a:srgbClr val="000000"/>
+              </a:buClr>
+              <a:buSzPct val="45000"/>
+              <a:buFont typeface="Wingdings" charset="2"/>
+              <a:buChar char=""/>
+            </a:pPr>
+            <a:r>
+              <a:rPr lang="fr-BE" sz="2400" b="0" strike="noStrike" spc="-1">
+                <a:solidFill>
+                  <a:srgbClr val="000000"/>
+                </a:solidFill>
+                <a:uFill>
+                  <a:solidFill>
+                    <a:srgbClr val="FFFFFF"/>
+                  </a:solidFill>
+                </a:uFill>
+                <a:latin typeface="Arial"/>
+              </a:rPr>
+              <a:t>Troisième niveau de plan</a:t>
+            </a:r>
+          </a:p>
+          <a:p>
+            <a:pPr marL="1728000" lvl="3" indent="-216000">
+              <a:buClr>
+                <a:srgbClr val="000000"/>
+              </a:buClr>
+              <a:buSzPct val="75000"/>
+              <a:buFont typeface="Symbol" charset="2"/>
+              <a:buChar char=""/>
+            </a:pPr>
+            <a:r>
+              <a:rPr lang="fr-BE" sz="2000" b="0" strike="noStrike" spc="-1">
+                <a:solidFill>
+                  <a:srgbClr val="000000"/>
+                </a:solidFill>
+                <a:uFill>
+                  <a:solidFill>
+                    <a:srgbClr val="FFFFFF"/>
+                  </a:solidFill>
+                </a:uFill>
+                <a:latin typeface="Arial"/>
+              </a:rPr>
+              <a:t>Quatrième niveau de plan</a:t>
+            </a:r>
+          </a:p>
+          <a:p>
+            <a:pPr marL="2160000" lvl="4" indent="-216000">
+              <a:buClr>
+                <a:srgbClr val="000000"/>
+              </a:buClr>
+              <a:buSzPct val="45000"/>
+              <a:buFont typeface="Wingdings" charset="2"/>
+              <a:buChar char=""/>
+            </a:pPr>
+            <a:r>
+              <a:rPr lang="fr-BE" sz="2000" b="0" strike="noStrike" spc="-1">
+                <a:solidFill>
+                  <a:srgbClr val="000000"/>
+                </a:solidFill>
+                <a:uFill>
+                  <a:solidFill>
+                    <a:srgbClr val="FFFFFF"/>
+                  </a:solidFill>
+                </a:uFill>
+                <a:latin typeface="Arial"/>
+              </a:rPr>
+              <a:t>Cinquième niveau de plan</a:t>
+            </a:r>
+          </a:p>
+          <a:p>
+            <a:pPr marL="2592000" lvl="5" indent="-216000">
+              <a:buClr>
+                <a:srgbClr val="000000"/>
+              </a:buClr>
+              <a:buSzPct val="45000"/>
+              <a:buFont typeface="Wingdings" charset="2"/>
+              <a:buChar char=""/>
+            </a:pPr>
+            <a:r>
+              <a:rPr lang="fr-BE" sz="2000" b="0" strike="noStrike" spc="-1">
+                <a:solidFill>
+                  <a:srgbClr val="000000"/>
+                </a:solidFill>
+                <a:uFill>
+                  <a:solidFill>
+                    <a:srgbClr val="FFFFFF"/>
+                  </a:solidFill>
+                </a:uFill>
+                <a:latin typeface="Arial"/>
+              </a:rPr>
+              <a:t>Sixième niveau de plan</a:t>
+            </a:r>
+          </a:p>
+          <a:p>
+            <a:pPr marL="3024000" lvl="6" indent="-216000">
+              <a:buClr>
+                <a:srgbClr val="000000"/>
+              </a:buClr>
+              <a:buSzPct val="45000"/>
+              <a:buFont typeface="Wingdings" charset="2"/>
+              <a:buChar char=""/>
+            </a:pPr>
+            <a:r>
+              <a:rPr lang="fr-BE" sz="2000" b="0" strike="noStrike" spc="-1">
+                <a:solidFill>
+                  <a:srgbClr val="000000"/>
+                </a:solidFill>
+                <a:uFill>
+                  <a:solidFill>
+                    <a:srgbClr val="FFFFFF"/>
+                  </a:solidFill>
+                </a:uFill>
+                <a:latin typeface="Arial"/>
+              </a:rPr>
+              <a:t>Septième niveau de plan</a:t>
+            </a:r>
           </a:p>
         </p:txBody>
       </p:sp>
     </p:spTree>
   </p:cSld>
-  <p:clrMap bg1="lt1" bg2="lt2" tx1="dk1" tx2="dk2" accent1="accent1" accent2="accent2" accent3="accent3" accent4="accent4" accent5="accent5" accent6="accent6" hlink="hlink" folHlink="folHlink"/>
+  <p:clrMap bg1="lt1" tx1="dk1" bg2="lt2" tx2="dk2" accent1="accent1" accent2="accent2" accent3="accent3" accent4="accent4" accent5="accent5" accent6="accent6" hlink="hlink" folHlink="folHlink"/>
   <p:sldLayoutIdLst>
-    <p:sldLayoutId id="2147483649" r:id="rId2"/>
-    <p:sldLayoutId id="2147483650" r:id="rId3"/>
-    <p:sldLayoutId id="2147483651" r:id="rId4"/>
-    <p:sldLayoutId id="2147483652" r:id="rId5"/>
-    <p:sldLayoutId id="2147483653" r:id="rId6"/>
-    <p:sldLayoutId id="2147483654" r:id="rId7"/>
-    <p:sldLayoutId id="2147483655" r:id="rId8"/>
-    <p:sldLayoutId id="2147483656" r:id="rId9"/>
-    <p:sldLayoutId id="2147483657" r:id="rId10"/>
-    <p:sldLayoutId id="2147483658" r:id="rId11"/>
-    <p:sldLayoutId id="2147483659" r:id="rId12"/>
-    <p:sldLayoutId id="2147483660" r:id="rId13"/>
+    <p:sldLayoutId id="2147483649" r:id="rId1"/>
+    <p:sldLayoutId id="2147483650" r:id="rId2"/>
+    <p:sldLayoutId id="2147483651" r:id="rId3"/>
+    <p:sldLayoutId id="2147483652" r:id="rId4"/>
+    <p:sldLayoutId id="2147483653" r:id="rId5"/>
+    <p:sldLayoutId id="2147483654" r:id="rId6"/>
+    <p:sldLayoutId id="2147483655" r:id="rId7"/>
+    <p:sldLayoutId id="2147483656" r:id="rId8"/>
+    <p:sldLayoutId id="2147483657" r:id="rId9"/>
+    <p:sldLayoutId id="2147483658" r:id="rId10"/>
+    <p:sldLayoutId id="2147483659" r:id="rId11"/>
+    <p:sldLayoutId id="2147483660" r:id="rId12"/>
   </p:sldLayoutIdLst>
+  <p:txStyles>
+    <p:titleStyle>
+      <a:lvl1pPr algn="l" defTabSz="914400" rtl="0" eaLnBrk="1" latinLnBrk="0" hangingPunct="1">
+        <a:lnSpc>
+          <a:spcPct val="90000"/>
+        </a:lnSpc>
+        <a:spcBef>
+          <a:spcPct val="0"/>
+        </a:spcBef>
+        <a:buNone/>
+        <a:defRPr sz="4400" kern="1200">
+          <a:solidFill>
+            <a:schemeClr val="tx1"/>
+          </a:solidFill>
+          <a:latin typeface="+mj-lt"/>
+          <a:ea typeface="+mj-ea"/>
+          <a:cs typeface="+mj-cs"/>
+        </a:defRPr>
+      </a:lvl1pPr>
+    </p:titleStyle>
+    <p:bodyStyle>
+      <a:lvl1pPr marL="228600" indent="-228600" algn="l" defTabSz="914400" rtl="0" eaLnBrk="1" latinLnBrk="0" hangingPunct="1">
+        <a:lnSpc>
+          <a:spcPct val="90000"/>
+        </a:lnSpc>
+        <a:spcBef>
+          <a:spcPts val="1000"/>
+        </a:spcBef>
+        <a:buFont typeface="Arial" panose="020B0604020202020204" pitchFamily="34" charset="0"/>
+        <a:buChar char="•"/>
+        <a:defRPr sz="2800" kern="1200">
+          <a:solidFill>
+            <a:schemeClr val="tx1"/>
+          </a:solidFill>
+          <a:latin typeface="+mn-lt"/>
+          <a:ea typeface="+mn-ea"/>
+          <a:cs typeface="+mn-cs"/>
+        </a:defRPr>
+      </a:lvl1pPr>
+      <a:lvl2pPr marL="685800" indent="-228600" algn="l" defTabSz="914400" rtl="0" eaLnBrk="1" latinLnBrk="0" hangingPunct="1">
+        <a:lnSpc>
+          <a:spcPct val="90000"/>
+        </a:lnSpc>
+        <a:spcBef>
+          <a:spcPts val="500"/>
+        </a:spcBef>
+        <a:buFont typeface="Arial" panose="020B0604020202020204" pitchFamily="34" charset="0"/>
+        <a:buChar char="•"/>
+        <a:defRPr sz="2400" kern="1200">
+          <a:solidFill>
+            <a:schemeClr val="tx1"/>
+          </a:solidFill>
+          <a:latin typeface="+mn-lt"/>
+          <a:ea typeface="+mn-ea"/>
+          <a:cs typeface="+mn-cs"/>
+        </a:defRPr>
+      </a:lvl2pPr>
+      <a:lvl3pPr marL="1143000" indent="-228600" algn="l" defTabSz="914400" rtl="0" eaLnBrk="1" latinLnBrk="0" hangingPunct="1">
+        <a:lnSpc>
+          <a:spcPct val="90000"/>
+        </a:lnSpc>
+        <a:spcBef>
+          <a:spcPts val="500"/>
+        </a:spcBef>
+        <a:buFont typeface="Arial" panose="020B0604020202020204" pitchFamily="34" charset="0"/>
+        <a:buChar char="•"/>
+        <a:defRPr sz="2000" kern="1200">
+          <a:solidFill>
+            <a:schemeClr val="tx1"/>
+          </a:solidFill>
+          <a:latin typeface="+mn-lt"/>
+          <a:ea typeface="+mn-ea"/>
+          <a:cs typeface="+mn-cs"/>
+        </a:defRPr>
+      </a:lvl3pPr>
+      <a:lvl4pPr marL="1600200" indent="-228600" algn="l" defTabSz="914400" rtl="0" eaLnBrk="1" latinLnBrk="0" hangingPunct="1">
+        <a:lnSpc>
+          <a:spcPct val="90000"/>
+        </a:lnSpc>
+        <a:spcBef>
+          <a:spcPts val="500"/>
+        </a:spcBef>
+        <a:buFont typeface="Arial" panose="020B0604020202020204" pitchFamily="34" charset="0"/>
+        <a:buChar char="•"/>
+        <a:defRPr sz="1800" kern="1200">
+          <a:solidFill>
+            <a:schemeClr val="tx1"/>
+          </a:solidFill>
+          <a:latin typeface="+mn-lt"/>
+          <a:ea typeface="+mn-ea"/>
+          <a:cs typeface="+mn-cs"/>
+        </a:defRPr>
+      </a:lvl4pPr>
+      <a:lvl5pPr marL="2057400" indent="-228600" algn="l" defTabSz="914400" rtl="0" eaLnBrk="1" latinLnBrk="0" hangingPunct="1">
+        <a:lnSpc>
+          <a:spcPct val="90000"/>
+        </a:lnSpc>
+        <a:spcBef>
+          <a:spcPts val="500"/>
+        </a:spcBef>
+        <a:buFont typeface="Arial" panose="020B0604020202020204" pitchFamily="34" charset="0"/>
+        <a:buChar char="•"/>
+        <a:defRPr sz="1800" kern="1200">
+          <a:solidFill>
+            <a:schemeClr val="tx1"/>
+          </a:solidFill>
+          <a:latin typeface="+mn-lt"/>
+          <a:ea typeface="+mn-ea"/>
+          <a:cs typeface="+mn-cs"/>
+        </a:defRPr>
+      </a:lvl5pPr>
+      <a:lvl6pPr marL="2514600" indent="-228600" algn="l" defTabSz="914400" rtl="0" eaLnBrk="1" latinLnBrk="0" hangingPunct="1">
+        <a:lnSpc>
+          <a:spcPct val="90000"/>
+        </a:lnSpc>
+        <a:spcBef>
+          <a:spcPts val="500"/>
+        </a:spcBef>
+        <a:buFont typeface="Arial" panose="020B0604020202020204" pitchFamily="34" charset="0"/>
+        <a:buChar char="•"/>
+        <a:defRPr sz="1800" kern="1200">
+          <a:solidFill>
+            <a:schemeClr val="tx1"/>
+          </a:solidFill>
+          <a:latin typeface="+mn-lt"/>
+          <a:ea typeface="+mn-ea"/>
+          <a:cs typeface="+mn-cs"/>
+        </a:defRPr>
+      </a:lvl6pPr>
+      <a:lvl7pPr marL="2971800" indent="-228600" algn="l" defTabSz="914400" rtl="0" eaLnBrk="1" latinLnBrk="0" hangingPunct="1">
+        <a:lnSpc>
+          <a:spcPct val="90000"/>
+        </a:lnSpc>
+        <a:spcBef>
+          <a:spcPts val="500"/>
+        </a:spcBef>
+        <a:buFont typeface="Arial" panose="020B0604020202020204" pitchFamily="34" charset="0"/>
+        <a:buChar char="•"/>
+        <a:defRPr sz="1800" kern="1200">
+          <a:solidFill>
+            <a:schemeClr val="tx1"/>
+          </a:solidFill>
+          <a:latin typeface="+mn-lt"/>
+          <a:ea typeface="+mn-ea"/>
+          <a:cs typeface="+mn-cs"/>
+        </a:defRPr>
+      </a:lvl7pPr>
+      <a:lvl8pPr marL="3429000" indent="-228600" algn="l" defTabSz="914400" rtl="0" eaLnBrk="1" latinLnBrk="0" hangingPunct="1">
+        <a:lnSpc>
+          <a:spcPct val="90000"/>
+        </a:lnSpc>
+        <a:spcBef>
+          <a:spcPts val="500"/>
+        </a:spcBef>
+        <a:buFont typeface="Arial" panose="020B0604020202020204" pitchFamily="34" charset="0"/>
+        <a:buChar char="•"/>
+        <a:defRPr sz="1800" kern="1200">
+          <a:solidFill>
+            <a:schemeClr val="tx1"/>
+          </a:solidFill>
+          <a:latin typeface="+mn-lt"/>
+          <a:ea typeface="+mn-ea"/>
+          <a:cs typeface="+mn-cs"/>
+        </a:defRPr>
+      </a:lvl8pPr>
+      <a:lvl9pPr marL="3886200" indent="-228600" algn="l" defTabSz="914400" rtl="0" eaLnBrk="1" latinLnBrk="0" hangingPunct="1">
+        <a:lnSpc>
+          <a:spcPct val="90000"/>
+        </a:lnSpc>
+        <a:spcBef>
+          <a:spcPts val="500"/>
+        </a:spcBef>
+        <a:buFont typeface="Arial" panose="020B0604020202020204" pitchFamily="34" charset="0"/>
+        <a:buChar char="•"/>
+        <a:defRPr sz="1800" kern="1200">
+          <a:solidFill>
+            <a:schemeClr val="tx1"/>
+          </a:solidFill>
+          <a:latin typeface="+mn-lt"/>
+          <a:ea typeface="+mn-ea"/>
+          <a:cs typeface="+mn-cs"/>
+        </a:defRPr>
+      </a:lvl9pPr>
+    </p:bodyStyle>
+    <p:otherStyle>
+      <a:defPPr>
+        <a:defRPr lang="fr-FR"/>
+      </a:defPPr>
+      <a:lvl1pPr marL="0" algn="l" defTabSz="914400" rtl="0" eaLnBrk="1" latinLnBrk="0" hangingPunct="1">
+        <a:defRPr sz="1800" kern="1200">
+          <a:solidFill>
+            <a:schemeClr val="tx1"/>
+          </a:solidFill>
+          <a:latin typeface="+mn-lt"/>
+          <a:ea typeface="+mn-ea"/>
+          <a:cs typeface="+mn-cs"/>
+        </a:defRPr>
+      </a:lvl1pPr>
+      <a:lvl2pPr marL="457200" algn="l" defTabSz="914400" rtl="0" eaLnBrk="1" latinLnBrk="0" hangingPunct="1">
+        <a:defRPr sz="1800" kern="1200">
+          <a:solidFill>
+            <a:schemeClr val="tx1"/>
+          </a:solidFill>
+          <a:latin typeface="+mn-lt"/>
+          <a:ea typeface="+mn-ea"/>
+          <a:cs typeface="+mn-cs"/>
+        </a:defRPr>
+      </a:lvl2pPr>
+      <a:lvl3pPr marL="914400" algn="l" defTabSz="914400" rtl="0" eaLnBrk="1" latinLnBrk="0" hangingPunct="1">
+        <a:defRPr sz="1800" kern="1200">
+          <a:solidFill>
+            <a:schemeClr val="tx1"/>
+          </a:solidFill>
+          <a:latin typeface="+mn-lt"/>
+          <a:ea typeface="+mn-ea"/>
+          <a:cs typeface="+mn-cs"/>
+        </a:defRPr>
+      </a:lvl3pPr>
+      <a:lvl4pPr marL="1371600" algn="l" defTabSz="914400" rtl="0" eaLnBrk="1" latinLnBrk="0" hangingPunct="1">
+        <a:defRPr sz="1800" kern="1200">
+          <a:solidFill>
+            <a:schemeClr val="tx1"/>
+          </a:solidFill>
+          <a:latin typeface="+mn-lt"/>
+          <a:ea typeface="+mn-ea"/>
+          <a:cs typeface="+mn-cs"/>
+        </a:defRPr>
+      </a:lvl4pPr>
+      <a:lvl5pPr marL="1828800" algn="l" defTabSz="914400" rtl="0" eaLnBrk="1" latinLnBrk="0" hangingPunct="1">
+        <a:defRPr sz="1800" kern="1200">
+          <a:solidFill>
+            <a:schemeClr val="tx1"/>
+          </a:solidFill>
+          <a:latin typeface="+mn-lt"/>
+          <a:ea typeface="+mn-ea"/>
+          <a:cs typeface="+mn-cs"/>
+        </a:defRPr>
+      </a:lvl5pPr>
+      <a:lvl6pPr marL="2286000" algn="l" defTabSz="914400" rtl="0" eaLnBrk="1" latinLnBrk="0" hangingPunct="1">
+        <a:defRPr sz="1800" kern="1200">
+          <a:solidFill>
+            <a:schemeClr val="tx1"/>
+          </a:solidFill>
+          <a:latin typeface="+mn-lt"/>
+          <a:ea typeface="+mn-ea"/>
+          <a:cs typeface="+mn-cs"/>
+        </a:defRPr>
+      </a:lvl6pPr>
+      <a:lvl7pPr marL="2743200" algn="l" defTabSz="914400" rtl="0" eaLnBrk="1" latinLnBrk="0" hangingPunct="1">
+        <a:defRPr sz="1800" kern="1200">
+          <a:solidFill>
+            <a:schemeClr val="tx1"/>
+          </a:solidFill>
+          <a:latin typeface="+mn-lt"/>
+          <a:ea typeface="+mn-ea"/>
+          <a:cs typeface="+mn-cs"/>
+        </a:defRPr>
+      </a:lvl7pPr>
+      <a:lvl8pPr marL="3200400" algn="l" defTabSz="914400" rtl="0" eaLnBrk="1" latinLnBrk="0" hangingPunct="1">
+        <a:defRPr sz="1800" kern="1200">
+          <a:solidFill>
+            <a:schemeClr val="tx1"/>
+          </a:solidFill>
+          <a:latin typeface="+mn-lt"/>
+          <a:ea typeface="+mn-ea"/>
+          <a:cs typeface="+mn-cs"/>
+        </a:defRPr>
+      </a:lvl8pPr>
+      <a:lvl9pPr marL="3657600" algn="l" defTabSz="914400" rtl="0" eaLnBrk="1" latinLnBrk="0" hangingPunct="1">
+        <a:defRPr sz="1800" kern="1200">
+          <a:solidFill>
+            <a:schemeClr val="tx1"/>
+          </a:solidFill>
+          <a:latin typeface="+mn-lt"/>
+          <a:ea typeface="+mn-ea"/>
+          <a:cs typeface="+mn-cs"/>
+        </a:defRPr>
+      </a:lvl9pPr>
+    </p:otherStyle>
+  </p:txStyles>
 </p:sldMaster>
 </file>
 
 <file path=ppt/slides/slide1.xml><?xml version="1.0" encoding="utf-8"?>
-<p:sld xmlns:a="http://schemas.openxmlformats.org/drawingml/2006/main" xmlns:p="http://schemas.openxmlformats.org/presentationml/2006/main" xmlns:r="http://schemas.openxmlformats.org/officeDocument/2006/relationships" xmlns:p14="http://schemas.microsoft.com/office/powerpoint/2010/main" xmlns:p15="http://schemas.microsoft.com/office/powerpoint/2012/main" xmlns:mc="http://schemas.openxmlformats.org/markup-compatibility/2006">
+<p:sld xmlns:a="http://schemas.openxmlformats.org/drawingml/2006/main" xmlns:r="http://schemas.openxmlformats.org/officeDocument/2006/relationships" xmlns:p="http://schemas.openxmlformats.org/presentationml/2006/main">
   <p:cSld>
     <p:spTree>
       <p:nvGrpSpPr>
@@ -1723,33 +2223,40 @@
       </p:grpSpPr>
       <p:sp>
         <p:nvSpPr>
-          <p:cNvPr id="38" name="CustomShape 1"/>
+          <p:cNvPr id="36" name="CustomShape 1"/>
           <p:cNvSpPr/>
           <p:nvPr/>
         </p:nvSpPr>
         <p:spPr>
           <a:xfrm rot="16200000">
-            <a:off x="-21167280" y="21131280"/>
-            <a:ext cx="43628040" cy="1312560"/>
+            <a:off x="-21167280" y="21131640"/>
+            <a:ext cx="43627680" cy="1312200"/>
           </a:xfrm>
           <a:prstGeom prst="rect">
             <a:avLst/>
           </a:prstGeom>
           <a:solidFill>
-            <a:srgbClr val="6c5098"/>
+            <a:srgbClr val="6C5098"/>
           </a:solidFill>
           <a:ln>
             <a:noFill/>
           </a:ln>
         </p:spPr>
         <p:style>
-          <a:lnRef idx="0"/>
-          <a:fillRef idx="0"/>
-          <a:effectRef idx="0"/>
+          <a:lnRef idx="0">
+            <a:scrgbClr r="0" g="0" b="0"/>
+          </a:lnRef>
+          <a:fillRef idx="0">
+            <a:scrgbClr r="0" g="0" b="0"/>
+          </a:fillRef>
+          <a:effectRef idx="0">
+            <a:scrgbClr r="0" g="0" b="0"/>
+          </a:effectRef>
           <a:fontRef idx="minor"/>
         </p:style>
         <p:txBody>
-          <a:bodyPr lIns="90000" rIns="90000" tIns="45000" bIns="45000" anchor="ctr"/>
+          <a:bodyPr lIns="90000" tIns="45000" rIns="90000" bIns="45000" anchor="ctr"/>
+          <a:lstStyle/>
           <a:p>
             <a:pPr algn="ctr">
               <a:lnSpc>
@@ -1757,13 +2264,13 @@
               </a:lnSpc>
             </a:pPr>
             <a:r>
-              <a:rPr b="1" lang="fr-BE" sz="6600" spc="-1" strike="noStrike">
-                <a:solidFill>
-                  <a:srgbClr val="ffffff"/>
+              <a:rPr lang="fr-BE" sz="6600" b="1" strike="noStrike" spc="-1">
+                <a:solidFill>
+                  <a:srgbClr val="FFFFFF"/>
                 </a:solidFill>
                 <a:uFill>
                   <a:solidFill>
-                    <a:srgbClr val="ffffff"/>
+                    <a:srgbClr val="FFFFFF"/>
                   </a:solidFill>
                 </a:uFill>
                 <a:latin typeface="Arial"/>
@@ -1772,13 +2279,13 @@
               <a:t>UNIVERSITÉ LIBRE DE BRUXELLES</a:t>
             </a:r>
             <a:r>
-              <a:rPr b="0" lang="fr-BE" sz="6600" spc="-1" strike="noStrike">
-                <a:solidFill>
-                  <a:srgbClr val="ffffff"/>
+              <a:rPr lang="fr-BE" sz="6600" b="0" strike="noStrike" spc="-1">
+                <a:solidFill>
+                  <a:srgbClr val="FFFFFF"/>
                 </a:solidFill>
                 <a:uFill>
                   <a:solidFill>
-                    <a:srgbClr val="ffffff"/>
+                    <a:srgbClr val="FFFFFF"/>
                   </a:solidFill>
                 </a:uFill>
                 <a:latin typeface="Arial"/>
@@ -1787,13 +2294,13 @@
               <a:t> - </a:t>
             </a:r>
             <a:r>
-              <a:rPr b="1" lang="fr-BE" sz="6600" spc="-1" strike="noStrike">
-                <a:solidFill>
-                  <a:srgbClr val="ffffff"/>
+              <a:rPr lang="fr-BE" sz="6600" b="1" strike="noStrike" spc="-1">
+                <a:solidFill>
+                  <a:srgbClr val="FFFFFF"/>
                 </a:solidFill>
                 <a:uFill>
                   <a:solidFill>
-                    <a:srgbClr val="ffffff"/>
+                    <a:srgbClr val="FFFFFF"/>
                   </a:solidFill>
                 </a:uFill>
                 <a:latin typeface="Arial"/>
@@ -1801,13 +2308,13 @@
               </a:rPr>
               <a:t>FACULTÉ DES SCIENCES</a:t>
             </a:r>
-            <a:endParaRPr b="0" lang="fr-BE" sz="1800" spc="-1" strike="noStrike">
-              <a:solidFill>
-                <a:srgbClr val="000000"/>
-              </a:solidFill>
-              <a:uFill>
-                <a:solidFill>
-                  <a:srgbClr val="ffffff"/>
+            <a:endParaRPr lang="fr-BE" sz="1800" b="0" strike="noStrike" spc="-1">
+              <a:solidFill>
+                <a:srgbClr val="000000"/>
+              </a:solidFill>
+              <a:uFill>
+                <a:solidFill>
+                  <a:srgbClr val="FFFFFF"/>
                 </a:solidFill>
               </a:uFill>
               <a:latin typeface="Arial"/>
@@ -1817,30 +2324,7 @@
       </p:sp>
       <p:pic>
         <p:nvPicPr>
-          <p:cNvPr id="39" name="Picture 11" descr=""/>
-          <p:cNvPicPr/>
-          <p:nvPr/>
-        </p:nvPicPr>
-        <p:blipFill>
-          <a:blip r:embed="rId1"/>
-          <a:stretch/>
-        </p:blipFill>
-        <p:spPr>
-          <a:xfrm>
-            <a:off x="30203640" y="40878000"/>
-            <a:ext cx="2607840" cy="2607840"/>
-          </a:xfrm>
-          <a:prstGeom prst="rect">
-            <a:avLst/>
-          </a:prstGeom>
-          <a:ln>
-            <a:noFill/>
-          </a:ln>
-        </p:spPr>
-      </p:pic>
-      <p:pic>
-        <p:nvPicPr>
-          <p:cNvPr id="40" name="Picture 13" descr=""/>
+          <p:cNvPr id="37" name="Picture 11"/>
           <p:cNvPicPr/>
           <p:nvPr/>
         </p:nvPicPr>
@@ -1850,8 +2334,8 @@
         </p:blipFill>
         <p:spPr>
           <a:xfrm>
-            <a:off x="25725600" y="40611600"/>
-            <a:ext cx="4262040" cy="2987280"/>
+            <a:off x="30203640" y="40878000"/>
+            <a:ext cx="2607480" cy="2607480"/>
           </a:xfrm>
           <a:prstGeom prst="rect">
             <a:avLst/>
@@ -1861,16 +2345,39 @@
           </a:ln>
         </p:spPr>
       </p:pic>
-      <p:sp>
-        <p:nvSpPr>
-          <p:cNvPr id="41" name="CustomShape 2"/>
+      <p:pic>
+        <p:nvPicPr>
+          <p:cNvPr id="38" name="Picture 13"/>
+          <p:cNvPicPr/>
+          <p:nvPr/>
+        </p:nvPicPr>
+        <p:blipFill>
+          <a:blip r:embed="rId3"/>
+          <a:stretch/>
+        </p:blipFill>
+        <p:spPr>
+          <a:xfrm>
+            <a:off x="25725600" y="40611600"/>
+            <a:ext cx="4261680" cy="2986920"/>
+          </a:xfrm>
+          <a:prstGeom prst="rect">
+            <a:avLst/>
+          </a:prstGeom>
+          <a:ln>
+            <a:noFill/>
+          </a:ln>
+        </p:spPr>
+      </p:pic>
+      <p:sp>
+        <p:nvSpPr>
+          <p:cNvPr id="39" name="CustomShape 2"/>
           <p:cNvSpPr/>
           <p:nvPr/>
         </p:nvSpPr>
         <p:spPr>
           <a:xfrm>
             <a:off x="1832040" y="42858000"/>
-            <a:ext cx="21967200" cy="958680"/>
+            <a:ext cx="21966840" cy="958320"/>
           </a:xfrm>
           <a:prstGeom prst="rect">
             <a:avLst/>
@@ -1881,13 +2388,20 @@
           </a:ln>
         </p:spPr>
         <p:style>
-          <a:lnRef idx="0"/>
-          <a:fillRef idx="0"/>
-          <a:effectRef idx="0"/>
+          <a:lnRef idx="0">
+            <a:scrgbClr r="0" g="0" b="0"/>
+          </a:lnRef>
+          <a:fillRef idx="0">
+            <a:scrgbClr r="0" g="0" b="0"/>
+          </a:fillRef>
+          <a:effectRef idx="0">
+            <a:scrgbClr r="0" g="0" b="0"/>
+          </a:effectRef>
           <a:fontRef idx="minor"/>
         </p:style>
         <p:txBody>
-          <a:bodyPr lIns="90000" rIns="90000" tIns="45000" bIns="45000"/>
+          <a:bodyPr lIns="90000" tIns="45000" rIns="90000" bIns="45000"/>
+          <a:lstStyle/>
           <a:p>
             <a:pPr algn="ctr">
               <a:lnSpc>
@@ -1895,13 +2409,13 @@
               </a:lnSpc>
             </a:pPr>
             <a:r>
-              <a:rPr b="0" lang="fr-BE" sz="1900" spc="-1" strike="noStrike">
+              <a:rPr lang="fr-BE" sz="1900" b="0" strike="noStrike" spc="-1">
                 <a:solidFill>
                   <a:srgbClr val="000000"/>
                 </a:solidFill>
                 <a:uFill>
                   <a:solidFill>
-                    <a:srgbClr val="ffffff"/>
+                    <a:srgbClr val="FFFFFF"/>
                   </a:solidFill>
                 </a:uFill>
                 <a:latin typeface="Arial"/>
@@ -1909,30 +2423,32 @@
               </a:rPr>
               <a:t>© Toute reproduction, même partielle, doit indiquer clairement le nom de tous les auteurs, le nom du Département, </a:t>
             </a:r>
+            <a:endParaRPr lang="fr-BE" sz="1800" b="0" strike="noStrike" spc="-1">
+              <a:solidFill>
+                <a:srgbClr val="000000"/>
+              </a:solidFill>
+              <a:uFill>
+                <a:solidFill>
+                  <a:srgbClr val="FFFFFF"/>
+                </a:solidFill>
+              </a:uFill>
+              <a:latin typeface="Arial"/>
+            </a:endParaRPr>
+          </a:p>
+          <a:p>
+            <a:pPr algn="ctr">
+              <a:lnSpc>
+                <a:spcPct val="100000"/>
+              </a:lnSpc>
+            </a:pPr>
             <a:r>
-              <a:rPr b="0" lang="fr-BE" sz="1900" spc="-1" strike="noStrike">
+              <a:rPr lang="fr-BE" sz="1900" b="0" strike="noStrike" spc="-1">
                 <a:solidFill>
                   <a:srgbClr val="000000"/>
                 </a:solidFill>
                 <a:uFill>
                   <a:solidFill>
-                    <a:srgbClr val="ffffff"/>
-                  </a:solidFill>
-                </a:uFill>
-                <a:latin typeface="Arial"/>
-                <a:ea typeface="ＭＳ Ｐゴシック"/>
-              </a:rPr>
-              <a:t>
-</a:t>
-            </a:r>
-            <a:r>
-              <a:rPr b="0" lang="fr-BE" sz="1900" spc="-1" strike="noStrike">
-                <a:solidFill>
-                  <a:srgbClr val="000000"/>
-                </a:solidFill>
-                <a:uFill>
-                  <a:solidFill>
-                    <a:srgbClr val="ffffff"/>
+                    <a:srgbClr val="FFFFFF"/>
                   </a:solidFill>
                 </a:uFill>
                 <a:latin typeface="Arial"/>
@@ -1940,13 +2456,13 @@
               </a:rPr>
               <a:t>ainsi que la mention « Printemps des Sciences 2018 – Exposition des Sciences – Bruxelles »</a:t>
             </a:r>
-            <a:endParaRPr b="0" lang="fr-BE" sz="1800" spc="-1" strike="noStrike">
-              <a:solidFill>
-                <a:srgbClr val="000000"/>
-              </a:solidFill>
-              <a:uFill>
-                <a:solidFill>
-                  <a:srgbClr val="ffffff"/>
+            <a:endParaRPr lang="fr-BE" sz="1800" b="0" strike="noStrike" spc="-1">
+              <a:solidFill>
+                <a:srgbClr val="000000"/>
+              </a:solidFill>
+              <a:uFill>
+                <a:solidFill>
+                  <a:srgbClr val="FFFFFF"/>
                 </a:solidFill>
               </a:uFill>
               <a:latin typeface="Arial"/>
@@ -1958,13 +2474,13 @@
                 <a:spcPct val="100000"/>
               </a:lnSpc>
             </a:pPr>
-            <a:endParaRPr b="0" lang="fr-BE" sz="1800" spc="-1" strike="noStrike">
-              <a:solidFill>
-                <a:srgbClr val="000000"/>
-              </a:solidFill>
-              <a:uFill>
-                <a:solidFill>
-                  <a:srgbClr val="ffffff"/>
+            <a:endParaRPr lang="fr-BE" sz="1800" b="0" strike="noStrike" spc="-1">
+              <a:solidFill>
+                <a:srgbClr val="000000"/>
+              </a:solidFill>
+              <a:uFill>
+                <a:solidFill>
+                  <a:srgbClr val="FFFFFF"/>
                 </a:solidFill>
               </a:uFill>
               <a:latin typeface="Arial"/>
@@ -1974,30 +2490,7 @@
       </p:sp>
       <p:pic>
         <p:nvPicPr>
-          <p:cNvPr id="42" name="Image 13" descr=""/>
-          <p:cNvPicPr/>
-          <p:nvPr/>
-        </p:nvPicPr>
-        <p:blipFill>
-          <a:blip r:embed="rId3"/>
-          <a:stretch/>
-        </p:blipFill>
-        <p:spPr>
-          <a:xfrm>
-            <a:off x="2053800" y="909360"/>
-            <a:ext cx="5029920" cy="5029920"/>
-          </a:xfrm>
-          <a:prstGeom prst="rect">
-            <a:avLst/>
-          </a:prstGeom>
-          <a:ln>
-            <a:noFill/>
-          </a:ln>
-        </p:spPr>
-      </p:pic>
-      <p:pic>
-        <p:nvPicPr>
-          <p:cNvPr id="43" name="Image 2" descr=""/>
+          <p:cNvPr id="40" name="Image 13"/>
           <p:cNvPicPr/>
           <p:nvPr/>
         </p:nvPicPr>
@@ -2007,8 +2500,8 @@
         </p:blipFill>
         <p:spPr>
           <a:xfrm>
-            <a:off x="7632000" y="1224000"/>
-            <a:ext cx="23293440" cy="8176320"/>
+            <a:off x="2053800" y="909360"/>
+            <a:ext cx="5029560" cy="5029560"/>
           </a:xfrm>
           <a:prstGeom prst="rect">
             <a:avLst/>
@@ -2018,16 +2511,39 @@
           </a:ln>
         </p:spPr>
       </p:pic>
-      <p:sp>
-        <p:nvSpPr>
-          <p:cNvPr id="44" name="CustomShape 3"/>
+      <p:pic>
+        <p:nvPicPr>
+          <p:cNvPr id="41" name="Image 2"/>
+          <p:cNvPicPr/>
+          <p:nvPr/>
+        </p:nvPicPr>
+        <p:blipFill>
+          <a:blip r:embed="rId5"/>
+          <a:stretch/>
+        </p:blipFill>
+        <p:spPr>
+          <a:xfrm>
+            <a:off x="7632000" y="1224000"/>
+            <a:ext cx="23293080" cy="8175960"/>
+          </a:xfrm>
+          <a:prstGeom prst="rect">
+            <a:avLst/>
+          </a:prstGeom>
+          <a:ln>
+            <a:noFill/>
+          </a:ln>
+        </p:spPr>
+      </p:pic>
+      <p:sp>
+        <p:nvSpPr>
+          <p:cNvPr id="42" name="CustomShape 3"/>
           <p:cNvSpPr/>
           <p:nvPr/>
         </p:nvSpPr>
         <p:spPr>
           <a:xfrm>
             <a:off x="1558800" y="9679320"/>
-            <a:ext cx="31252680" cy="760680"/>
+            <a:ext cx="31252320" cy="760320"/>
           </a:xfrm>
           <a:prstGeom prst="rect">
             <a:avLst/>
@@ -2038,13 +2554,20 @@
           </a:ln>
         </p:spPr>
         <p:style>
-          <a:lnRef idx="0"/>
-          <a:fillRef idx="0"/>
-          <a:effectRef idx="0"/>
+          <a:lnRef idx="0">
+            <a:scrgbClr r="0" g="0" b="0"/>
+          </a:lnRef>
+          <a:fillRef idx="0">
+            <a:scrgbClr r="0" g="0" b="0"/>
+          </a:fillRef>
+          <a:effectRef idx="0">
+            <a:scrgbClr r="0" g="0" b="0"/>
+          </a:effectRef>
           <a:fontRef idx="minor"/>
         </p:style>
         <p:txBody>
-          <a:bodyPr lIns="90000" rIns="90000" tIns="45000" bIns="45000"/>
+          <a:bodyPr lIns="90000" tIns="45000" rIns="90000" bIns="45000"/>
+          <a:lstStyle/>
           <a:p>
             <a:pPr algn="ctr">
               <a:lnSpc>
@@ -2052,13 +2575,13 @@
               </a:lnSpc>
             </a:pPr>
             <a:r>
-              <a:rPr b="1" lang="fr-BE" sz="4400" spc="-1" strike="noStrike">
+              <a:rPr lang="fr-BE" sz="4400" b="1" strike="noStrike" spc="-1">
                 <a:solidFill>
                   <a:srgbClr val="000000"/>
                 </a:solidFill>
                 <a:uFill>
                   <a:solidFill>
-                    <a:srgbClr val="ffffff"/>
+                    <a:srgbClr val="FFFFFF"/>
                   </a:solidFill>
                 </a:uFill>
                 <a:latin typeface="Arial"/>
@@ -2066,13 +2589,13 @@
               </a:rPr>
               <a:t>Jacobs Alexandre, Bonaert Gregory, Ruggoo Prateeba, Rouma Florian, Engelman David, Engelman Benjamin</a:t>
             </a:r>
-            <a:endParaRPr b="0" lang="fr-BE" sz="1800" spc="-1" strike="noStrike">
-              <a:solidFill>
-                <a:srgbClr val="000000"/>
-              </a:solidFill>
-              <a:uFill>
-                <a:solidFill>
-                  <a:srgbClr val="ffffff"/>
+            <a:endParaRPr lang="fr-BE" sz="1800" b="0" strike="noStrike" spc="-1">
+              <a:solidFill>
+                <a:srgbClr val="000000"/>
+              </a:solidFill>
+              <a:uFill>
+                <a:solidFill>
+                  <a:srgbClr val="FFFFFF"/>
                 </a:solidFill>
               </a:uFill>
               <a:latin typeface="Arial"/>
@@ -2082,30 +2605,7 @@
       </p:sp>
       <p:pic>
         <p:nvPicPr>
-          <p:cNvPr id="45" name="" descr=""/>
-          <p:cNvPicPr/>
-          <p:nvPr/>
-        </p:nvPicPr>
-        <p:blipFill>
-          <a:blip r:embed="rId5"/>
-          <a:stretch/>
-        </p:blipFill>
-        <p:spPr>
-          <a:xfrm>
-            <a:off x="1764000" y="29664000"/>
-            <a:ext cx="17352000" cy="13013640"/>
-          </a:xfrm>
-          <a:prstGeom prst="rect">
-            <a:avLst/>
-          </a:prstGeom>
-          <a:ln>
-            <a:noFill/>
-          </a:ln>
-        </p:spPr>
-      </p:pic>
-      <p:pic>
-        <p:nvPicPr>
-          <p:cNvPr id="46" name="" descr=""/>
+          <p:cNvPr id="43" name="Image 42"/>
           <p:cNvPicPr/>
           <p:nvPr/>
         </p:nvPicPr>
@@ -2115,8 +2615,8 @@
         </p:blipFill>
         <p:spPr>
           <a:xfrm>
-            <a:off x="20612160" y="29751480"/>
-            <a:ext cx="11211840" cy="10712520"/>
+            <a:off x="1764000" y="29664000"/>
+            <a:ext cx="17351640" cy="13013280"/>
           </a:xfrm>
           <a:prstGeom prst="rect">
             <a:avLst/>
@@ -2126,16 +2626,39 @@
           </a:ln>
         </p:spPr>
       </p:pic>
-      <p:sp>
-        <p:nvSpPr>
-          <p:cNvPr id="47" name="TextShape 4"/>
-          <p:cNvSpPr txBox="1"/>
+      <p:pic>
+        <p:nvPicPr>
+          <p:cNvPr id="44" name="Image 43"/>
+          <p:cNvPicPr/>
           <p:nvPr/>
+        </p:nvPicPr>
+        <p:blipFill>
+          <a:blip r:embed="rId7"/>
+          <a:stretch/>
+        </p:blipFill>
+        <p:spPr>
+          <a:xfrm>
+            <a:off x="20612160" y="29751480"/>
+            <a:ext cx="11211480" cy="10712160"/>
+          </a:xfrm>
+          <a:prstGeom prst="rect">
+            <a:avLst/>
+          </a:prstGeom>
+          <a:ln>
+            <a:noFill/>
+          </a:ln>
+        </p:spPr>
+      </p:pic>
+      <p:sp>
+        <p:nvSpPr>
+          <p:cNvPr id="45" name="CustomShape 4"/>
+          <p:cNvSpPr/>
+          <p:nvPr/>
         </p:nvSpPr>
         <p:spPr>
           <a:xfrm>
             <a:off x="2556000" y="28872000"/>
-            <a:ext cx="16560000" cy="864000"/>
+            <a:ext cx="16559640" cy="863640"/>
           </a:xfrm>
           <a:prstGeom prst="rect">
             <a:avLst/>
@@ -2145,61 +2668,60 @@
             <a:noFill/>
           </a:ln>
         </p:spPr>
-        <p:txBody>
-          <a:bodyPr lIns="90000" rIns="90000" tIns="45000" bIns="45000"/>
+        <p:style>
+          <a:lnRef idx="0">
+            <a:scrgbClr r="0" g="0" b="0"/>
+          </a:lnRef>
+          <a:fillRef idx="0">
+            <a:scrgbClr r="0" g="0" b="0"/>
+          </a:fillRef>
+          <a:effectRef idx="0">
+            <a:scrgbClr r="0" g="0" b="0"/>
+          </a:effectRef>
+          <a:fontRef idx="minor"/>
+        </p:style>
+        <p:txBody>
+          <a:bodyPr lIns="90000" tIns="45000" rIns="90000" bIns="45000"/>
+          <a:lstStyle/>
           <a:p>
             <a:r>
-              <a:rPr b="1" lang="fr-BE" sz="4400" spc="-1" strike="noStrike">
+              <a:rPr lang="fr-BE" sz="4400" b="1" strike="noStrike" spc="-1">
                 <a:solidFill>
                   <a:srgbClr val="000000"/>
                 </a:solidFill>
                 <a:uFill>
                   <a:solidFill>
-                    <a:srgbClr val="ffffff"/>
+                    <a:srgbClr val="FFFFFF"/>
                   </a:solidFill>
                 </a:uFill>
                 <a:latin typeface="Arial"/>
               </a:rPr>
-              <a:t>Termes les plus associés aux Fake news </a:t>
+              <a:t>Termes les plus associés aux Fake news et aux Real News</a:t>
             </a:r>
-            <a:r>
-              <a:rPr b="1" lang="fr-BE" sz="4400" spc="-1" strike="noStrike">
-                <a:solidFill>
-                  <a:srgbClr val="000000"/>
-                </a:solidFill>
-                <a:uFill>
-                  <a:solidFill>
-                    <a:srgbClr val="ffffff"/>
-                  </a:solidFill>
-                </a:uFill>
-                <a:latin typeface="Arial"/>
-              </a:rPr>
-              <a:t>et aux Real News</a:t>
-            </a:r>
-            <a:endParaRPr b="1" lang="fr-BE" sz="4400" spc="-1" strike="noStrike">
-              <a:solidFill>
-                <a:srgbClr val="000000"/>
-              </a:solidFill>
-              <a:uFill>
-                <a:solidFill>
-                  <a:srgbClr val="ffffff"/>
-                </a:solidFill>
-              </a:uFill>
-              <a:latin typeface="Arial"/>
-            </a:endParaRPr>
-          </a:p>
-        </p:txBody>
-      </p:sp>
-      <p:sp>
-        <p:nvSpPr>
-          <p:cNvPr id="48" name="TextShape 5"/>
-          <p:cNvSpPr txBox="1"/>
+            <a:endParaRPr lang="fr-BE" sz="1800" b="0" strike="noStrike" spc="-1">
+              <a:solidFill>
+                <a:srgbClr val="000000"/>
+              </a:solidFill>
+              <a:uFill>
+                <a:solidFill>
+                  <a:srgbClr val="FFFFFF"/>
+                </a:solidFill>
+              </a:uFill>
+              <a:latin typeface="Arial"/>
+            </a:endParaRPr>
+          </a:p>
+        </p:txBody>
+      </p:sp>
+      <p:sp>
+        <p:nvSpPr>
+          <p:cNvPr id="46" name="CustomShape 5"/>
+          <p:cNvSpPr/>
           <p:nvPr/>
         </p:nvSpPr>
         <p:spPr>
           <a:xfrm>
             <a:off x="19656000" y="28947960"/>
-            <a:ext cx="13104000" cy="864000"/>
+            <a:ext cx="13103640" cy="863640"/>
           </a:xfrm>
           <a:prstGeom prst="rect">
             <a:avLst/>
@@ -2209,47 +2731,60 @@
             <a:noFill/>
           </a:ln>
         </p:spPr>
-        <p:txBody>
-          <a:bodyPr lIns="90000" rIns="90000" tIns="45000" bIns="45000"/>
+        <p:style>
+          <a:lnRef idx="0">
+            <a:scrgbClr r="0" g="0" b="0"/>
+          </a:lnRef>
+          <a:fillRef idx="0">
+            <a:scrgbClr r="0" g="0" b="0"/>
+          </a:fillRef>
+          <a:effectRef idx="0">
+            <a:scrgbClr r="0" g="0" b="0"/>
+          </a:effectRef>
+          <a:fontRef idx="minor"/>
+        </p:style>
+        <p:txBody>
+          <a:bodyPr lIns="90000" tIns="45000" rIns="90000" bIns="45000"/>
+          <a:lstStyle/>
           <a:p>
             <a:r>
-              <a:rPr b="1" lang="fr-BE" sz="4400" spc="-1" strike="noStrike">
+              <a:rPr lang="fr-BE" sz="4400" b="1" strike="noStrike" spc="-1">
                 <a:solidFill>
                   <a:srgbClr val="000000"/>
                 </a:solidFill>
                 <a:uFill>
                   <a:solidFill>
-                    <a:srgbClr val="ffffff"/>
+                    <a:srgbClr val="FFFFFF"/>
                   </a:solidFill>
                 </a:uFill>
                 <a:latin typeface="Arial"/>
               </a:rPr>
               <a:t>Meilleures combinaisons de modèles et features </a:t>
             </a:r>
-            <a:endParaRPr b="1" lang="fr-BE" sz="4400" spc="-1" strike="noStrike">
-              <a:solidFill>
-                <a:srgbClr val="000000"/>
-              </a:solidFill>
-              <a:uFill>
-                <a:solidFill>
-                  <a:srgbClr val="ffffff"/>
-                </a:solidFill>
-              </a:uFill>
-              <a:latin typeface="Arial"/>
-            </a:endParaRPr>
-          </a:p>
-        </p:txBody>
-      </p:sp>
-      <p:sp>
-        <p:nvSpPr>
-          <p:cNvPr id="49" name="CustomShape 6"/>
+            <a:endParaRPr lang="fr-BE" sz="1800" b="0" strike="noStrike" spc="-1">
+              <a:solidFill>
+                <a:srgbClr val="000000"/>
+              </a:solidFill>
+              <a:uFill>
+                <a:solidFill>
+                  <a:srgbClr val="FFFFFF"/>
+                </a:solidFill>
+              </a:uFill>
+              <a:latin typeface="Arial"/>
+            </a:endParaRPr>
+          </a:p>
+        </p:txBody>
+      </p:sp>
+      <p:sp>
+        <p:nvSpPr>
+          <p:cNvPr id="47" name="CustomShape 6"/>
           <p:cNvSpPr/>
           <p:nvPr/>
         </p:nvSpPr>
         <p:spPr>
           <a:xfrm>
-            <a:off x="2408400" y="10757160"/>
-            <a:ext cx="14223600" cy="8140680"/>
+            <a:off x="2408400" y="10973160"/>
+            <a:ext cx="14223240" cy="8140320"/>
           </a:xfrm>
           <a:prstGeom prst="roundRect">
             <a:avLst>
@@ -2257,34 +2792,38 @@
             </a:avLst>
           </a:prstGeom>
           <a:solidFill>
-            <a:schemeClr val="accent1">
-              <a:lumMod val="75000"/>
-            </a:schemeClr>
+            <a:srgbClr val="376092"/>
           </a:solidFill>
           <a:ln w="127080">
             <a:solidFill>
-              <a:srgbClr val="bdafd5"/>
+              <a:srgbClr val="BDAFD5"/>
             </a:solidFill>
             <a:round/>
           </a:ln>
         </p:spPr>
         <p:style>
-          <a:lnRef idx="0"/>
-          <a:fillRef idx="0"/>
-          <a:effectRef idx="0"/>
+          <a:lnRef idx="0">
+            <a:scrgbClr r="0" g="0" b="0"/>
+          </a:lnRef>
+          <a:fillRef idx="0">
+            <a:scrgbClr r="0" g="0" b="0"/>
+          </a:fillRef>
+          <a:effectRef idx="0">
+            <a:scrgbClr r="0" g="0" b="0"/>
+          </a:effectRef>
           <a:fontRef idx="minor"/>
         </p:style>
       </p:sp>
       <p:sp>
         <p:nvSpPr>
-          <p:cNvPr id="50" name="CustomShape 7"/>
+          <p:cNvPr id="48" name="CustomShape 7"/>
           <p:cNvSpPr/>
           <p:nvPr/>
         </p:nvSpPr>
         <p:spPr>
           <a:xfrm>
-            <a:off x="3717000" y="12671640"/>
-            <a:ext cx="11979000" cy="913320"/>
+            <a:off x="3717000" y="12311640"/>
+            <a:ext cx="11978640" cy="912960"/>
           </a:xfrm>
           <a:prstGeom prst="rect">
             <a:avLst/>
@@ -2295,13 +2834,20 @@
           </a:ln>
         </p:spPr>
         <p:style>
-          <a:lnRef idx="0"/>
-          <a:fillRef idx="0"/>
-          <a:effectRef idx="0"/>
+          <a:lnRef idx="0">
+            <a:scrgbClr r="0" g="0" b="0"/>
+          </a:lnRef>
+          <a:fillRef idx="0">
+            <a:scrgbClr r="0" g="0" b="0"/>
+          </a:fillRef>
+          <a:effectRef idx="0">
+            <a:scrgbClr r="0" g="0" b="0"/>
+          </a:effectRef>
           <a:fontRef idx="minor"/>
         </p:style>
         <p:txBody>
-          <a:bodyPr lIns="90000" rIns="90000" tIns="45000" bIns="45000"/>
+          <a:bodyPr lIns="90000" tIns="45000" rIns="90000" bIns="45000"/>
+          <a:lstStyle/>
           <a:p>
             <a:pPr>
               <a:lnSpc>
@@ -2309,61 +2855,32 @@
               </a:lnSpc>
             </a:pPr>
             <a:r>
-              <a:rPr b="0" lang="fr-BE" sz="5400" spc="-1" strike="noStrike">
-                <a:solidFill>
-                  <a:srgbClr val="ffffff"/>
+              <a:rPr lang="fr-BE" sz="5400" b="0" strike="noStrike" spc="-1">
+                <a:solidFill>
+                  <a:srgbClr val="FFFFFF"/>
                 </a:solidFill>
                 <a:uFill>
                   <a:solidFill>
-                    <a:srgbClr val="ffffff"/>
+                    <a:srgbClr val="FFFFFF"/>
                   </a:solidFill>
                 </a:uFill>
                 <a:latin typeface="Arial"/>
                 <a:ea typeface="ＭＳ Ｐゴシック"/>
               </a:rPr>
-              <a:t>BLABLABLA</a:t>
+              <a:t>Ce type de modèle est une amélioration de la régression linéaire.</a:t>
             </a:r>
-            <a:endParaRPr b="0" lang="fr-BE" sz="1800" spc="-1" strike="noStrike">
-              <a:solidFill>
-                <a:srgbClr val="000000"/>
-              </a:solidFill>
-              <a:uFill>
-                <a:solidFill>
-                  <a:srgbClr val="ffffff"/>
-                </a:solidFill>
-              </a:uFill>
-              <a:latin typeface="Arial"/>
-            </a:endParaRPr>
-          </a:p>
-        </p:txBody>
-      </p:sp>
-      <p:sp>
-        <p:nvSpPr>
-          <p:cNvPr id="51" name="CustomShape 8"/>
-          <p:cNvSpPr/>
-          <p:nvPr/>
-        </p:nvSpPr>
-        <p:spPr>
-          <a:xfrm>
-            <a:off x="3642840" y="11307960"/>
-            <a:ext cx="12557160" cy="1095840"/>
-          </a:xfrm>
-          <a:prstGeom prst="rect">
-            <a:avLst/>
-          </a:prstGeom>
-          <a:noFill/>
-          <a:ln>
-            <a:noFill/>
-          </a:ln>
-        </p:spPr>
-        <p:style>
-          <a:lnRef idx="0"/>
-          <a:fillRef idx="0"/>
-          <a:effectRef idx="0"/>
-          <a:fontRef idx="minor"/>
-        </p:style>
-        <p:txBody>
-          <a:bodyPr lIns="90000" rIns="90000" tIns="45000" bIns="45000"/>
+            <a:endParaRPr lang="fr-BE" sz="1800" b="0" strike="noStrike" spc="-1">
+              <a:solidFill>
+                <a:srgbClr val="000000"/>
+              </a:solidFill>
+              <a:uFill>
+                <a:solidFill>
+                  <a:srgbClr val="FFFFFF"/>
+                </a:solidFill>
+              </a:uFill>
+              <a:latin typeface="Arial"/>
+            </a:endParaRPr>
+          </a:p>
           <a:p>
             <a:pPr>
               <a:lnSpc>
@@ -2371,13 +2888,82 @@
               </a:lnSpc>
             </a:pPr>
             <a:r>
-              <a:rPr b="1" lang="fr-BE" sz="6600" spc="-1" strike="noStrike">
-                <a:solidFill>
-                  <a:srgbClr val="ffffff"/>
+              <a:rPr lang="fr-BE" sz="5400" b="0" strike="noStrike" spc="-1">
+                <a:solidFill>
+                  <a:srgbClr val="FFFFFF"/>
                 </a:solidFill>
                 <a:uFill>
                   <a:solidFill>
-                    <a:srgbClr val="ffffff"/>
+                    <a:srgbClr val="FFFFFF"/>
+                  </a:solidFill>
+                </a:uFill>
+                <a:latin typeface="Arial"/>
+                <a:ea typeface="ＭＳ Ｐゴシック"/>
+              </a:rPr>
+              <a:t>En plus de minimiser les écarts entre les valeurs prédites  et réelles, il force les coefficients β à être plus petits et donc minimise l’impact du bruit dans les problèmes avec un grand nombre de features.</a:t>
+            </a:r>
+            <a:endParaRPr lang="fr-BE" sz="1800" b="0" strike="noStrike" spc="-1">
+              <a:solidFill>
+                <a:srgbClr val="000000"/>
+              </a:solidFill>
+              <a:uFill>
+                <a:solidFill>
+                  <a:srgbClr val="FFFFFF"/>
+                </a:solidFill>
+              </a:uFill>
+              <a:latin typeface="Arial"/>
+            </a:endParaRPr>
+          </a:p>
+        </p:txBody>
+      </p:sp>
+      <p:sp>
+        <p:nvSpPr>
+          <p:cNvPr id="49" name="CustomShape 8"/>
+          <p:cNvSpPr/>
+          <p:nvPr/>
+        </p:nvSpPr>
+        <p:spPr>
+          <a:xfrm>
+            <a:off x="3606840" y="11163960"/>
+            <a:ext cx="12556800" cy="1095480"/>
+          </a:xfrm>
+          <a:prstGeom prst="rect">
+            <a:avLst/>
+          </a:prstGeom>
+          <a:noFill/>
+          <a:ln>
+            <a:noFill/>
+          </a:ln>
+        </p:spPr>
+        <p:style>
+          <a:lnRef idx="0">
+            <a:scrgbClr r="0" g="0" b="0"/>
+          </a:lnRef>
+          <a:fillRef idx="0">
+            <a:scrgbClr r="0" g="0" b="0"/>
+          </a:fillRef>
+          <a:effectRef idx="0">
+            <a:scrgbClr r="0" g="0" b="0"/>
+          </a:effectRef>
+          <a:fontRef idx="minor"/>
+        </p:style>
+        <p:txBody>
+          <a:bodyPr lIns="90000" tIns="45000" rIns="90000" bIns="45000"/>
+          <a:lstStyle/>
+          <a:p>
+            <a:pPr>
+              <a:lnSpc>
+                <a:spcPct val="100000"/>
+              </a:lnSpc>
+            </a:pPr>
+            <a:r>
+              <a:rPr lang="fr-BE" sz="6600" b="1" strike="noStrike" spc="-1">
+                <a:solidFill>
+                  <a:srgbClr val="FFFFFF"/>
+                </a:solidFill>
+                <a:uFill>
+                  <a:solidFill>
+                    <a:srgbClr val="FFFFFF"/>
                   </a:solidFill>
                 </a:uFill>
                 <a:latin typeface="Arial"/>
@@ -2385,30 +2971,30 @@
               </a:rPr>
               <a:t>MODÈLE (RIDGE CLASSIFIER)</a:t>
             </a:r>
-            <a:endParaRPr b="0" lang="fr-BE" sz="1800" spc="-1" strike="noStrike">
-              <a:solidFill>
-                <a:srgbClr val="000000"/>
-              </a:solidFill>
-              <a:uFill>
-                <a:solidFill>
-                  <a:srgbClr val="ffffff"/>
-                </a:solidFill>
-              </a:uFill>
-              <a:latin typeface="Arial"/>
-            </a:endParaRPr>
-          </a:p>
-        </p:txBody>
-      </p:sp>
-      <p:sp>
-        <p:nvSpPr>
-          <p:cNvPr id="52" name="CustomShape 9"/>
+            <a:endParaRPr lang="fr-BE" sz="1800" b="0" strike="noStrike" spc="-1">
+              <a:solidFill>
+                <a:srgbClr val="000000"/>
+              </a:solidFill>
+              <a:uFill>
+                <a:solidFill>
+                  <a:srgbClr val="FFFFFF"/>
+                </a:solidFill>
+              </a:uFill>
+              <a:latin typeface="Arial"/>
+            </a:endParaRPr>
+          </a:p>
+        </p:txBody>
+      </p:sp>
+      <p:sp>
+        <p:nvSpPr>
+          <p:cNvPr id="50" name="CustomShape 9"/>
           <p:cNvSpPr/>
           <p:nvPr/>
         </p:nvSpPr>
         <p:spPr>
           <a:xfrm>
             <a:off x="2448000" y="19837440"/>
-            <a:ext cx="14062320" cy="7355520"/>
+            <a:ext cx="14061960" cy="7355160"/>
           </a:xfrm>
           <a:prstGeom prst="roundRect">
             <a:avLst>
@@ -2416,32 +3002,38 @@
             </a:avLst>
           </a:prstGeom>
           <a:solidFill>
-            <a:srgbClr val="00b050"/>
+            <a:srgbClr val="00B050"/>
           </a:solidFill>
           <a:ln w="127080">
             <a:solidFill>
-              <a:srgbClr val="bdafd5"/>
+              <a:srgbClr val="BDAFD5"/>
             </a:solidFill>
             <a:round/>
           </a:ln>
         </p:spPr>
         <p:style>
-          <a:lnRef idx="0"/>
-          <a:fillRef idx="0"/>
-          <a:effectRef idx="0"/>
+          <a:lnRef idx="0">
+            <a:scrgbClr r="0" g="0" b="0"/>
+          </a:lnRef>
+          <a:fillRef idx="0">
+            <a:scrgbClr r="0" g="0" b="0"/>
+          </a:fillRef>
+          <a:effectRef idx="0">
+            <a:scrgbClr r="0" g="0" b="0"/>
+          </a:effectRef>
           <a:fontRef idx="minor"/>
         </p:style>
       </p:sp>
       <p:sp>
         <p:nvSpPr>
-          <p:cNvPr id="53" name="CustomShape 10"/>
+          <p:cNvPr id="51" name="CustomShape 10"/>
           <p:cNvSpPr/>
           <p:nvPr/>
         </p:nvSpPr>
         <p:spPr>
           <a:xfrm>
             <a:off x="16992000" y="19765440"/>
-            <a:ext cx="14515920" cy="7355520"/>
+            <a:ext cx="14515560" cy="7355160"/>
           </a:xfrm>
           <a:prstGeom prst="roundRect">
             <a:avLst>
@@ -2449,32 +3041,38 @@
             </a:avLst>
           </a:prstGeom>
           <a:solidFill>
-            <a:srgbClr val="ffcc00"/>
+            <a:srgbClr val="FFCC00"/>
           </a:solidFill>
           <a:ln w="127080">
             <a:solidFill>
-              <a:srgbClr val="bdafd5"/>
+              <a:srgbClr val="BDAFD5"/>
             </a:solidFill>
             <a:round/>
           </a:ln>
         </p:spPr>
         <p:style>
-          <a:lnRef idx="0"/>
-          <a:fillRef idx="0"/>
-          <a:effectRef idx="0"/>
+          <a:lnRef idx="0">
+            <a:scrgbClr r="0" g="0" b="0"/>
+          </a:lnRef>
+          <a:fillRef idx="0">
+            <a:scrgbClr r="0" g="0" b="0"/>
+          </a:fillRef>
+          <a:effectRef idx="0">
+            <a:scrgbClr r="0" g="0" b="0"/>
+          </a:effectRef>
           <a:fontRef idx="minor"/>
         </p:style>
       </p:sp>
       <p:sp>
         <p:nvSpPr>
-          <p:cNvPr id="54" name="CustomShape 11"/>
+          <p:cNvPr id="52" name="CustomShape 11"/>
           <p:cNvSpPr/>
           <p:nvPr/>
         </p:nvSpPr>
         <p:spPr>
           <a:xfrm>
             <a:off x="3672000" y="20520000"/>
-            <a:ext cx="10070640" cy="1095840"/>
+            <a:ext cx="10070280" cy="1095480"/>
           </a:xfrm>
           <a:prstGeom prst="rect">
             <a:avLst/>
@@ -2485,13 +3083,20 @@
           </a:ln>
         </p:spPr>
         <p:style>
-          <a:lnRef idx="0"/>
-          <a:fillRef idx="0"/>
-          <a:effectRef idx="0"/>
+          <a:lnRef idx="0">
+            <a:scrgbClr r="0" g="0" b="0"/>
+          </a:lnRef>
+          <a:fillRef idx="0">
+            <a:scrgbClr r="0" g="0" b="0"/>
+          </a:fillRef>
+          <a:effectRef idx="0">
+            <a:scrgbClr r="0" g="0" b="0"/>
+          </a:effectRef>
           <a:fontRef idx="minor"/>
         </p:style>
         <p:txBody>
-          <a:bodyPr lIns="90000" rIns="90000" tIns="45000" bIns="45000"/>
+          <a:bodyPr lIns="90000" tIns="45000" rIns="90000" bIns="45000"/>
+          <a:lstStyle/>
           <a:p>
             <a:pPr>
               <a:lnSpc>
@@ -2499,13 +3104,13 @@
               </a:lnSpc>
             </a:pPr>
             <a:r>
-              <a:rPr b="1" lang="fr-BE" sz="6600" spc="-1" strike="noStrike">
-                <a:solidFill>
-                  <a:srgbClr val="ffffff"/>
+              <a:rPr lang="fr-BE" sz="6600" b="1" strike="noStrike" spc="-1">
+                <a:solidFill>
+                  <a:srgbClr val="FFFFFF"/>
                 </a:solidFill>
                 <a:uFill>
                   <a:solidFill>
-                    <a:srgbClr val="ffffff"/>
+                    <a:srgbClr val="FFFFFF"/>
                   </a:solidFill>
                 </a:uFill>
                 <a:latin typeface="Arial"/>
@@ -2513,30 +3118,30 @@
               </a:rPr>
               <a:t>DATASET</a:t>
             </a:r>
-            <a:endParaRPr b="0" lang="fr-BE" sz="1800" spc="-1" strike="noStrike">
-              <a:solidFill>
-                <a:srgbClr val="000000"/>
-              </a:solidFill>
-              <a:uFill>
-                <a:solidFill>
-                  <a:srgbClr val="ffffff"/>
-                </a:solidFill>
-              </a:uFill>
-              <a:latin typeface="Arial"/>
-            </a:endParaRPr>
-          </a:p>
-        </p:txBody>
-      </p:sp>
-      <p:sp>
-        <p:nvSpPr>
-          <p:cNvPr id="55" name="CustomShape 12"/>
+            <a:endParaRPr lang="fr-BE" sz="1800" b="0" strike="noStrike" spc="-1">
+              <a:solidFill>
+                <a:srgbClr val="000000"/>
+              </a:solidFill>
+              <a:uFill>
+                <a:solidFill>
+                  <a:srgbClr val="FFFFFF"/>
+                </a:solidFill>
+              </a:uFill>
+              <a:latin typeface="Arial"/>
+            </a:endParaRPr>
+          </a:p>
+        </p:txBody>
+      </p:sp>
+      <p:sp>
+        <p:nvSpPr>
+          <p:cNvPr id="53" name="CustomShape 12"/>
           <p:cNvSpPr/>
           <p:nvPr/>
         </p:nvSpPr>
         <p:spPr>
           <a:xfrm>
             <a:off x="18324000" y="20520000"/>
-            <a:ext cx="10070640" cy="1308600"/>
+            <a:ext cx="10070280" cy="1308240"/>
           </a:xfrm>
           <a:prstGeom prst="rect">
             <a:avLst/>
@@ -2547,27 +3152,29 @@
           </a:ln>
         </p:spPr>
         <p:style>
-          <a:lnRef idx="0"/>
-          <a:fillRef idx="0"/>
-          <a:effectRef idx="0"/>
+          <a:lnRef idx="0">
+            <a:scrgbClr r="0" g="0" b="0"/>
+          </a:lnRef>
+          <a:fillRef idx="0">
+            <a:scrgbClr r="0" g="0" b="0"/>
+          </a:fillRef>
+          <a:effectRef idx="0">
+            <a:scrgbClr r="0" g="0" b="0"/>
+          </a:effectRef>
           <a:fontRef idx="minor"/>
         </p:style>
         <p:txBody>
-          <a:bodyPr lIns="90000" rIns="90000" tIns="45000" bIns="45000"/>
-          <a:p>
-            <a:pPr>
-              <a:lnSpc>
-                <a:spcPct val="100000"/>
-              </a:lnSpc>
-            </a:pPr>
+          <a:bodyPr lIns="90000" tIns="45000" rIns="90000" bIns="45000" anchor="t"/>
+          <a:lstStyle/>
+          <a:p>
             <a:r>
-              <a:rPr b="1" lang="fr-BE" sz="8000" spc="-1" strike="noStrike">
-                <a:solidFill>
-                  <a:srgbClr val="ffffff"/>
+              <a:rPr lang="fr-BE" sz="8000" b="1" strike="noStrike" spc="-1" dirty="0">
+                <a:solidFill>
+                  <a:srgbClr val="FFFFFF"/>
                 </a:solidFill>
                 <a:uFill>
                   <a:solidFill>
-                    <a:srgbClr val="ffffff"/>
+                    <a:srgbClr val="FFFFFF"/>
                   </a:solidFill>
                 </a:uFill>
                 <a:latin typeface="Arial"/>
@@ -2575,30 +3182,50 @@
               </a:rPr>
               <a:t>TF-IDF</a:t>
             </a:r>
-            <a:endParaRPr b="0" lang="fr-BE" sz="1800" spc="-1" strike="noStrike">
-              <a:solidFill>
-                <a:srgbClr val="ffffff"/>
-              </a:solidFill>
-              <a:uFill>
-                <a:solidFill>
-                  <a:srgbClr val="ffffff"/>
-                </a:solidFill>
-              </a:uFill>
-              <a:latin typeface="Arial"/>
-            </a:endParaRPr>
-          </a:p>
-        </p:txBody>
-      </p:sp>
-      <p:sp>
-        <p:nvSpPr>
-          <p:cNvPr id="56" name="CustomShape 13"/>
+            <a:r>
+              <a:rPr lang="fr-BE" sz="8000" b="1" spc="-1" dirty="0">
+                <a:solidFill>
+                  <a:srgbClr val="FFFFFF"/>
+                </a:solidFill>
+                <a:latin typeface="Arial"/>
+                <a:cs typeface="Arial"/>
+              </a:rPr>
+              <a:t> (</a:t>
+            </a:r>
+            <a:r>
+              <a:rPr lang="fr-BE" sz="8000" b="1" spc="-1" dirty="0" err="1">
+                <a:solidFill>
+                  <a:srgbClr val="FFFFFF"/>
+                </a:solidFill>
+                <a:cs typeface="Arial"/>
+              </a:rPr>
+              <a:t>Feature</a:t>
+            </a:r>
+            <a:r>
+              <a:rPr lang="fr-BE" sz="8000" b="1" spc="-1" dirty="0">
+                <a:solidFill>
+                  <a:srgbClr val="FFFFFF"/>
+                </a:solidFill>
+                <a:cs typeface="Arial"/>
+              </a:rPr>
+              <a:t>)</a:t>
+            </a:r>
+            <a:endParaRPr lang="fr-FR" dirty="0">
+              <a:cs typeface="Arial"/>
+            </a:endParaRPr>
+          </a:p>
+        </p:txBody>
+      </p:sp>
+      <p:sp>
+        <p:nvSpPr>
+          <p:cNvPr id="54" name="CustomShape 13"/>
           <p:cNvSpPr/>
           <p:nvPr/>
         </p:nvSpPr>
         <p:spPr>
           <a:xfrm>
             <a:off x="3573000" y="21802680"/>
-            <a:ext cx="11979000" cy="5027400"/>
+            <a:ext cx="11978640" cy="5027040"/>
           </a:xfrm>
           <a:prstGeom prst="rect">
             <a:avLst/>
@@ -2609,13 +3236,20 @@
           </a:ln>
         </p:spPr>
         <p:style>
-          <a:lnRef idx="0"/>
-          <a:fillRef idx="0"/>
-          <a:effectRef idx="0"/>
+          <a:lnRef idx="0">
+            <a:scrgbClr r="0" g="0" b="0"/>
+          </a:lnRef>
+          <a:fillRef idx="0">
+            <a:scrgbClr r="0" g="0" b="0"/>
+          </a:fillRef>
+          <a:effectRef idx="0">
+            <a:scrgbClr r="0" g="0" b="0"/>
+          </a:effectRef>
           <a:fontRef idx="minor"/>
         </p:style>
         <p:txBody>
-          <a:bodyPr lIns="90000" rIns="90000" tIns="45000" bIns="45000"/>
+          <a:bodyPr lIns="90000" tIns="45000" rIns="90000" bIns="45000"/>
+          <a:lstStyle/>
           <a:p>
             <a:pPr>
               <a:lnSpc>
@@ -2623,42 +3257,27 @@
               </a:lnSpc>
             </a:pPr>
             <a:r>
-              <a:rPr b="0" lang="fr-BE" sz="5400" spc="-1" strike="noStrike">
-                <a:solidFill>
-                  <a:srgbClr val="ffffff"/>
+              <a:rPr lang="fr-BE" sz="5400" b="0" strike="noStrike" spc="-1">
+                <a:solidFill>
+                  <a:srgbClr val="FFFFFF"/>
                 </a:solidFill>
                 <a:uFill>
                   <a:solidFill>
-                    <a:srgbClr val="ffffff"/>
+                    <a:srgbClr val="FFFFFF"/>
                   </a:solidFill>
                 </a:uFill>
                 <a:latin typeface="Arial"/>
                 <a:ea typeface="ＭＳ Ｐゴシック"/>
               </a:rPr>
-              <a:t>Un dataset composé de 60.000 articles </a:t>
+              <a:t>Un dataset composé de 60.000 articles de presse, sur des sujets divers, labellisés faux ou vrai.</a:t>
             </a:r>
-            <a:r>
-              <a:rPr b="0" lang="fr-BE" sz="5400" spc="-1" strike="noStrike">
-                <a:solidFill>
-                  <a:srgbClr val="ffffff"/>
-                </a:solidFill>
-                <a:uFill>
-                  <a:solidFill>
-                    <a:srgbClr val="ffffff"/>
-                  </a:solidFill>
-                </a:uFill>
-                <a:latin typeface="Arial"/>
-                <a:ea typeface="ＭＳ Ｐゴシック"/>
-              </a:rPr>
-              <a:t>de presse, sur des sujets divers, labellisés faux ou véridiques.</a:t>
-            </a:r>
-            <a:endParaRPr b="0" lang="fr-BE" sz="1800" spc="-1" strike="noStrike">
-              <a:solidFill>
-                <a:srgbClr val="000000"/>
-              </a:solidFill>
-              <a:uFill>
-                <a:solidFill>
-                  <a:srgbClr val="ffffff"/>
+            <a:endParaRPr lang="fr-BE" sz="1800" b="0" strike="noStrike" spc="-1">
+              <a:solidFill>
+                <a:srgbClr val="000000"/>
+              </a:solidFill>
+              <a:uFill>
+                <a:solidFill>
+                  <a:srgbClr val="FFFFFF"/>
                 </a:solidFill>
               </a:uFill>
               <a:latin typeface="Arial"/>
@@ -2671,13 +3290,13 @@
               </a:lnSpc>
             </a:pPr>
             <a:r>
-              <a:rPr b="0" lang="fr-BE" sz="5400" spc="-1" strike="noStrike">
-                <a:solidFill>
-                  <a:srgbClr val="ffffff"/>
+              <a:rPr lang="fr-BE" sz="5400" b="0" strike="noStrike" spc="-1">
+                <a:solidFill>
+                  <a:srgbClr val="FFFFFF"/>
                 </a:solidFill>
                 <a:uFill>
                   <a:solidFill>
-                    <a:srgbClr val="ffffff"/>
+                    <a:srgbClr val="FFFFFF"/>
                   </a:solidFill>
                 </a:uFill>
                 <a:latin typeface="Arial"/>
@@ -2685,13 +3304,13 @@
               </a:rPr>
               <a:t>80 % du dataset a été utilisé pour l’entraînement du modèle et les 20 % restants pour le tester.</a:t>
             </a:r>
-            <a:endParaRPr b="0" lang="fr-BE" sz="1800" spc="-1" strike="noStrike">
-              <a:solidFill>
-                <a:srgbClr val="000000"/>
-              </a:solidFill>
-              <a:uFill>
-                <a:solidFill>
-                  <a:srgbClr val="ffffff"/>
+            <a:endParaRPr lang="fr-BE" sz="1800" b="0" strike="noStrike" spc="-1">
+              <a:solidFill>
+                <a:srgbClr val="000000"/>
+              </a:solidFill>
+              <a:uFill>
+                <a:solidFill>
+                  <a:srgbClr val="FFFFFF"/>
                 </a:solidFill>
               </a:uFill>
               <a:latin typeface="Arial"/>
@@ -2701,230 +3320,7 @@
       </p:sp>
       <p:pic>
         <p:nvPicPr>
-          <p:cNvPr id="57" name="" descr=""/>
-          <p:cNvPicPr/>
-          <p:nvPr/>
-        </p:nvPicPr>
-        <p:blipFill>
-          <a:blip r:embed="rId7"/>
-          <a:stretch/>
-        </p:blipFill>
-        <p:spPr>
-          <a:xfrm>
-            <a:off x="17641800" y="22111920"/>
-            <a:ext cx="13246200" cy="4408200"/>
-          </a:xfrm>
-          <a:prstGeom prst="rect">
-            <a:avLst/>
-          </a:prstGeom>
-          <a:ln>
-            <a:noFill/>
-          </a:ln>
-        </p:spPr>
-      </p:pic>
-      <p:sp>
-        <p:nvSpPr>
-          <p:cNvPr id="58" name="TextShape 14"/>
-          <p:cNvSpPr txBox="1"/>
-          <p:nvPr/>
-        </p:nvSpPr>
-        <p:spPr>
-          <a:xfrm>
-            <a:off x="24588000" y="24696000"/>
-            <a:ext cx="4752000" cy="346320"/>
-          </a:xfrm>
-          <a:prstGeom prst="rect">
-            <a:avLst/>
-          </a:prstGeom>
-          <a:noFill/>
-          <a:ln>
-            <a:noFill/>
-          </a:ln>
-        </p:spPr>
-        <p:txBody>
-          <a:bodyPr lIns="90000" rIns="90000" tIns="45000" bIns="45000"/>
-          <a:p>
-            <a:r>
-              <a:rPr b="0" lang="fr-BE" sz="1800" spc="-1" strike="noStrike">
-                <a:solidFill>
-                  <a:srgbClr val="000000"/>
-                </a:solidFill>
-                <a:uFill>
-                  <a:solidFill>
-                    <a:srgbClr val="ffffff"/>
-                  </a:solidFill>
-                </a:uFill>
-                <a:latin typeface="Arial"/>
-              </a:rPr>
-              <a:t>Fréquence du terme X dans le document Y</a:t>
-            </a:r>
-            <a:endParaRPr b="0" lang="fr-BE" sz="1800" spc="-1" strike="noStrike">
-              <a:solidFill>
-                <a:srgbClr val="000000"/>
-              </a:solidFill>
-              <a:uFill>
-                <a:solidFill>
-                  <a:srgbClr val="ffffff"/>
-                </a:solidFill>
-              </a:uFill>
-              <a:latin typeface="Arial"/>
-            </a:endParaRPr>
-          </a:p>
-        </p:txBody>
-      </p:sp>
-      <p:sp>
-        <p:nvSpPr>
-          <p:cNvPr id="59" name="TextShape 15"/>
-          <p:cNvSpPr txBox="1"/>
-          <p:nvPr/>
-        </p:nvSpPr>
-        <p:spPr>
-          <a:xfrm>
-            <a:off x="24588000" y="25213680"/>
-            <a:ext cx="4752000" cy="346320"/>
-          </a:xfrm>
-          <a:prstGeom prst="rect">
-            <a:avLst/>
-          </a:prstGeom>
-          <a:noFill/>
-          <a:ln>
-            <a:noFill/>
-          </a:ln>
-        </p:spPr>
-        <p:txBody>
-          <a:bodyPr lIns="90000" rIns="90000" tIns="45000" bIns="45000"/>
-          <a:p>
-            <a:r>
-              <a:rPr b="0" lang="fr-BE" sz="1800" spc="-1" strike="noStrike">
-                <a:solidFill>
-                  <a:srgbClr val="000000"/>
-                </a:solidFill>
-                <a:uFill>
-                  <a:solidFill>
-                    <a:srgbClr val="ffffff"/>
-                  </a:solidFill>
-                </a:uFill>
-                <a:latin typeface="Arial"/>
-              </a:rPr>
-              <a:t>Nombre de documents contenant le terme X</a:t>
-            </a:r>
-            <a:endParaRPr b="0" lang="fr-BE" sz="1800" spc="-1" strike="noStrike">
-              <a:solidFill>
-                <a:srgbClr val="000000"/>
-              </a:solidFill>
-              <a:uFill>
-                <a:solidFill>
-                  <a:srgbClr val="ffffff"/>
-                </a:solidFill>
-              </a:uFill>
-              <a:latin typeface="Arial"/>
-            </a:endParaRPr>
-          </a:p>
-        </p:txBody>
-      </p:sp>
-      <p:sp>
-        <p:nvSpPr>
-          <p:cNvPr id="60" name="TextShape 16"/>
-          <p:cNvSpPr txBox="1"/>
-          <p:nvPr/>
-        </p:nvSpPr>
-        <p:spPr>
-          <a:xfrm>
-            <a:off x="24588000" y="25776000"/>
-            <a:ext cx="4752000" cy="346320"/>
-          </a:xfrm>
-          <a:prstGeom prst="rect">
-            <a:avLst/>
-          </a:prstGeom>
-          <a:noFill/>
-          <a:ln>
-            <a:noFill/>
-          </a:ln>
-        </p:spPr>
-        <p:txBody>
-          <a:bodyPr lIns="90000" rIns="90000" tIns="45000" bIns="45000"/>
-          <a:p>
-            <a:r>
-              <a:rPr b="0" lang="fr-BE" sz="1800" spc="-1" strike="noStrike">
-                <a:solidFill>
-                  <a:srgbClr val="000000"/>
-                </a:solidFill>
-                <a:uFill>
-                  <a:solidFill>
-                    <a:srgbClr val="ffffff"/>
-                  </a:solidFill>
-                </a:uFill>
-                <a:latin typeface="Arial"/>
-              </a:rPr>
-              <a:t>Nombre total de documents</a:t>
-            </a:r>
-            <a:endParaRPr b="0" lang="fr-BE" sz="1800" spc="-1" strike="noStrike">
-              <a:solidFill>
-                <a:srgbClr val="000000"/>
-              </a:solidFill>
-              <a:uFill>
-                <a:solidFill>
-                  <a:srgbClr val="ffffff"/>
-                </a:solidFill>
-              </a:uFill>
-              <a:latin typeface="Arial"/>
-            </a:endParaRPr>
-          </a:p>
-        </p:txBody>
-      </p:sp>
-      <p:sp>
-        <p:nvSpPr>
-          <p:cNvPr id="61" name="TextShape 17"/>
-          <p:cNvSpPr txBox="1"/>
-          <p:nvPr/>
-        </p:nvSpPr>
-        <p:spPr>
-          <a:xfrm>
-            <a:off x="19296000" y="25776000"/>
-            <a:ext cx="3600000" cy="602280"/>
-          </a:xfrm>
-          <a:prstGeom prst="rect">
-            <a:avLst/>
-          </a:prstGeom>
-          <a:noFill/>
-          <a:ln>
-            <a:noFill/>
-          </a:ln>
-        </p:spPr>
-        <p:txBody>
-          <a:bodyPr lIns="90000" rIns="90000" tIns="45000" bIns="45000"/>
-          <a:p>
-            <a:r>
-              <a:rPr b="0" lang="fr-BE" sz="1800" spc="-1" strike="noStrike">
-                <a:solidFill>
-                  <a:srgbClr val="000000"/>
-                </a:solidFill>
-                <a:uFill>
-                  <a:solidFill>
-                    <a:srgbClr val="ffffff"/>
-                  </a:solidFill>
-                </a:uFill>
-                <a:latin typeface="Arial"/>
-              </a:rPr>
-              <a:t>Terme X dans le document Y</a:t>
-            </a:r>
-            <a:endParaRPr b="0" lang="fr-BE" sz="1800" spc="-1" strike="noStrike">
-              <a:solidFill>
-                <a:srgbClr val="000000"/>
-              </a:solidFill>
-              <a:uFill>
-                <a:solidFill>
-                  <a:srgbClr val="ffffff"/>
-                </a:solidFill>
-              </a:uFill>
-              <a:latin typeface="Arial"/>
-            </a:endParaRPr>
-          </a:p>
-        </p:txBody>
-      </p:sp>
-      <p:pic>
-        <p:nvPicPr>
-          <p:cNvPr id="62" name="" descr=""/>
+          <p:cNvPr id="55" name="Image 54"/>
           <p:cNvPicPr/>
           <p:nvPr/>
         </p:nvPicPr>
@@ -2934,8 +3330,8 @@
         </p:blipFill>
         <p:spPr>
           <a:xfrm>
-            <a:off x="19242360" y="10602360"/>
-            <a:ext cx="8837640" cy="8837640"/>
+            <a:off x="17641800" y="22111920"/>
+            <a:ext cx="13245840" cy="4407840"/>
           </a:xfrm>
           <a:prstGeom prst="rect">
             <a:avLst/>
@@ -2945,35 +3341,349 @@
           </a:ln>
         </p:spPr>
       </p:pic>
+      <p:sp>
+        <p:nvSpPr>
+          <p:cNvPr id="56" name="CustomShape 14"/>
+          <p:cNvSpPr/>
+          <p:nvPr/>
+        </p:nvSpPr>
+        <p:spPr>
+          <a:xfrm>
+            <a:off x="24588000" y="24696000"/>
+            <a:ext cx="4751640" cy="345960"/>
+          </a:xfrm>
+          <a:prstGeom prst="rect">
+            <a:avLst/>
+          </a:prstGeom>
+          <a:noFill/>
+          <a:ln>
+            <a:noFill/>
+          </a:ln>
+        </p:spPr>
+        <p:style>
+          <a:lnRef idx="0">
+            <a:scrgbClr r="0" g="0" b="0"/>
+          </a:lnRef>
+          <a:fillRef idx="0">
+            <a:scrgbClr r="0" g="0" b="0"/>
+          </a:fillRef>
+          <a:effectRef idx="0">
+            <a:scrgbClr r="0" g="0" b="0"/>
+          </a:effectRef>
+          <a:fontRef idx="minor"/>
+        </p:style>
+        <p:txBody>
+          <a:bodyPr lIns="90000" tIns="45000" rIns="90000" bIns="45000"/>
+          <a:lstStyle/>
+          <a:p>
+            <a:r>
+              <a:rPr lang="fr-BE" sz="1800" b="0" strike="noStrike" spc="-1">
+                <a:solidFill>
+                  <a:srgbClr val="000000"/>
+                </a:solidFill>
+                <a:uFill>
+                  <a:solidFill>
+                    <a:srgbClr val="FFFFFF"/>
+                  </a:solidFill>
+                </a:uFill>
+                <a:latin typeface="Arial"/>
+              </a:rPr>
+              <a:t>Fréquence du terme X dans le document Y</a:t>
+            </a:r>
+          </a:p>
+        </p:txBody>
+      </p:sp>
+      <p:sp>
+        <p:nvSpPr>
+          <p:cNvPr id="57" name="CustomShape 15"/>
+          <p:cNvSpPr/>
+          <p:nvPr/>
+        </p:nvSpPr>
+        <p:spPr>
+          <a:xfrm>
+            <a:off x="24588000" y="25213680"/>
+            <a:ext cx="4751640" cy="345960"/>
+          </a:xfrm>
+          <a:prstGeom prst="rect">
+            <a:avLst/>
+          </a:prstGeom>
+          <a:noFill/>
+          <a:ln>
+            <a:noFill/>
+          </a:ln>
+        </p:spPr>
+        <p:style>
+          <a:lnRef idx="0">
+            <a:scrgbClr r="0" g="0" b="0"/>
+          </a:lnRef>
+          <a:fillRef idx="0">
+            <a:scrgbClr r="0" g="0" b="0"/>
+          </a:fillRef>
+          <a:effectRef idx="0">
+            <a:scrgbClr r="0" g="0" b="0"/>
+          </a:effectRef>
+          <a:fontRef idx="minor"/>
+        </p:style>
+        <p:txBody>
+          <a:bodyPr lIns="90000" tIns="45000" rIns="90000" bIns="45000"/>
+          <a:lstStyle/>
+          <a:p>
+            <a:r>
+              <a:rPr lang="fr-BE" sz="1800" b="0" strike="noStrike" spc="-1">
+                <a:solidFill>
+                  <a:srgbClr val="000000"/>
+                </a:solidFill>
+                <a:uFill>
+                  <a:solidFill>
+                    <a:srgbClr val="FFFFFF"/>
+                  </a:solidFill>
+                </a:uFill>
+                <a:latin typeface="Arial"/>
+              </a:rPr>
+              <a:t>Nombre de documents contenant le terme X</a:t>
+            </a:r>
+          </a:p>
+        </p:txBody>
+      </p:sp>
+      <p:sp>
+        <p:nvSpPr>
+          <p:cNvPr id="58" name="CustomShape 16"/>
+          <p:cNvSpPr/>
+          <p:nvPr/>
+        </p:nvSpPr>
+        <p:spPr>
+          <a:xfrm>
+            <a:off x="24588000" y="25776000"/>
+            <a:ext cx="4751640" cy="345960"/>
+          </a:xfrm>
+          <a:prstGeom prst="rect">
+            <a:avLst/>
+          </a:prstGeom>
+          <a:noFill/>
+          <a:ln>
+            <a:noFill/>
+          </a:ln>
+        </p:spPr>
+        <p:style>
+          <a:lnRef idx="0">
+            <a:scrgbClr r="0" g="0" b="0"/>
+          </a:lnRef>
+          <a:fillRef idx="0">
+            <a:scrgbClr r="0" g="0" b="0"/>
+          </a:fillRef>
+          <a:effectRef idx="0">
+            <a:scrgbClr r="0" g="0" b="0"/>
+          </a:effectRef>
+          <a:fontRef idx="minor"/>
+        </p:style>
+        <p:txBody>
+          <a:bodyPr lIns="90000" tIns="45000" rIns="90000" bIns="45000"/>
+          <a:lstStyle/>
+          <a:p>
+            <a:r>
+              <a:rPr lang="fr-BE" sz="1800" b="0" strike="noStrike" spc="-1">
+                <a:solidFill>
+                  <a:srgbClr val="000000"/>
+                </a:solidFill>
+                <a:uFill>
+                  <a:solidFill>
+                    <a:srgbClr val="FFFFFF"/>
+                  </a:solidFill>
+                </a:uFill>
+                <a:latin typeface="Arial"/>
+              </a:rPr>
+              <a:t>Nombre total de documents</a:t>
+            </a:r>
+          </a:p>
+        </p:txBody>
+      </p:sp>
+      <p:sp>
+        <p:nvSpPr>
+          <p:cNvPr id="59" name="CustomShape 17"/>
+          <p:cNvSpPr/>
+          <p:nvPr/>
+        </p:nvSpPr>
+        <p:spPr>
+          <a:xfrm>
+            <a:off x="19296000" y="25776000"/>
+            <a:ext cx="3599640" cy="601920"/>
+          </a:xfrm>
+          <a:prstGeom prst="rect">
+            <a:avLst/>
+          </a:prstGeom>
+          <a:noFill/>
+          <a:ln>
+            <a:noFill/>
+          </a:ln>
+        </p:spPr>
+        <p:style>
+          <a:lnRef idx="0">
+            <a:scrgbClr r="0" g="0" b="0"/>
+          </a:lnRef>
+          <a:fillRef idx="0">
+            <a:scrgbClr r="0" g="0" b="0"/>
+          </a:fillRef>
+          <a:effectRef idx="0">
+            <a:scrgbClr r="0" g="0" b="0"/>
+          </a:effectRef>
+          <a:fontRef idx="minor"/>
+        </p:style>
+        <p:txBody>
+          <a:bodyPr lIns="90000" tIns="45000" rIns="90000" bIns="45000"/>
+          <a:lstStyle/>
+          <a:p>
+            <a:r>
+              <a:rPr lang="fr-BE" sz="1800" b="0" strike="noStrike" spc="-1">
+                <a:solidFill>
+                  <a:srgbClr val="000000"/>
+                </a:solidFill>
+                <a:uFill>
+                  <a:solidFill>
+                    <a:srgbClr val="FFFFFF"/>
+                  </a:solidFill>
+                </a:uFill>
+                <a:latin typeface="Arial"/>
+              </a:rPr>
+              <a:t>Terme X dans le document Y</a:t>
+            </a:r>
+          </a:p>
+        </p:txBody>
+      </p:sp>
+      <p:pic>
+        <p:nvPicPr>
+          <p:cNvPr id="60" name="Image 59"/>
+          <p:cNvPicPr/>
+          <p:nvPr/>
+        </p:nvPicPr>
+        <p:blipFill>
+          <a:blip r:embed="rId9"/>
+          <a:stretch/>
+        </p:blipFill>
+        <p:spPr>
+          <a:xfrm>
+            <a:off x="18288000" y="11266560"/>
+            <a:ext cx="11407320" cy="7813440"/>
+          </a:xfrm>
+          <a:prstGeom prst="rect">
+            <a:avLst/>
+          </a:prstGeom>
+          <a:ln>
+            <a:noFill/>
+          </a:ln>
+        </p:spPr>
+      </p:pic>
+      <p:sp>
+        <p:nvSpPr>
+          <p:cNvPr id="61" name="TextShape 18"/>
+          <p:cNvSpPr txBox="1"/>
+          <p:nvPr/>
+        </p:nvSpPr>
+        <p:spPr>
+          <a:xfrm>
+            <a:off x="28224000" y="12744000"/>
+            <a:ext cx="3888000" cy="1020600"/>
+          </a:xfrm>
+          <a:prstGeom prst="rect">
+            <a:avLst/>
+          </a:prstGeom>
+          <a:noFill/>
+          <a:ln>
+            <a:noFill/>
+          </a:ln>
+        </p:spPr>
+        <p:txBody>
+          <a:bodyPr lIns="90000" tIns="45000" rIns="90000" bIns="45000"/>
+          <a:lstStyle/>
+          <a:p>
+            <a:r>
+              <a:rPr lang="fr-BE" sz="5400" b="0" strike="noStrike" spc="-1">
+                <a:solidFill>
+                  <a:srgbClr val="000000"/>
+                </a:solidFill>
+                <a:uFill>
+                  <a:solidFill>
+                    <a:srgbClr val="FFFFFF"/>
+                  </a:solidFill>
+                </a:uFill>
+                <a:latin typeface="Arial"/>
+              </a:rPr>
+              <a:t>Y = β</a:t>
+            </a:r>
+            <a:r>
+              <a:rPr lang="fr-BE" sz="5400" b="0" strike="noStrike" spc="-1" baseline="-33000">
+                <a:solidFill>
+                  <a:srgbClr val="000000"/>
+                </a:solidFill>
+                <a:uFill>
+                  <a:solidFill>
+                    <a:srgbClr val="FFFFFF"/>
+                  </a:solidFill>
+                </a:uFill>
+                <a:latin typeface="Arial"/>
+              </a:rPr>
+              <a:t>0</a:t>
+            </a:r>
+            <a:r>
+              <a:rPr lang="fr-BE" sz="5400" b="0" strike="noStrike" spc="-1">
+                <a:solidFill>
+                  <a:srgbClr val="000000"/>
+                </a:solidFill>
+                <a:uFill>
+                  <a:solidFill>
+                    <a:srgbClr val="FFFFFF"/>
+                  </a:solidFill>
+                </a:uFill>
+                <a:latin typeface="Arial"/>
+              </a:rPr>
+              <a:t> + β</a:t>
+            </a:r>
+            <a:r>
+              <a:rPr lang="fr-BE" sz="5400" b="0" strike="noStrike" spc="-1" baseline="-33000">
+                <a:solidFill>
+                  <a:srgbClr val="000000"/>
+                </a:solidFill>
+                <a:uFill>
+                  <a:solidFill>
+                    <a:srgbClr val="FFFFFF"/>
+                  </a:solidFill>
+                </a:uFill>
+                <a:latin typeface="Arial"/>
+              </a:rPr>
+              <a:t>1</a:t>
+            </a:r>
+            <a:r>
+              <a:rPr lang="fr-BE" sz="5400" b="0" strike="noStrike" spc="-1">
+                <a:solidFill>
+                  <a:srgbClr val="000000"/>
+                </a:solidFill>
+                <a:uFill>
+                  <a:solidFill>
+                    <a:srgbClr val="FFFFFF"/>
+                  </a:solidFill>
+                </a:uFill>
+                <a:latin typeface="Arial"/>
+              </a:rPr>
+              <a:t>X</a:t>
+            </a:r>
+            <a:endParaRPr lang="fr-BE" sz="1800" b="0" strike="noStrike" spc="-1">
+              <a:solidFill>
+                <a:srgbClr val="000000"/>
+              </a:solidFill>
+              <a:uFill>
+                <a:solidFill>
+                  <a:srgbClr val="FFFFFF"/>
+                </a:solidFill>
+              </a:uFill>
+              <a:latin typeface="Arial"/>
+            </a:endParaRPr>
+          </a:p>
+        </p:txBody>
+      </p:sp>
     </p:spTree>
   </p:cSld>
-  <p:timing>
-    <p:tnLst>
-      <p:par>
-        <p:cTn id="1" dur="indefinite" restart="never" nodeType="tmRoot">
-          <p:childTnLst>
-            <p:seq>
-              <p:cTn id="2" nodeType="mainSeq"/>
-              <p:prevCondLst>
-                <p:cond delay="0" evt="onPrev">
-                  <p:tgtEl>
-                    <p:sldTgt/>
-                  </p:tgtEl>
-                </p:cond>
-              </p:prevCondLst>
-              <p:nextCondLst>
-                <p:cond delay="0" evt="onNext">
-                  <p:tgtEl>
-                    <p:sldTgt/>
-                  </p:tgtEl>
-                </p:cond>
-              </p:nextCondLst>
-            </p:seq>
-          </p:childTnLst>
-        </p:cTn>
-      </p:par>
-    </p:tnLst>
-  </p:timing>
+  <p:clrMapOvr>
+    <a:masterClrMapping/>
+  </p:clrMapOvr>
 </p:sld>
 </file>
 
@@ -3197,5 +3907,7 @@
       </a:bgFillStyleLst>
     </a:fmtScheme>
   </a:themeElements>
+  <a:objectDefaults/>
+  <a:extraClrSchemeLst/>
 </a:theme>
 </file>
--- a/poster/PDS-INFO-2-G1.3.pptx
+++ b/poster/PDS-INFO-2-G1.3.pptx
@@ -53,7 +53,7 @@
       </p:grpSpPr>
       <p:sp>
         <p:nvSpPr>
-          <p:cNvPr id="23" name="PlaceHolder 1"/>
+          <p:cNvPr id="21" name="PlaceHolder 1"/>
           <p:cNvSpPr>
             <a:spLocks noGrp="1"/>
           </p:cNvSpPr>
@@ -63,8 +63,8 @@
         </p:nvSpPr>
         <p:spPr>
           <a:xfrm>
-            <a:off x="2467080" y="13531680"/>
-            <a:ext cx="27964440" cy="9338040"/>
+            <a:off x="1644840" y="1738080"/>
+            <a:ext cx="29608920" cy="7274520"/>
           </a:xfrm>
           <a:prstGeom prst="rect">
             <a:avLst/>
@@ -73,7 +73,8 @@
         <p:txBody>
           <a:bodyPr lIns="0" rIns="0" tIns="0" bIns="0" anchor="ctr"/>
           <a:p>
-            <a:endParaRPr b="0" lang="fr-FR" sz="1800" spc="-1" strike="noStrike">
+            <a:pPr algn="ctr"/>
+            <a:endParaRPr b="0" lang="fr-BE" sz="4400" spc="-1" strike="noStrike">
               <a:solidFill>
                 <a:srgbClr val="000000"/>
               </a:solidFill>
@@ -89,7 +90,7 @@
       </p:sp>
       <p:sp>
         <p:nvSpPr>
-          <p:cNvPr id="24" name="PlaceHolder 2"/>
+          <p:cNvPr id="22" name="PlaceHolder 2"/>
           <p:cNvSpPr>
             <a:spLocks noGrp="1"/>
           </p:cNvSpPr>
@@ -100,7 +101,7 @@
         <p:spPr>
           <a:xfrm>
             <a:off x="1644840" y="10193400"/>
-            <a:ext cx="29608560" cy="12051360"/>
+            <a:ext cx="29608920" cy="12051720"/>
           </a:xfrm>
           <a:prstGeom prst="rect">
             <a:avLst/>
@@ -109,7 +110,7 @@
         <p:txBody>
           <a:bodyPr lIns="0" rIns="0" tIns="0" bIns="0"/>
           <a:p>
-            <a:endParaRPr b="0" lang="fr-FR" sz="2800" spc="-1" strike="noStrike">
+            <a:endParaRPr b="0" lang="fr-BE" sz="3200" spc="-1" strike="noStrike">
               <a:solidFill>
                 <a:srgbClr val="000000"/>
               </a:solidFill>
@@ -125,7 +126,7 @@
       </p:sp>
       <p:sp>
         <p:nvSpPr>
-          <p:cNvPr id="25" name="PlaceHolder 3"/>
+          <p:cNvPr id="23" name="PlaceHolder 3"/>
           <p:cNvSpPr>
             <a:spLocks noGrp="1"/>
           </p:cNvSpPr>
@@ -135,8 +136,8 @@
         </p:nvSpPr>
         <p:spPr>
           <a:xfrm>
-            <a:off x="1644840" y="23389920"/>
-            <a:ext cx="29608560" cy="12051360"/>
+            <a:off x="1644840" y="23390280"/>
+            <a:ext cx="29608920" cy="12051720"/>
           </a:xfrm>
           <a:prstGeom prst="rect">
             <a:avLst/>
@@ -145,7 +146,7 @@
         <p:txBody>
           <a:bodyPr lIns="0" rIns="0" tIns="0" bIns="0"/>
           <a:p>
-            <a:endParaRPr b="0" lang="fr-FR" sz="2800" spc="-1" strike="noStrike">
+            <a:endParaRPr b="0" lang="fr-BE" sz="3200" spc="-1" strike="noStrike">
               <a:solidFill>
                 <a:srgbClr val="000000"/>
               </a:solidFill>
@@ -183,7 +184,7 @@
       </p:grpSpPr>
       <p:sp>
         <p:nvSpPr>
-          <p:cNvPr id="26" name="PlaceHolder 1"/>
+          <p:cNvPr id="24" name="PlaceHolder 1"/>
           <p:cNvSpPr>
             <a:spLocks noGrp="1"/>
           </p:cNvSpPr>
@@ -193,8 +194,8 @@
         </p:nvSpPr>
         <p:spPr>
           <a:xfrm>
-            <a:off x="2467080" y="13531680"/>
-            <a:ext cx="27964440" cy="9338040"/>
+            <a:off x="1644840" y="1738080"/>
+            <a:ext cx="29608920" cy="7274520"/>
           </a:xfrm>
           <a:prstGeom prst="rect">
             <a:avLst/>
@@ -203,7 +204,8 @@
         <p:txBody>
           <a:bodyPr lIns="0" rIns="0" tIns="0" bIns="0" anchor="ctr"/>
           <a:p>
-            <a:endParaRPr b="0" lang="fr-FR" sz="1800" spc="-1" strike="noStrike">
+            <a:pPr algn="ctr"/>
+            <a:endParaRPr b="0" lang="fr-BE" sz="4400" spc="-1" strike="noStrike">
               <a:solidFill>
                 <a:srgbClr val="000000"/>
               </a:solidFill>
@@ -219,7 +221,7 @@
       </p:sp>
       <p:sp>
         <p:nvSpPr>
-          <p:cNvPr id="27" name="PlaceHolder 2"/>
+          <p:cNvPr id="25" name="PlaceHolder 2"/>
           <p:cNvSpPr>
             <a:spLocks noGrp="1"/>
           </p:cNvSpPr>
@@ -230,7 +232,7 @@
         <p:spPr>
           <a:xfrm>
             <a:off x="1644840" y="10193400"/>
-            <a:ext cx="14448960" cy="12051360"/>
+            <a:ext cx="14448960" cy="12051720"/>
           </a:xfrm>
           <a:prstGeom prst="rect">
             <a:avLst/>
@@ -239,7 +241,7 @@
         <p:txBody>
           <a:bodyPr lIns="0" rIns="0" tIns="0" bIns="0"/>
           <a:p>
-            <a:endParaRPr b="0" lang="fr-FR" sz="2800" spc="-1" strike="noStrike">
+            <a:endParaRPr b="0" lang="fr-BE" sz="3200" spc="-1" strike="noStrike">
               <a:solidFill>
                 <a:srgbClr val="000000"/>
               </a:solidFill>
@@ -255,7 +257,7 @@
       </p:sp>
       <p:sp>
         <p:nvSpPr>
-          <p:cNvPr id="28" name="PlaceHolder 3"/>
+          <p:cNvPr id="26" name="PlaceHolder 3"/>
           <p:cNvSpPr>
             <a:spLocks noGrp="1"/>
           </p:cNvSpPr>
@@ -266,7 +268,7 @@
         <p:spPr>
           <a:xfrm>
             <a:off x="16816680" y="10193400"/>
-            <a:ext cx="14448960" cy="12051360"/>
+            <a:ext cx="14448960" cy="12051720"/>
           </a:xfrm>
           <a:prstGeom prst="rect">
             <a:avLst/>
@@ -275,7 +277,7 @@
         <p:txBody>
           <a:bodyPr lIns="0" rIns="0" tIns="0" bIns="0"/>
           <a:p>
-            <a:endParaRPr b="0" lang="fr-FR" sz="2800" spc="-1" strike="noStrike">
+            <a:endParaRPr b="0" lang="fr-BE" sz="3200" spc="-1" strike="noStrike">
               <a:solidFill>
                 <a:srgbClr val="000000"/>
               </a:solidFill>
@@ -291,7 +293,7 @@
       </p:sp>
       <p:sp>
         <p:nvSpPr>
-          <p:cNvPr id="29" name="PlaceHolder 4"/>
+          <p:cNvPr id="27" name="PlaceHolder 4"/>
           <p:cNvSpPr>
             <a:spLocks noGrp="1"/>
           </p:cNvSpPr>
@@ -301,8 +303,8 @@
         </p:nvSpPr>
         <p:spPr>
           <a:xfrm>
-            <a:off x="16816680" y="23389920"/>
-            <a:ext cx="14448960" cy="12051360"/>
+            <a:off x="16816680" y="23390280"/>
+            <a:ext cx="14448960" cy="12051720"/>
           </a:xfrm>
           <a:prstGeom prst="rect">
             <a:avLst/>
@@ -311,7 +313,7 @@
         <p:txBody>
           <a:bodyPr lIns="0" rIns="0" tIns="0" bIns="0"/>
           <a:p>
-            <a:endParaRPr b="0" lang="fr-FR" sz="2800" spc="-1" strike="noStrike">
+            <a:endParaRPr b="0" lang="fr-BE" sz="3200" spc="-1" strike="noStrike">
               <a:solidFill>
                 <a:srgbClr val="000000"/>
               </a:solidFill>
@@ -327,7 +329,7 @@
       </p:sp>
       <p:sp>
         <p:nvSpPr>
-          <p:cNvPr id="30" name="PlaceHolder 5"/>
+          <p:cNvPr id="28" name="PlaceHolder 5"/>
           <p:cNvSpPr>
             <a:spLocks noGrp="1"/>
           </p:cNvSpPr>
@@ -337,8 +339,8 @@
         </p:nvSpPr>
         <p:spPr>
           <a:xfrm>
-            <a:off x="1644840" y="23389920"/>
-            <a:ext cx="14448960" cy="12051360"/>
+            <a:off x="1644840" y="23390280"/>
+            <a:ext cx="14448960" cy="12051720"/>
           </a:xfrm>
           <a:prstGeom prst="rect">
             <a:avLst/>
@@ -347,7 +349,7 @@
         <p:txBody>
           <a:bodyPr lIns="0" rIns="0" tIns="0" bIns="0"/>
           <a:p>
-            <a:endParaRPr b="0" lang="fr-FR" sz="2800" spc="-1" strike="noStrike">
+            <a:endParaRPr b="0" lang="fr-BE" sz="3200" spc="-1" strike="noStrike">
               <a:solidFill>
                 <a:srgbClr val="000000"/>
               </a:solidFill>
@@ -385,7 +387,7 @@
       </p:grpSpPr>
       <p:sp>
         <p:nvSpPr>
-          <p:cNvPr id="31" name="PlaceHolder 1"/>
+          <p:cNvPr id="29" name="PlaceHolder 1"/>
           <p:cNvSpPr>
             <a:spLocks noGrp="1"/>
           </p:cNvSpPr>
@@ -395,8 +397,8 @@
         </p:nvSpPr>
         <p:spPr>
           <a:xfrm>
-            <a:off x="2467080" y="13531680"/>
-            <a:ext cx="27964440" cy="9338040"/>
+            <a:off x="1644840" y="1738080"/>
+            <a:ext cx="29608920" cy="7274520"/>
           </a:xfrm>
           <a:prstGeom prst="rect">
             <a:avLst/>
@@ -405,7 +407,8 @@
         <p:txBody>
           <a:bodyPr lIns="0" rIns="0" tIns="0" bIns="0" anchor="ctr"/>
           <a:p>
-            <a:endParaRPr b="0" lang="fr-FR" sz="1800" spc="-1" strike="noStrike">
+            <a:pPr algn="ctr"/>
+            <a:endParaRPr b="0" lang="fr-BE" sz="4400" spc="-1" strike="noStrike">
               <a:solidFill>
                 <a:srgbClr val="000000"/>
               </a:solidFill>
@@ -421,7 +424,7 @@
       </p:sp>
       <p:sp>
         <p:nvSpPr>
-          <p:cNvPr id="32" name="PlaceHolder 2"/>
+          <p:cNvPr id="30" name="PlaceHolder 2"/>
           <p:cNvSpPr>
             <a:spLocks noGrp="1"/>
           </p:cNvSpPr>
@@ -432,7 +435,7 @@
         <p:spPr>
           <a:xfrm>
             <a:off x="1644840" y="10193400"/>
-            <a:ext cx="29608560" cy="25265520"/>
+            <a:ext cx="29608920" cy="25265880"/>
           </a:xfrm>
           <a:prstGeom prst="rect">
             <a:avLst/>
@@ -441,7 +444,7 @@
         <p:txBody>
           <a:bodyPr lIns="0" rIns="0" tIns="0" bIns="0"/>
           <a:p>
-            <a:endParaRPr b="0" lang="fr-FR" sz="2800" spc="-1" strike="noStrike">
+            <a:endParaRPr b="0" lang="fr-BE" sz="3200" spc="-1" strike="noStrike">
               <a:solidFill>
                 <a:srgbClr val="000000"/>
               </a:solidFill>
@@ -457,7 +460,7 @@
       </p:sp>
       <p:sp>
         <p:nvSpPr>
-          <p:cNvPr id="33" name="PlaceHolder 3"/>
+          <p:cNvPr id="31" name="PlaceHolder 3"/>
           <p:cNvSpPr>
             <a:spLocks noGrp="1"/>
           </p:cNvSpPr>
@@ -468,7 +471,7 @@
         <p:spPr>
           <a:xfrm>
             <a:off x="1644840" y="10193400"/>
-            <a:ext cx="29608560" cy="25265520"/>
+            <a:ext cx="29608920" cy="25265880"/>
           </a:xfrm>
           <a:prstGeom prst="rect">
             <a:avLst/>
@@ -477,7 +480,7 @@
         <p:txBody>
           <a:bodyPr lIns="0" rIns="0" tIns="0" bIns="0"/>
           <a:p>
-            <a:endParaRPr b="0" lang="fr-FR" sz="2800" spc="-1" strike="noStrike">
+            <a:endParaRPr b="0" lang="fr-BE" sz="3200" spc="-1" strike="noStrike">
               <a:solidFill>
                 <a:srgbClr val="000000"/>
               </a:solidFill>
@@ -493,7 +496,7 @@
       </p:sp>
       <p:pic>
         <p:nvPicPr>
-          <p:cNvPr id="34" name="" descr=""/>
+          <p:cNvPr id="32" name="" descr=""/>
           <p:cNvPicPr/>
           <p:nvPr/>
         </p:nvPicPr>
@@ -503,8 +506,8 @@
         </p:blipFill>
         <p:spPr>
           <a:xfrm>
-            <a:off x="1644840" y="11020680"/>
-            <a:ext cx="29608560" cy="23610600"/>
+            <a:off x="1644480" y="11014200"/>
+            <a:ext cx="29608920" cy="23623920"/>
           </a:xfrm>
           <a:prstGeom prst="rect">
             <a:avLst/>
@@ -516,7 +519,7 @@
       </p:pic>
       <p:pic>
         <p:nvPicPr>
-          <p:cNvPr id="35" name="" descr=""/>
+          <p:cNvPr id="33" name="" descr=""/>
           <p:cNvPicPr/>
           <p:nvPr/>
         </p:nvPicPr>
@@ -526,8 +529,8 @@
         </p:blipFill>
         <p:spPr>
           <a:xfrm>
-            <a:off x="1644840" y="11020680"/>
-            <a:ext cx="29608560" cy="23610600"/>
+            <a:off x="1644480" y="11014200"/>
+            <a:ext cx="29608920" cy="23623920"/>
           </a:xfrm>
           <a:prstGeom prst="rect">
             <a:avLst/>
@@ -561,7 +564,7 @@
       </p:grpSpPr>
       <p:sp>
         <p:nvSpPr>
-          <p:cNvPr id="2" name="PlaceHolder 1"/>
+          <p:cNvPr id="0" name="PlaceHolder 1"/>
           <p:cNvSpPr>
             <a:spLocks noGrp="1"/>
           </p:cNvSpPr>
@@ -571,8 +574,8 @@
         </p:nvSpPr>
         <p:spPr>
           <a:xfrm>
-            <a:off x="2467080" y="13531680"/>
-            <a:ext cx="27964440" cy="9338040"/>
+            <a:off x="1644840" y="1738080"/>
+            <a:ext cx="29608920" cy="7274520"/>
           </a:xfrm>
           <a:prstGeom prst="rect">
             <a:avLst/>
@@ -581,7 +584,8 @@
         <p:txBody>
           <a:bodyPr lIns="0" rIns="0" tIns="0" bIns="0" anchor="ctr"/>
           <a:p>
-            <a:endParaRPr b="0" lang="fr-FR" sz="1800" spc="-1" strike="noStrike">
+            <a:pPr algn="ctr"/>
+            <a:endParaRPr b="0" lang="fr-BE" sz="4400" spc="-1" strike="noStrike">
               <a:solidFill>
                 <a:srgbClr val="000000"/>
               </a:solidFill>
@@ -597,7 +601,7 @@
       </p:sp>
       <p:sp>
         <p:nvSpPr>
-          <p:cNvPr id="3" name="PlaceHolder 2"/>
+          <p:cNvPr id="1" name="PlaceHolder 2"/>
           <p:cNvSpPr>
             <a:spLocks noGrp="1"/>
           </p:cNvSpPr>
@@ -608,7 +612,7 @@
         <p:spPr>
           <a:xfrm>
             <a:off x="1644840" y="10193400"/>
-            <a:ext cx="29608560" cy="25265520"/>
+            <a:ext cx="29608920" cy="25265880"/>
           </a:xfrm>
           <a:prstGeom prst="rect">
             <a:avLst/>
@@ -656,7 +660,7 @@
       </p:grpSpPr>
       <p:sp>
         <p:nvSpPr>
-          <p:cNvPr id="4" name="PlaceHolder 1"/>
+          <p:cNvPr id="2" name="PlaceHolder 1"/>
           <p:cNvSpPr>
             <a:spLocks noGrp="1"/>
           </p:cNvSpPr>
@@ -666,8 +670,8 @@
         </p:nvSpPr>
         <p:spPr>
           <a:xfrm>
-            <a:off x="2467080" y="13531680"/>
-            <a:ext cx="27964440" cy="9338040"/>
+            <a:off x="1644840" y="1738080"/>
+            <a:ext cx="29608920" cy="7274520"/>
           </a:xfrm>
           <a:prstGeom prst="rect">
             <a:avLst/>
@@ -676,7 +680,8 @@
         <p:txBody>
           <a:bodyPr lIns="0" rIns="0" tIns="0" bIns="0" anchor="ctr"/>
           <a:p>
-            <a:endParaRPr b="0" lang="fr-FR" sz="1800" spc="-1" strike="noStrike">
+            <a:pPr algn="ctr"/>
+            <a:endParaRPr b="0" lang="fr-BE" sz="4400" spc="-1" strike="noStrike">
               <a:solidFill>
                 <a:srgbClr val="000000"/>
               </a:solidFill>
@@ -692,7 +697,7 @@
       </p:sp>
       <p:sp>
         <p:nvSpPr>
-          <p:cNvPr id="5" name="PlaceHolder 2"/>
+          <p:cNvPr id="3" name="PlaceHolder 2"/>
           <p:cNvSpPr>
             <a:spLocks noGrp="1"/>
           </p:cNvSpPr>
@@ -703,7 +708,7 @@
         <p:spPr>
           <a:xfrm>
             <a:off x="1644840" y="10193400"/>
-            <a:ext cx="29608560" cy="25265520"/>
+            <a:ext cx="29608920" cy="25265880"/>
           </a:xfrm>
           <a:prstGeom prst="rect">
             <a:avLst/>
@@ -712,7 +717,7 @@
         <p:txBody>
           <a:bodyPr lIns="0" rIns="0" tIns="0" bIns="0"/>
           <a:p>
-            <a:endParaRPr b="0" lang="fr-FR" sz="2800" spc="-1" strike="noStrike">
+            <a:endParaRPr b="0" lang="fr-BE" sz="3200" spc="-1" strike="noStrike">
               <a:solidFill>
                 <a:srgbClr val="000000"/>
               </a:solidFill>
@@ -750,7 +755,7 @@
       </p:grpSpPr>
       <p:sp>
         <p:nvSpPr>
-          <p:cNvPr id="6" name="PlaceHolder 1"/>
+          <p:cNvPr id="4" name="PlaceHolder 1"/>
           <p:cNvSpPr>
             <a:spLocks noGrp="1"/>
           </p:cNvSpPr>
@@ -760,8 +765,8 @@
         </p:nvSpPr>
         <p:spPr>
           <a:xfrm>
-            <a:off x="2467080" y="13531680"/>
-            <a:ext cx="27964440" cy="9338040"/>
+            <a:off x="1644840" y="1738080"/>
+            <a:ext cx="29608920" cy="7274520"/>
           </a:xfrm>
           <a:prstGeom prst="rect">
             <a:avLst/>
@@ -770,7 +775,8 @@
         <p:txBody>
           <a:bodyPr lIns="0" rIns="0" tIns="0" bIns="0" anchor="ctr"/>
           <a:p>
-            <a:endParaRPr b="0" lang="fr-FR" sz="1800" spc="-1" strike="noStrike">
+            <a:pPr algn="ctr"/>
+            <a:endParaRPr b="0" lang="fr-BE" sz="4400" spc="-1" strike="noStrike">
               <a:solidFill>
                 <a:srgbClr val="000000"/>
               </a:solidFill>
@@ -786,7 +792,7 @@
       </p:sp>
       <p:sp>
         <p:nvSpPr>
-          <p:cNvPr id="7" name="PlaceHolder 2"/>
+          <p:cNvPr id="5" name="PlaceHolder 2"/>
           <p:cNvSpPr>
             <a:spLocks noGrp="1"/>
           </p:cNvSpPr>
@@ -797,7 +803,7 @@
         <p:spPr>
           <a:xfrm>
             <a:off x="1644840" y="10193400"/>
-            <a:ext cx="14448960" cy="25265520"/>
+            <a:ext cx="14448960" cy="25265880"/>
           </a:xfrm>
           <a:prstGeom prst="rect">
             <a:avLst/>
@@ -806,7 +812,7 @@
         <p:txBody>
           <a:bodyPr lIns="0" rIns="0" tIns="0" bIns="0"/>
           <a:p>
-            <a:endParaRPr b="0" lang="fr-FR" sz="2800" spc="-1" strike="noStrike">
+            <a:endParaRPr b="0" lang="fr-BE" sz="3200" spc="-1" strike="noStrike">
               <a:solidFill>
                 <a:srgbClr val="000000"/>
               </a:solidFill>
@@ -822,7 +828,7 @@
       </p:sp>
       <p:sp>
         <p:nvSpPr>
-          <p:cNvPr id="8" name="PlaceHolder 3"/>
+          <p:cNvPr id="6" name="PlaceHolder 3"/>
           <p:cNvSpPr>
             <a:spLocks noGrp="1"/>
           </p:cNvSpPr>
@@ -833,7 +839,7 @@
         <p:spPr>
           <a:xfrm>
             <a:off x="16816680" y="10193400"/>
-            <a:ext cx="14448960" cy="25265520"/>
+            <a:ext cx="14448960" cy="25265880"/>
           </a:xfrm>
           <a:prstGeom prst="rect">
             <a:avLst/>
@@ -842,7 +848,7 @@
         <p:txBody>
           <a:bodyPr lIns="0" rIns="0" tIns="0" bIns="0"/>
           <a:p>
-            <a:endParaRPr b="0" lang="fr-FR" sz="2800" spc="-1" strike="noStrike">
+            <a:endParaRPr b="0" lang="fr-BE" sz="3200" spc="-1" strike="noStrike">
               <a:solidFill>
                 <a:srgbClr val="000000"/>
               </a:solidFill>
@@ -880,7 +886,7 @@
       </p:grpSpPr>
       <p:sp>
         <p:nvSpPr>
-          <p:cNvPr id="9" name="PlaceHolder 1"/>
+          <p:cNvPr id="7" name="PlaceHolder 1"/>
           <p:cNvSpPr>
             <a:spLocks noGrp="1"/>
           </p:cNvSpPr>
@@ -890,8 +896,8 @@
         </p:nvSpPr>
         <p:spPr>
           <a:xfrm>
-            <a:off x="2467080" y="13531680"/>
-            <a:ext cx="27964440" cy="9338040"/>
+            <a:off x="1644840" y="1738080"/>
+            <a:ext cx="29608920" cy="7274520"/>
           </a:xfrm>
           <a:prstGeom prst="rect">
             <a:avLst/>
@@ -900,7 +906,8 @@
         <p:txBody>
           <a:bodyPr lIns="0" rIns="0" tIns="0" bIns="0" anchor="ctr"/>
           <a:p>
-            <a:endParaRPr b="0" lang="fr-FR" sz="1800" spc="-1" strike="noStrike">
+            <a:pPr algn="ctr"/>
+            <a:endParaRPr b="0" lang="fr-BE" sz="4400" spc="-1" strike="noStrike">
               <a:solidFill>
                 <a:srgbClr val="000000"/>
               </a:solidFill>
@@ -938,7 +945,7 @@
       </p:grpSpPr>
       <p:sp>
         <p:nvSpPr>
-          <p:cNvPr id="10" name="PlaceHolder 1"/>
+          <p:cNvPr id="8" name="PlaceHolder 1"/>
           <p:cNvSpPr>
             <a:spLocks noGrp="1"/>
           </p:cNvSpPr>
@@ -948,8 +955,8 @@
         </p:nvSpPr>
         <p:spPr>
           <a:xfrm>
-            <a:off x="2467080" y="13531680"/>
-            <a:ext cx="27964440" cy="43286760"/>
+            <a:off x="1644840" y="1738080"/>
+            <a:ext cx="29608920" cy="33721560"/>
           </a:xfrm>
           <a:prstGeom prst="rect">
             <a:avLst/>
@@ -997,7 +1004,7 @@
       </p:grpSpPr>
       <p:sp>
         <p:nvSpPr>
-          <p:cNvPr id="11" name="PlaceHolder 1"/>
+          <p:cNvPr id="9" name="PlaceHolder 1"/>
           <p:cNvSpPr>
             <a:spLocks noGrp="1"/>
           </p:cNvSpPr>
@@ -1007,8 +1014,8 @@
         </p:nvSpPr>
         <p:spPr>
           <a:xfrm>
-            <a:off x="2467080" y="13531680"/>
-            <a:ext cx="27964440" cy="9338040"/>
+            <a:off x="1644840" y="1738080"/>
+            <a:ext cx="29608920" cy="7274520"/>
           </a:xfrm>
           <a:prstGeom prst="rect">
             <a:avLst/>
@@ -1017,7 +1024,8 @@
         <p:txBody>
           <a:bodyPr lIns="0" rIns="0" tIns="0" bIns="0" anchor="ctr"/>
           <a:p>
-            <a:endParaRPr b="0" lang="fr-FR" sz="1800" spc="-1" strike="noStrike">
+            <a:pPr algn="ctr"/>
+            <a:endParaRPr b="0" lang="fr-BE" sz="4400" spc="-1" strike="noStrike">
               <a:solidFill>
                 <a:srgbClr val="000000"/>
               </a:solidFill>
@@ -1033,7 +1041,7 @@
       </p:sp>
       <p:sp>
         <p:nvSpPr>
-          <p:cNvPr id="12" name="PlaceHolder 2"/>
+          <p:cNvPr id="10" name="PlaceHolder 2"/>
           <p:cNvSpPr>
             <a:spLocks noGrp="1"/>
           </p:cNvSpPr>
@@ -1044,7 +1052,7 @@
         <p:spPr>
           <a:xfrm>
             <a:off x="1644840" y="10193400"/>
-            <a:ext cx="14448960" cy="12051360"/>
+            <a:ext cx="14448960" cy="12051720"/>
           </a:xfrm>
           <a:prstGeom prst="rect">
             <a:avLst/>
@@ -1053,7 +1061,7 @@
         <p:txBody>
           <a:bodyPr lIns="0" rIns="0" tIns="0" bIns="0"/>
           <a:p>
-            <a:endParaRPr b="0" lang="fr-FR" sz="2800" spc="-1" strike="noStrike">
+            <a:endParaRPr b="0" lang="fr-BE" sz="3200" spc="-1" strike="noStrike">
               <a:solidFill>
                 <a:srgbClr val="000000"/>
               </a:solidFill>
@@ -1069,7 +1077,7 @@
       </p:sp>
       <p:sp>
         <p:nvSpPr>
-          <p:cNvPr id="13" name="PlaceHolder 3"/>
+          <p:cNvPr id="11" name="PlaceHolder 3"/>
           <p:cNvSpPr>
             <a:spLocks noGrp="1"/>
           </p:cNvSpPr>
@@ -1079,8 +1087,8 @@
         </p:nvSpPr>
         <p:spPr>
           <a:xfrm>
-            <a:off x="1644840" y="23389920"/>
-            <a:ext cx="14448960" cy="12051360"/>
+            <a:off x="1644840" y="23390280"/>
+            <a:ext cx="14448960" cy="12051720"/>
           </a:xfrm>
           <a:prstGeom prst="rect">
             <a:avLst/>
@@ -1089,7 +1097,7 @@
         <p:txBody>
           <a:bodyPr lIns="0" rIns="0" tIns="0" bIns="0"/>
           <a:p>
-            <a:endParaRPr b="0" lang="fr-FR" sz="2800" spc="-1" strike="noStrike">
+            <a:endParaRPr b="0" lang="fr-BE" sz="3200" spc="-1" strike="noStrike">
               <a:solidFill>
                 <a:srgbClr val="000000"/>
               </a:solidFill>
@@ -1105,7 +1113,7 @@
       </p:sp>
       <p:sp>
         <p:nvSpPr>
-          <p:cNvPr id="14" name="PlaceHolder 4"/>
+          <p:cNvPr id="12" name="PlaceHolder 4"/>
           <p:cNvSpPr>
             <a:spLocks noGrp="1"/>
           </p:cNvSpPr>
@@ -1116,7 +1124,7 @@
         <p:spPr>
           <a:xfrm>
             <a:off x="16816680" y="10193400"/>
-            <a:ext cx="14448960" cy="25265520"/>
+            <a:ext cx="14448960" cy="25265880"/>
           </a:xfrm>
           <a:prstGeom prst="rect">
             <a:avLst/>
@@ -1125,7 +1133,7 @@
         <p:txBody>
           <a:bodyPr lIns="0" rIns="0" tIns="0" bIns="0"/>
           <a:p>
-            <a:endParaRPr b="0" lang="fr-FR" sz="2800" spc="-1" strike="noStrike">
+            <a:endParaRPr b="0" lang="fr-BE" sz="3200" spc="-1" strike="noStrike">
               <a:solidFill>
                 <a:srgbClr val="000000"/>
               </a:solidFill>
@@ -1163,7 +1171,7 @@
       </p:grpSpPr>
       <p:sp>
         <p:nvSpPr>
-          <p:cNvPr id="15" name="PlaceHolder 1"/>
+          <p:cNvPr id="13" name="PlaceHolder 1"/>
           <p:cNvSpPr>
             <a:spLocks noGrp="1"/>
           </p:cNvSpPr>
@@ -1173,8 +1181,8 @@
         </p:nvSpPr>
         <p:spPr>
           <a:xfrm>
-            <a:off x="2467080" y="13531680"/>
-            <a:ext cx="27964440" cy="9338040"/>
+            <a:off x="1644840" y="1738080"/>
+            <a:ext cx="29608920" cy="7274520"/>
           </a:xfrm>
           <a:prstGeom prst="rect">
             <a:avLst/>
@@ -1183,7 +1191,8 @@
         <p:txBody>
           <a:bodyPr lIns="0" rIns="0" tIns="0" bIns="0" anchor="ctr"/>
           <a:p>
-            <a:endParaRPr b="0" lang="fr-FR" sz="1800" spc="-1" strike="noStrike">
+            <a:pPr algn="ctr"/>
+            <a:endParaRPr b="0" lang="fr-BE" sz="4400" spc="-1" strike="noStrike">
               <a:solidFill>
                 <a:srgbClr val="000000"/>
               </a:solidFill>
@@ -1199,7 +1208,7 @@
       </p:sp>
       <p:sp>
         <p:nvSpPr>
-          <p:cNvPr id="16" name="PlaceHolder 2"/>
+          <p:cNvPr id="14" name="PlaceHolder 2"/>
           <p:cNvSpPr>
             <a:spLocks noGrp="1"/>
           </p:cNvSpPr>
@@ -1210,7 +1219,7 @@
         <p:spPr>
           <a:xfrm>
             <a:off x="1644840" y="10193400"/>
-            <a:ext cx="14448960" cy="25265520"/>
+            <a:ext cx="14448960" cy="25265880"/>
           </a:xfrm>
           <a:prstGeom prst="rect">
             <a:avLst/>
@@ -1219,7 +1228,7 @@
         <p:txBody>
           <a:bodyPr lIns="0" rIns="0" tIns="0" bIns="0"/>
           <a:p>
-            <a:endParaRPr b="0" lang="fr-FR" sz="2800" spc="-1" strike="noStrike">
+            <a:endParaRPr b="0" lang="fr-BE" sz="3200" spc="-1" strike="noStrike">
               <a:solidFill>
                 <a:srgbClr val="000000"/>
               </a:solidFill>
@@ -1235,7 +1244,7 @@
       </p:sp>
       <p:sp>
         <p:nvSpPr>
-          <p:cNvPr id="17" name="PlaceHolder 3"/>
+          <p:cNvPr id="15" name="PlaceHolder 3"/>
           <p:cNvSpPr>
             <a:spLocks noGrp="1"/>
           </p:cNvSpPr>
@@ -1246,7 +1255,7 @@
         <p:spPr>
           <a:xfrm>
             <a:off x="16816680" y="10193400"/>
-            <a:ext cx="14448960" cy="12051360"/>
+            <a:ext cx="14448960" cy="12051720"/>
           </a:xfrm>
           <a:prstGeom prst="rect">
             <a:avLst/>
@@ -1255,7 +1264,7 @@
         <p:txBody>
           <a:bodyPr lIns="0" rIns="0" tIns="0" bIns="0"/>
           <a:p>
-            <a:endParaRPr b="0" lang="fr-FR" sz="2800" spc="-1" strike="noStrike">
+            <a:endParaRPr b="0" lang="fr-BE" sz="3200" spc="-1" strike="noStrike">
               <a:solidFill>
                 <a:srgbClr val="000000"/>
               </a:solidFill>
@@ -1271,7 +1280,7 @@
       </p:sp>
       <p:sp>
         <p:nvSpPr>
-          <p:cNvPr id="18" name="PlaceHolder 4"/>
+          <p:cNvPr id="16" name="PlaceHolder 4"/>
           <p:cNvSpPr>
             <a:spLocks noGrp="1"/>
           </p:cNvSpPr>
@@ -1281,8 +1290,8 @@
         </p:nvSpPr>
         <p:spPr>
           <a:xfrm>
-            <a:off x="16816680" y="23389920"/>
-            <a:ext cx="14448960" cy="12051360"/>
+            <a:off x="16816680" y="23390280"/>
+            <a:ext cx="14448960" cy="12051720"/>
           </a:xfrm>
           <a:prstGeom prst="rect">
             <a:avLst/>
@@ -1291,7 +1300,7 @@
         <p:txBody>
           <a:bodyPr lIns="0" rIns="0" tIns="0" bIns="0"/>
           <a:p>
-            <a:endParaRPr b="0" lang="fr-FR" sz="2800" spc="-1" strike="noStrike">
+            <a:endParaRPr b="0" lang="fr-BE" sz="3200" spc="-1" strike="noStrike">
               <a:solidFill>
                 <a:srgbClr val="000000"/>
               </a:solidFill>
@@ -1329,7 +1338,7 @@
       </p:grpSpPr>
       <p:sp>
         <p:nvSpPr>
-          <p:cNvPr id="19" name="PlaceHolder 1"/>
+          <p:cNvPr id="17" name="PlaceHolder 1"/>
           <p:cNvSpPr>
             <a:spLocks noGrp="1"/>
           </p:cNvSpPr>
@@ -1339,8 +1348,8 @@
         </p:nvSpPr>
         <p:spPr>
           <a:xfrm>
-            <a:off x="2467080" y="13531680"/>
-            <a:ext cx="27964440" cy="9338040"/>
+            <a:off x="1644840" y="1738080"/>
+            <a:ext cx="29608920" cy="7274520"/>
           </a:xfrm>
           <a:prstGeom prst="rect">
             <a:avLst/>
@@ -1349,7 +1358,8 @@
         <p:txBody>
           <a:bodyPr lIns="0" rIns="0" tIns="0" bIns="0" anchor="ctr"/>
           <a:p>
-            <a:endParaRPr b="0" lang="fr-FR" sz="1800" spc="-1" strike="noStrike">
+            <a:pPr algn="ctr"/>
+            <a:endParaRPr b="0" lang="fr-BE" sz="4400" spc="-1" strike="noStrike">
               <a:solidFill>
                 <a:srgbClr val="000000"/>
               </a:solidFill>
@@ -1365,7 +1375,7 @@
       </p:sp>
       <p:sp>
         <p:nvSpPr>
-          <p:cNvPr id="20" name="PlaceHolder 2"/>
+          <p:cNvPr id="18" name="PlaceHolder 2"/>
           <p:cNvSpPr>
             <a:spLocks noGrp="1"/>
           </p:cNvSpPr>
@@ -1376,7 +1386,7 @@
         <p:spPr>
           <a:xfrm>
             <a:off x="1644840" y="10193400"/>
-            <a:ext cx="14448960" cy="12051360"/>
+            <a:ext cx="14448960" cy="12051720"/>
           </a:xfrm>
           <a:prstGeom prst="rect">
             <a:avLst/>
@@ -1385,7 +1395,7 @@
         <p:txBody>
           <a:bodyPr lIns="0" rIns="0" tIns="0" bIns="0"/>
           <a:p>
-            <a:endParaRPr b="0" lang="fr-FR" sz="2800" spc="-1" strike="noStrike">
+            <a:endParaRPr b="0" lang="fr-BE" sz="3200" spc="-1" strike="noStrike">
               <a:solidFill>
                 <a:srgbClr val="000000"/>
               </a:solidFill>
@@ -1401,7 +1411,7 @@
       </p:sp>
       <p:sp>
         <p:nvSpPr>
-          <p:cNvPr id="21" name="PlaceHolder 3"/>
+          <p:cNvPr id="19" name="PlaceHolder 3"/>
           <p:cNvSpPr>
             <a:spLocks noGrp="1"/>
           </p:cNvSpPr>
@@ -1412,7 +1422,7 @@
         <p:spPr>
           <a:xfrm>
             <a:off x="16816680" y="10193400"/>
-            <a:ext cx="14448960" cy="12051360"/>
+            <a:ext cx="14448960" cy="12051720"/>
           </a:xfrm>
           <a:prstGeom prst="rect">
             <a:avLst/>
@@ -1421,7 +1431,7 @@
         <p:txBody>
           <a:bodyPr lIns="0" rIns="0" tIns="0" bIns="0"/>
           <a:p>
-            <a:endParaRPr b="0" lang="fr-FR" sz="2800" spc="-1" strike="noStrike">
+            <a:endParaRPr b="0" lang="fr-BE" sz="3200" spc="-1" strike="noStrike">
               <a:solidFill>
                 <a:srgbClr val="000000"/>
               </a:solidFill>
@@ -1437,7 +1447,7 @@
       </p:sp>
       <p:sp>
         <p:nvSpPr>
-          <p:cNvPr id="22" name="PlaceHolder 4"/>
+          <p:cNvPr id="20" name="PlaceHolder 4"/>
           <p:cNvSpPr>
             <a:spLocks noGrp="1"/>
           </p:cNvSpPr>
@@ -1447,8 +1457,8 @@
         </p:nvSpPr>
         <p:spPr>
           <a:xfrm>
-            <a:off x="1644840" y="23389920"/>
-            <a:ext cx="29608560" cy="12051360"/>
+            <a:off x="1644840" y="23390280"/>
+            <a:ext cx="29608920" cy="12051720"/>
           </a:xfrm>
           <a:prstGeom prst="rect">
             <a:avLst/>
@@ -1457,7 +1467,7 @@
         <p:txBody>
           <a:bodyPr lIns="0" rIns="0" tIns="0" bIns="0"/>
           <a:p>
-            <a:endParaRPr b="0" lang="fr-FR" sz="2800" spc="-1" strike="noStrike">
+            <a:endParaRPr b="0" lang="fr-BE" sz="3200" spc="-1" strike="noStrike">
               <a:solidFill>
                 <a:srgbClr val="000000"/>
               </a:solidFill>
@@ -1500,310 +1510,6 @@
           <a:chExt cx="0" cy="0"/>
         </a:xfrm>
       </p:grpSpPr>
-      <p:sp>
-        <p:nvSpPr>
-          <p:cNvPr id="0" name="PlaceHolder 1"/>
-          <p:cNvSpPr>
-            <a:spLocks noGrp="1"/>
-          </p:cNvSpPr>
-          <p:nvPr>
-            <p:ph type="title"/>
-          </p:nvPr>
-        </p:nvSpPr>
-        <p:spPr>
-          <a:xfrm>
-            <a:off x="2467080" y="13531680"/>
-            <a:ext cx="27964440" cy="9338040"/>
-          </a:xfrm>
-          <a:prstGeom prst="rect">
-            <a:avLst/>
-          </a:prstGeom>
-        </p:spPr>
-        <p:txBody>
-          <a:bodyPr lIns="0" rIns="0" tIns="0" bIns="0" anchor="ctr"/>
-          <a:p>
-            <a:endParaRPr b="0" lang="fr-FR" sz="1800" spc="-1" strike="noStrike">
-              <a:solidFill>
-                <a:srgbClr val="000000"/>
-              </a:solidFill>
-              <a:uFill>
-                <a:solidFill>
-                  <a:srgbClr val="ffffff"/>
-                </a:solidFill>
-              </a:uFill>
-              <a:latin typeface="Arial"/>
-            </a:endParaRPr>
-          </a:p>
-        </p:txBody>
-      </p:sp>
-      <p:sp>
-        <p:nvSpPr>
-          <p:cNvPr id="1" name="PlaceHolder 2"/>
-          <p:cNvSpPr>
-            <a:spLocks noGrp="1"/>
-          </p:cNvSpPr>
-          <p:nvPr>
-            <p:ph type="body"/>
-          </p:nvPr>
-        </p:nvSpPr>
-        <p:spPr>
-          <a:xfrm>
-            <a:off x="1644840" y="10193400"/>
-            <a:ext cx="29608560" cy="25265520"/>
-          </a:xfrm>
-          <a:prstGeom prst="rect">
-            <a:avLst/>
-          </a:prstGeom>
-        </p:spPr>
-        <p:txBody>
-          <a:bodyPr lIns="0" rIns="0" tIns="0" bIns="0"/>
-          <a:p>
-            <a:pPr marL="432000" indent="-324000">
-              <a:buClr>
-                <a:srgbClr val="000000"/>
-              </a:buClr>
-              <a:buSzPct val="45000"/>
-              <a:buFont typeface="Wingdings" charset="2"/>
-              <a:buChar char=""/>
-            </a:pPr>
-            <a:r>
-              <a:rPr b="0" lang="fr-FR" sz="2800" spc="-1" strike="noStrike">
-                <a:solidFill>
-                  <a:srgbClr val="000000"/>
-                </a:solidFill>
-                <a:uFill>
-                  <a:solidFill>
-                    <a:srgbClr val="ffffff"/>
-                  </a:solidFill>
-                </a:uFill>
-                <a:latin typeface="Arial"/>
-              </a:rPr>
-              <a:t>Cliquez pour éditer le format du plan de texte</a:t>
-            </a:r>
-            <a:endParaRPr b="0" lang="fr-FR" sz="2800" spc="-1" strike="noStrike">
-              <a:solidFill>
-                <a:srgbClr val="000000"/>
-              </a:solidFill>
-              <a:uFill>
-                <a:solidFill>
-                  <a:srgbClr val="ffffff"/>
-                </a:solidFill>
-              </a:uFill>
-              <a:latin typeface="Arial"/>
-            </a:endParaRPr>
-          </a:p>
-          <a:p>
-            <a:pPr lvl="1" marL="864000" indent="-324000">
-              <a:buClr>
-                <a:srgbClr val="000000"/>
-              </a:buClr>
-              <a:buSzPct val="75000"/>
-              <a:buFont typeface="Symbol" charset="2"/>
-              <a:buChar char=""/>
-            </a:pPr>
-            <a:r>
-              <a:rPr b="0" lang="fr-FR" sz="2800" spc="-1" strike="noStrike">
-                <a:solidFill>
-                  <a:srgbClr val="000000"/>
-                </a:solidFill>
-                <a:uFill>
-                  <a:solidFill>
-                    <a:srgbClr val="ffffff"/>
-                  </a:solidFill>
-                </a:uFill>
-                <a:latin typeface="Arial"/>
-              </a:rPr>
-              <a:t>Second niveau de plan</a:t>
-            </a:r>
-            <a:endParaRPr b="0" lang="fr-FR" sz="2800" spc="-1" strike="noStrike">
-              <a:solidFill>
-                <a:srgbClr val="000000"/>
-              </a:solidFill>
-              <a:uFill>
-                <a:solidFill>
-                  <a:srgbClr val="ffffff"/>
-                </a:solidFill>
-              </a:uFill>
-              <a:latin typeface="Arial"/>
-            </a:endParaRPr>
-          </a:p>
-          <a:p>
-            <a:pPr lvl="2" marL="1296000" indent="-288000">
-              <a:buClr>
-                <a:srgbClr val="000000"/>
-              </a:buClr>
-              <a:buSzPct val="45000"/>
-              <a:buFont typeface="Wingdings" charset="2"/>
-              <a:buChar char=""/>
-            </a:pPr>
-            <a:r>
-              <a:rPr b="0" lang="fr-FR" sz="2800" spc="-1" strike="noStrike">
-                <a:solidFill>
-                  <a:srgbClr val="000000"/>
-                </a:solidFill>
-                <a:uFill>
-                  <a:solidFill>
-                    <a:srgbClr val="ffffff"/>
-                  </a:solidFill>
-                </a:uFill>
-                <a:latin typeface="Arial"/>
-              </a:rPr>
-              <a:t>Troisième niveau de plan</a:t>
-            </a:r>
-            <a:endParaRPr b="0" lang="fr-FR" sz="2800" spc="-1" strike="noStrike">
-              <a:solidFill>
-                <a:srgbClr val="000000"/>
-              </a:solidFill>
-              <a:uFill>
-                <a:solidFill>
-                  <a:srgbClr val="ffffff"/>
-                </a:solidFill>
-              </a:uFill>
-              <a:latin typeface="Arial"/>
-            </a:endParaRPr>
-          </a:p>
-          <a:p>
-            <a:pPr lvl="3" marL="1728000" indent="-216000">
-              <a:buClr>
-                <a:srgbClr val="000000"/>
-              </a:buClr>
-              <a:buSzPct val="75000"/>
-              <a:buFont typeface="Symbol" charset="2"/>
-              <a:buChar char=""/>
-            </a:pPr>
-            <a:r>
-              <a:rPr b="0" lang="fr-FR" sz="2800" spc="-1" strike="noStrike">
-                <a:solidFill>
-                  <a:srgbClr val="000000"/>
-                </a:solidFill>
-                <a:uFill>
-                  <a:solidFill>
-                    <a:srgbClr val="ffffff"/>
-                  </a:solidFill>
-                </a:uFill>
-                <a:latin typeface="Arial"/>
-              </a:rPr>
-              <a:t>Quatrième niveau de plan</a:t>
-            </a:r>
-            <a:endParaRPr b="0" lang="fr-FR" sz="2800" spc="-1" strike="noStrike">
-              <a:solidFill>
-                <a:srgbClr val="000000"/>
-              </a:solidFill>
-              <a:uFill>
-                <a:solidFill>
-                  <a:srgbClr val="ffffff"/>
-                </a:solidFill>
-              </a:uFill>
-              <a:latin typeface="Arial"/>
-            </a:endParaRPr>
-          </a:p>
-          <a:p>
-            <a:pPr lvl="4" marL="2160000" indent="-216000">
-              <a:buClr>
-                <a:srgbClr val="000000"/>
-              </a:buClr>
-              <a:buSzPct val="45000"/>
-              <a:buFont typeface="Wingdings" charset="2"/>
-              <a:buChar char=""/>
-            </a:pPr>
-            <a:r>
-              <a:rPr b="0" lang="fr-FR" sz="2800" spc="-1" strike="noStrike">
-                <a:solidFill>
-                  <a:srgbClr val="000000"/>
-                </a:solidFill>
-                <a:uFill>
-                  <a:solidFill>
-                    <a:srgbClr val="ffffff"/>
-                  </a:solidFill>
-                </a:uFill>
-                <a:latin typeface="Arial"/>
-              </a:rPr>
-              <a:t>Cinquième niveau de plan</a:t>
-            </a:r>
-            <a:endParaRPr b="0" lang="fr-FR" sz="2800" spc="-1" strike="noStrike">
-              <a:solidFill>
-                <a:srgbClr val="000000"/>
-              </a:solidFill>
-              <a:uFill>
-                <a:solidFill>
-                  <a:srgbClr val="ffffff"/>
-                </a:solidFill>
-              </a:uFill>
-              <a:latin typeface="Arial"/>
-            </a:endParaRPr>
-          </a:p>
-          <a:p>
-            <a:pPr lvl="5" marL="2592000" indent="-216000">
-              <a:buClr>
-                <a:srgbClr val="000000"/>
-              </a:buClr>
-              <a:buSzPct val="45000"/>
-              <a:buFont typeface="Wingdings" charset="2"/>
-              <a:buChar char=""/>
-            </a:pPr>
-            <a:r>
-              <a:rPr b="0" lang="fr-FR" sz="2800" spc="-1" strike="noStrike">
-                <a:solidFill>
-                  <a:srgbClr val="000000"/>
-                </a:solidFill>
-                <a:uFill>
-                  <a:solidFill>
-                    <a:srgbClr val="ffffff"/>
-                  </a:solidFill>
-                </a:uFill>
-                <a:latin typeface="Arial"/>
-              </a:rPr>
-              <a:t>Sixième niveau de plan</a:t>
-            </a:r>
-            <a:endParaRPr b="0" lang="fr-FR" sz="2800" spc="-1" strike="noStrike">
-              <a:solidFill>
-                <a:srgbClr val="000000"/>
-              </a:solidFill>
-              <a:uFill>
-                <a:solidFill>
-                  <a:srgbClr val="ffffff"/>
-                </a:solidFill>
-              </a:uFill>
-              <a:latin typeface="Arial"/>
-            </a:endParaRPr>
-          </a:p>
-          <a:p>
-            <a:pPr lvl="6" marL="3024000" indent="-216000">
-              <a:buClr>
-                <a:srgbClr val="000000"/>
-              </a:buClr>
-              <a:buSzPct val="45000"/>
-              <a:buFont typeface="Wingdings" charset="2"/>
-              <a:buChar char=""/>
-            </a:pPr>
-            <a:r>
-              <a:rPr b="0" lang="fr-FR" sz="2800" spc="-1" strike="noStrike">
-                <a:solidFill>
-                  <a:srgbClr val="000000"/>
-                </a:solidFill>
-                <a:uFill>
-                  <a:solidFill>
-                    <a:srgbClr val="ffffff"/>
-                  </a:solidFill>
-                </a:uFill>
-                <a:latin typeface="Arial"/>
-              </a:rPr>
-              <a:t>Septième niveau de plan</a:t>
-            </a:r>
-            <a:endParaRPr b="0" lang="fr-FR" sz="2800" spc="-1" strike="noStrike">
-              <a:solidFill>
-                <a:srgbClr val="000000"/>
-              </a:solidFill>
-              <a:uFill>
-                <a:solidFill>
-                  <a:srgbClr val="ffffff"/>
-                </a:solidFill>
-              </a:uFill>
-              <a:latin typeface="Arial"/>
-            </a:endParaRPr>
-          </a:p>
-        </p:txBody>
-      </p:sp>
     </p:spTree>
   </p:cSld>
   <p:clrMap bg1="lt1" bg2="lt2" tx1="dk1" tx2="dk2" accent1="accent1" accent2="accent2" accent3="accent3" accent4="accent4" accent5="accent5" accent6="accent6" hlink="hlink" folHlink="folHlink"/>
@@ -1843,14 +1549,14 @@
       </p:grpSpPr>
       <p:sp>
         <p:nvSpPr>
-          <p:cNvPr id="36" name="CustomShape 1"/>
+          <p:cNvPr id="34" name="CustomShape 1"/>
           <p:cNvSpPr/>
           <p:nvPr/>
         </p:nvSpPr>
         <p:spPr>
           <a:xfrm rot="16200000">
-            <a:off x="-21167280" y="21132000"/>
-            <a:ext cx="43627320" cy="1311840"/>
+            <a:off x="-21167280" y="21132360"/>
+            <a:ext cx="43626960" cy="1311480"/>
           </a:xfrm>
           <a:prstGeom prst="rect">
             <a:avLst/>
@@ -1937,7 +1643,7 @@
       </p:sp>
       <p:pic>
         <p:nvPicPr>
-          <p:cNvPr id="37" name="Picture 11" descr=""/>
+          <p:cNvPr id="35" name="Picture 11" descr=""/>
           <p:cNvPicPr/>
           <p:nvPr/>
         </p:nvPicPr>
@@ -1948,7 +1654,7 @@
         <p:spPr>
           <a:xfrm>
             <a:off x="30203640" y="40878000"/>
-            <a:ext cx="2607120" cy="2607120"/>
+            <a:ext cx="2606760" cy="2606760"/>
           </a:xfrm>
           <a:prstGeom prst="rect">
             <a:avLst/>
@@ -1960,7 +1666,7 @@
       </p:pic>
       <p:pic>
         <p:nvPicPr>
-          <p:cNvPr id="38" name="Picture 13" descr=""/>
+          <p:cNvPr id="36" name="Picture 13" descr=""/>
           <p:cNvPicPr/>
           <p:nvPr/>
         </p:nvPicPr>
@@ -1971,7 +1677,7 @@
         <p:spPr>
           <a:xfrm>
             <a:off x="25725600" y="40611600"/>
-            <a:ext cx="4261320" cy="2986560"/>
+            <a:ext cx="4260960" cy="2986200"/>
           </a:xfrm>
           <a:prstGeom prst="rect">
             <a:avLst/>
@@ -1983,14 +1689,14 @@
       </p:pic>
       <p:sp>
         <p:nvSpPr>
-          <p:cNvPr id="39" name="CustomShape 2"/>
+          <p:cNvPr id="37" name="CustomShape 2"/>
           <p:cNvSpPr/>
           <p:nvPr/>
         </p:nvSpPr>
         <p:spPr>
           <a:xfrm>
             <a:off x="1832040" y="42858000"/>
-            <a:ext cx="21966480" cy="957960"/>
+            <a:ext cx="21966120" cy="957600"/>
           </a:xfrm>
           <a:prstGeom prst="rect">
             <a:avLst/>
@@ -2096,7 +1802,7 @@
       </p:sp>
       <p:pic>
         <p:nvPicPr>
-          <p:cNvPr id="40" name="Image 13" descr=""/>
+          <p:cNvPr id="38" name="Image 13" descr=""/>
           <p:cNvPicPr/>
           <p:nvPr/>
         </p:nvPicPr>
@@ -2107,7 +1813,7 @@
         <p:spPr>
           <a:xfrm>
             <a:off x="2053800" y="909360"/>
-            <a:ext cx="5029200" cy="5029200"/>
+            <a:ext cx="5028840" cy="5028840"/>
           </a:xfrm>
           <a:prstGeom prst="rect">
             <a:avLst/>
@@ -2119,7 +1825,7 @@
       </p:pic>
       <p:pic>
         <p:nvPicPr>
-          <p:cNvPr id="41" name="Image 2" descr=""/>
+          <p:cNvPr id="39" name="Image 2" descr=""/>
           <p:cNvPicPr/>
           <p:nvPr/>
         </p:nvPicPr>
@@ -2130,7 +1836,7 @@
         <p:spPr>
           <a:xfrm>
             <a:off x="7632000" y="1224000"/>
-            <a:ext cx="23292720" cy="8175600"/>
+            <a:ext cx="23292360" cy="8175240"/>
           </a:xfrm>
           <a:prstGeom prst="rect">
             <a:avLst/>
@@ -2142,14 +1848,14 @@
       </p:pic>
       <p:sp>
         <p:nvSpPr>
-          <p:cNvPr id="42" name="CustomShape 3"/>
+          <p:cNvPr id="40" name="CustomShape 3"/>
           <p:cNvSpPr/>
           <p:nvPr/>
         </p:nvSpPr>
         <p:spPr>
           <a:xfrm>
             <a:off x="1558800" y="9679320"/>
-            <a:ext cx="31251960" cy="759960"/>
+            <a:ext cx="31251600" cy="759600"/>
           </a:xfrm>
           <a:prstGeom prst="rect">
             <a:avLst/>
@@ -2204,7 +1910,7 @@
       </p:sp>
       <p:pic>
         <p:nvPicPr>
-          <p:cNvPr id="43" name="Image 42" descr=""/>
+          <p:cNvPr id="41" name="Image 42" descr=""/>
           <p:cNvPicPr/>
           <p:nvPr/>
         </p:nvPicPr>
@@ -2215,7 +1921,7 @@
         <p:spPr>
           <a:xfrm>
             <a:off x="16488000" y="28540080"/>
-            <a:ext cx="16091280" cy="12067920"/>
+            <a:ext cx="16090920" cy="12067560"/>
           </a:xfrm>
           <a:prstGeom prst="rect">
             <a:avLst/>
@@ -2227,14 +1933,14 @@
       </p:pic>
       <p:sp>
         <p:nvSpPr>
-          <p:cNvPr id="44" name="CustomShape 4"/>
+          <p:cNvPr id="42" name="CustomShape 4"/>
           <p:cNvSpPr/>
           <p:nvPr/>
         </p:nvSpPr>
         <p:spPr>
           <a:xfrm>
             <a:off x="16596000" y="27792000"/>
-            <a:ext cx="16559280" cy="863280"/>
+            <a:ext cx="16558920" cy="862920"/>
           </a:xfrm>
           <a:prstGeom prst="rect">
             <a:avLst/>
@@ -2289,14 +1995,14 @@
       </p:sp>
       <p:sp>
         <p:nvSpPr>
-          <p:cNvPr id="45" name="CustomShape 5"/>
+          <p:cNvPr id="43" name="CustomShape 5"/>
           <p:cNvSpPr/>
           <p:nvPr/>
         </p:nvSpPr>
         <p:spPr>
           <a:xfrm>
             <a:off x="2408400" y="10973160"/>
-            <a:ext cx="14222880" cy="8139960"/>
+            <a:ext cx="14222520" cy="8139600"/>
           </a:xfrm>
           <a:prstGeom prst="roundRect">
             <a:avLst>
@@ -2322,14 +2028,14 @@
       </p:sp>
       <p:sp>
         <p:nvSpPr>
-          <p:cNvPr id="46" name="CustomShape 6"/>
+          <p:cNvPr id="44" name="CustomShape 6"/>
           <p:cNvSpPr/>
           <p:nvPr/>
         </p:nvSpPr>
         <p:spPr>
           <a:xfrm>
             <a:off x="3717000" y="12311640"/>
-            <a:ext cx="11978280" cy="912600"/>
+            <a:ext cx="11977920" cy="912240"/>
           </a:xfrm>
           <a:prstGeom prst="rect">
             <a:avLst/>
@@ -2417,14 +2123,14 @@
       </p:sp>
       <p:sp>
         <p:nvSpPr>
-          <p:cNvPr id="47" name="CustomShape 7"/>
+          <p:cNvPr id="45" name="CustomShape 7"/>
           <p:cNvSpPr/>
           <p:nvPr/>
         </p:nvSpPr>
         <p:spPr>
           <a:xfrm>
             <a:off x="3606840" y="11163960"/>
-            <a:ext cx="12556440" cy="1095120"/>
+            <a:ext cx="12556080" cy="1094760"/>
           </a:xfrm>
           <a:prstGeom prst="rect">
             <a:avLst/>
@@ -2479,14 +2185,14 @@
       </p:sp>
       <p:sp>
         <p:nvSpPr>
-          <p:cNvPr id="48" name="CustomShape 8"/>
+          <p:cNvPr id="46" name="CustomShape 8"/>
           <p:cNvSpPr/>
           <p:nvPr/>
         </p:nvSpPr>
         <p:spPr>
           <a:xfrm>
             <a:off x="2426400" y="34272000"/>
-            <a:ext cx="14061600" cy="7354800"/>
+            <a:ext cx="14061240" cy="7354440"/>
           </a:xfrm>
           <a:prstGeom prst="roundRect">
             <a:avLst>
@@ -2512,14 +2218,14 @@
       </p:sp>
       <p:sp>
         <p:nvSpPr>
-          <p:cNvPr id="49" name="CustomShape 9"/>
+          <p:cNvPr id="47" name="CustomShape 9"/>
           <p:cNvSpPr/>
           <p:nvPr/>
         </p:nvSpPr>
         <p:spPr>
           <a:xfrm>
             <a:off x="16992000" y="19765440"/>
-            <a:ext cx="14515200" cy="7354800"/>
+            <a:ext cx="14514840" cy="7354440"/>
           </a:xfrm>
           <a:prstGeom prst="roundRect">
             <a:avLst>
@@ -2545,14 +2251,14 @@
       </p:sp>
       <p:sp>
         <p:nvSpPr>
-          <p:cNvPr id="50" name="CustomShape 10"/>
+          <p:cNvPr id="48" name="CustomShape 10"/>
           <p:cNvSpPr/>
           <p:nvPr/>
         </p:nvSpPr>
         <p:spPr>
           <a:xfrm>
             <a:off x="3650400" y="34954560"/>
-            <a:ext cx="14997600" cy="1095120"/>
+            <a:ext cx="14997240" cy="1094760"/>
           </a:xfrm>
           <a:prstGeom prst="rect">
             <a:avLst/>
@@ -2625,14 +2331,14 @@
       </p:sp>
       <p:sp>
         <p:nvSpPr>
-          <p:cNvPr id="51" name="CustomShape 11"/>
+          <p:cNvPr id="49" name="CustomShape 11"/>
           <p:cNvSpPr/>
           <p:nvPr/>
         </p:nvSpPr>
         <p:spPr>
           <a:xfrm>
             <a:off x="18324000" y="20520000"/>
-            <a:ext cx="10069920" cy="1307880"/>
+            <a:ext cx="10069560" cy="1307520"/>
           </a:xfrm>
           <a:prstGeom prst="rect">
             <a:avLst/>
@@ -2702,14 +2408,14 @@
       </p:sp>
       <p:sp>
         <p:nvSpPr>
-          <p:cNvPr id="52" name="CustomShape 12"/>
+          <p:cNvPr id="50" name="CustomShape 12"/>
           <p:cNvSpPr/>
           <p:nvPr/>
         </p:nvSpPr>
         <p:spPr>
           <a:xfrm>
             <a:off x="3551400" y="36237240"/>
-            <a:ext cx="11978280" cy="5026680"/>
+            <a:ext cx="11977920" cy="5026320"/>
           </a:xfrm>
           <a:prstGeom prst="rect">
             <a:avLst/>
@@ -2797,7 +2503,7 @@
       </p:sp>
       <p:pic>
         <p:nvPicPr>
-          <p:cNvPr id="53" name="Image 54" descr=""/>
+          <p:cNvPr id="51" name="Image 54" descr=""/>
           <p:cNvPicPr/>
           <p:nvPr/>
         </p:nvPicPr>
@@ -2808,7 +2514,7 @@
         <p:spPr>
           <a:xfrm>
             <a:off x="17641800" y="22111920"/>
-            <a:ext cx="13245480" cy="4407480"/>
+            <a:ext cx="13245120" cy="4407120"/>
           </a:xfrm>
           <a:prstGeom prst="rect">
             <a:avLst/>
@@ -2820,14 +2526,14 @@
       </p:pic>
       <p:sp>
         <p:nvSpPr>
-          <p:cNvPr id="54" name="CustomShape 13"/>
+          <p:cNvPr id="52" name="CustomShape 13"/>
           <p:cNvSpPr/>
           <p:nvPr/>
         </p:nvSpPr>
         <p:spPr>
           <a:xfrm>
             <a:off x="24588000" y="24696000"/>
-            <a:ext cx="4751280" cy="345600"/>
+            <a:ext cx="4750920" cy="345240"/>
           </a:xfrm>
           <a:prstGeom prst="rect">
             <a:avLst/>
@@ -2882,14 +2588,14 @@
       </p:sp>
       <p:sp>
         <p:nvSpPr>
-          <p:cNvPr id="55" name="CustomShape 14"/>
+          <p:cNvPr id="53" name="CustomShape 14"/>
           <p:cNvSpPr/>
           <p:nvPr/>
         </p:nvSpPr>
         <p:spPr>
           <a:xfrm>
             <a:off x="24588000" y="25213680"/>
-            <a:ext cx="4751280" cy="345600"/>
+            <a:ext cx="4750920" cy="345240"/>
           </a:xfrm>
           <a:prstGeom prst="rect">
             <a:avLst/>
@@ -2944,14 +2650,14 @@
       </p:sp>
       <p:sp>
         <p:nvSpPr>
-          <p:cNvPr id="56" name="CustomShape 15"/>
+          <p:cNvPr id="54" name="CustomShape 15"/>
           <p:cNvSpPr/>
           <p:nvPr/>
         </p:nvSpPr>
         <p:spPr>
           <a:xfrm>
             <a:off x="24588000" y="25776000"/>
-            <a:ext cx="4751280" cy="345600"/>
+            <a:ext cx="4750920" cy="345240"/>
           </a:xfrm>
           <a:prstGeom prst="rect">
             <a:avLst/>
@@ -3006,14 +2712,14 @@
       </p:sp>
       <p:sp>
         <p:nvSpPr>
-          <p:cNvPr id="57" name="CustomShape 16"/>
+          <p:cNvPr id="55" name="CustomShape 16"/>
           <p:cNvSpPr/>
           <p:nvPr/>
         </p:nvSpPr>
         <p:spPr>
           <a:xfrm>
             <a:off x="19296000" y="25776000"/>
-            <a:ext cx="3599280" cy="601560"/>
+            <a:ext cx="3598920" cy="601200"/>
           </a:xfrm>
           <a:prstGeom prst="rect">
             <a:avLst/>
@@ -3068,7 +2774,7 @@
       </p:sp>
       <p:pic>
         <p:nvPicPr>
-          <p:cNvPr id="58" name="Image 59" descr=""/>
+          <p:cNvPr id="56" name="" descr=""/>
           <p:cNvPicPr/>
           <p:nvPr/>
         </p:nvPicPr>
@@ -3079,7 +2785,7 @@
         <p:spPr>
           <a:xfrm>
             <a:off x="18072000" y="11266560"/>
-            <a:ext cx="11622960" cy="7961040"/>
+            <a:ext cx="11622600" cy="7960680"/>
           </a:xfrm>
           <a:prstGeom prst="rect">
             <a:avLst/>
@@ -3091,14 +2797,14 @@
       </p:pic>
       <p:sp>
         <p:nvSpPr>
-          <p:cNvPr id="59" name="CustomShape 17"/>
+          <p:cNvPr id="57" name="CustomShape 17"/>
           <p:cNvSpPr/>
           <p:nvPr/>
         </p:nvSpPr>
         <p:spPr>
           <a:xfrm>
             <a:off x="26892000" y="13428000"/>
-            <a:ext cx="3887640" cy="1020240"/>
+            <a:ext cx="3887280" cy="1019880"/>
           </a:xfrm>
           <a:prstGeom prst="rect">
             <a:avLst/>
@@ -3211,39 +2917,16 @@
           </a:p>
         </p:txBody>
       </p:sp>
-      <p:pic>
-        <p:nvPicPr>
-          <p:cNvPr id="60" name="Image 43" descr=""/>
-          <p:cNvPicPr/>
-          <p:nvPr/>
-        </p:nvPicPr>
-        <p:blipFill>
-          <a:blip r:embed="rId8"/>
-          <a:stretch/>
-        </p:blipFill>
-        <p:spPr>
-          <a:xfrm>
-            <a:off x="3764880" y="21168000"/>
-            <a:ext cx="11211120" cy="10711800"/>
-          </a:xfrm>
-          <a:prstGeom prst="rect">
-            <a:avLst/>
-          </a:prstGeom>
-          <a:ln>
-            <a:noFill/>
-          </a:ln>
-        </p:spPr>
-      </p:pic>
       <p:sp>
         <p:nvSpPr>
-          <p:cNvPr id="61" name="CustomShape 18"/>
+          <p:cNvPr id="58" name="CustomShape 18"/>
           <p:cNvSpPr/>
           <p:nvPr/>
         </p:nvSpPr>
         <p:spPr>
           <a:xfrm>
             <a:off x="2808000" y="20016720"/>
-            <a:ext cx="13103280" cy="863280"/>
+            <a:ext cx="13102920" cy="862920"/>
           </a:xfrm>
           <a:prstGeom prst="rect">
             <a:avLst/>
@@ -3280,97 +2963,7 @@
                 <a:latin typeface="Arial"/>
                 <a:ea typeface="DejaVu Sans"/>
               </a:rPr>
-              <a:t>Meilleur</a:t>
-            </a:r>
-            <a:r>
-              <a:rPr b="1" lang="fr-BE" sz="4400" spc="-1" strike="noStrike">
-                <a:solidFill>
-                  <a:srgbClr val="000000"/>
-                </a:solidFill>
-                <a:uFill>
-                  <a:solidFill>
-                    <a:srgbClr val="ffffff"/>
-                  </a:solidFill>
-                </a:uFill>
-                <a:latin typeface="Arial"/>
-                <a:ea typeface="DejaVu Sans"/>
-              </a:rPr>
-              <a:t>es </a:t>
-            </a:r>
-            <a:r>
-              <a:rPr b="1" lang="fr-BE" sz="4400" spc="-1" strike="noStrike">
-                <a:solidFill>
-                  <a:srgbClr val="000000"/>
-                </a:solidFill>
-                <a:uFill>
-                  <a:solidFill>
-                    <a:srgbClr val="ffffff"/>
-                  </a:solidFill>
-                </a:uFill>
-                <a:latin typeface="Arial"/>
-                <a:ea typeface="DejaVu Sans"/>
-              </a:rPr>
-              <a:t>combina</a:t>
-            </a:r>
-            <a:r>
-              <a:rPr b="1" lang="fr-BE" sz="4400" spc="-1" strike="noStrike">
-                <a:solidFill>
-                  <a:srgbClr val="000000"/>
-                </a:solidFill>
-                <a:uFill>
-                  <a:solidFill>
-                    <a:srgbClr val="ffffff"/>
-                  </a:solidFill>
-                </a:uFill>
-                <a:latin typeface="Arial"/>
-                <a:ea typeface="DejaVu Sans"/>
-              </a:rPr>
-              <a:t>isons de </a:t>
-            </a:r>
-            <a:r>
-              <a:rPr b="1" lang="fr-BE" sz="4400" spc="-1" strike="noStrike">
-                <a:solidFill>
-                  <a:srgbClr val="000000"/>
-                </a:solidFill>
-                <a:uFill>
-                  <a:solidFill>
-                    <a:srgbClr val="ffffff"/>
-                  </a:solidFill>
-                </a:uFill>
-                <a:latin typeface="Arial"/>
-                <a:ea typeface="DejaVu Sans"/>
-              </a:rPr>
-              <a:t>modèles </a:t>
-            </a:r>
-            <a:r>
-              <a:rPr b="1" lang="fr-BE" sz="4400" spc="-1" strike="noStrike">
-                <a:solidFill>
-                  <a:srgbClr val="000000"/>
-                </a:solidFill>
-                <a:uFill>
-                  <a:solidFill>
-                    <a:srgbClr val="ffffff"/>
-                  </a:solidFill>
-                </a:uFill>
-                <a:latin typeface="Arial"/>
-                <a:ea typeface="DejaVu Sans"/>
-              </a:rPr>
-              <a:t>et </a:t>
-            </a:r>
-            <a:r>
-              <a:rPr b="1" lang="fr-BE" sz="4400" spc="-1" strike="noStrike">
-                <a:solidFill>
-                  <a:srgbClr val="000000"/>
-                </a:solidFill>
-                <a:uFill>
-                  <a:solidFill>
-                    <a:srgbClr val="ffffff"/>
-                  </a:solidFill>
-                </a:uFill>
-                <a:latin typeface="Arial"/>
-                <a:ea typeface="DejaVu Sans"/>
-              </a:rPr>
-              <a:t>features </a:t>
+              <a:t>Meilleures combinaisons de modèles et features </a:t>
             </a:r>
             <a:endParaRPr b="0" lang="fr-BE" sz="1800" spc="-1" strike="noStrike">
               <a:solidFill>
@@ -3388,14 +2981,14 @@
       </p:sp>
       <p:sp>
         <p:nvSpPr>
-          <p:cNvPr id="62" name="TextShape 19"/>
-          <p:cNvSpPr txBox="1"/>
+          <p:cNvPr id="59" name="CustomShape 19"/>
+          <p:cNvSpPr/>
           <p:nvPr/>
         </p:nvSpPr>
         <p:spPr>
           <a:xfrm>
             <a:off x="3528000" y="32688000"/>
-            <a:ext cx="11664000" cy="346320"/>
+            <a:ext cx="11663640" cy="345960"/>
           </a:xfrm>
           <a:prstGeom prst="rect">
             <a:avLst/>
@@ -3405,19 +2998,3163 @@
             <a:noFill/>
           </a:ln>
         </p:spPr>
+        <p:style>
+          <a:lnRef idx="0"/>
+          <a:fillRef idx="0"/>
+          <a:effectRef idx="0"/>
+          <a:fontRef idx="minor"/>
+        </p:style>
       </p:sp>
+      <p:sp>
+        <p:nvSpPr>
+          <p:cNvPr id="60" name="CustomShape 20"/>
+          <p:cNvSpPr/>
+          <p:nvPr/>
+        </p:nvSpPr>
+        <p:spPr>
+          <a:xfrm>
+            <a:off x="5282280" y="32112000"/>
+            <a:ext cx="8397360" cy="1799640"/>
+          </a:xfrm>
+          <a:prstGeom prst="rect">
+            <a:avLst/>
+          </a:prstGeom>
+          <a:noFill/>
+          <a:ln>
+            <a:noFill/>
+          </a:ln>
+        </p:spPr>
+        <p:style>
+          <a:lnRef idx="0"/>
+          <a:fillRef idx="0"/>
+          <a:effectRef idx="0"/>
+          <a:fontRef idx="minor"/>
+        </p:style>
+      </p:sp>
+      <p:sp>
+        <p:nvSpPr>
+          <p:cNvPr id="61" name="CustomShape 21"/>
+          <p:cNvSpPr/>
+          <p:nvPr/>
+        </p:nvSpPr>
+        <p:spPr>
+          <a:xfrm>
+            <a:off x="18124560" y="30336480"/>
+            <a:ext cx="143280" cy="244800"/>
+          </a:xfrm>
+          <a:prstGeom prst="rect">
+            <a:avLst/>
+          </a:prstGeom>
+          <a:noFill/>
+          <a:ln>
+            <a:noFill/>
+          </a:ln>
+        </p:spPr>
+        <p:style>
+          <a:lnRef idx="0"/>
+          <a:fillRef idx="0"/>
+          <a:effectRef idx="0"/>
+          <a:fontRef idx="minor"/>
+        </p:style>
+      </p:sp>
+      <p:graphicFrame>
+        <p:nvGraphicFramePr>
+          <p:cNvPr id="62" name="Table 22"/>
+          <p:cNvGraphicFramePr/>
+          <p:nvPr/>
+        </p:nvGraphicFramePr>
+        <p:xfrm>
+          <a:off x="4392000" y="20858400"/>
+          <a:ext cx="10675440" cy="11109600"/>
+        </p:xfrm>
+        <a:graphic>
+          <a:graphicData uri="http://schemas.openxmlformats.org/drawingml/2006/table">
+            <a:tbl>
+              <a:tblPr/>
+              <a:tblGrid>
+                <a:gridCol w="1548000"/>
+                <a:gridCol w="3790800"/>
+                <a:gridCol w="2669040"/>
+                <a:gridCol w="2667960"/>
+              </a:tblGrid>
+              <a:tr h="505800">
+                <a:tc>
+                  <a:tcPr marL="90000" marR="90000">
+                    <a:lnL w="720">
+                      <a:solidFill>
+                        <a:srgbClr val="ffffff"/>
+                      </a:solidFill>
+                    </a:lnL>
+                    <a:lnR w="720">
+                      <a:solidFill>
+                        <a:srgbClr val="ffffff"/>
+                      </a:solidFill>
+                    </a:lnR>
+                    <a:lnT w="720">
+                      <a:solidFill>
+                        <a:srgbClr val="ffffff"/>
+                      </a:solidFill>
+                    </a:lnT>
+                    <a:lnB w="720">
+                      <a:solidFill>
+                        <a:srgbClr val="ffffff"/>
+                      </a:solidFill>
+                    </a:lnB>
+                    <a:solidFill>
+                      <a:srgbClr val="b3b3b3"/>
+                    </a:solidFill>
+                  </a:tcPr>
+                </a:tc>
+                <a:tc>
+                  <a:txBody>
+                    <a:bodyPr lIns="90000" rIns="90000" tIns="46800" bIns="46800"/>
+                    <a:p>
+                      <a:pPr algn="ctr"/>
+                      <a:r>
+                        <a:rPr b="0" lang="fr-BE" sz="1800" spc="-1" strike="noStrike">
+                          <a:solidFill>
+                            <a:srgbClr val="000000"/>
+                          </a:solidFill>
+                          <a:uFill>
+                            <a:solidFill>
+                              <a:srgbClr val="ffffff"/>
+                            </a:solidFill>
+                          </a:uFill>
+                          <a:latin typeface="Arial"/>
+                        </a:rPr>
+                        <a:t>Modèle</a:t>
+                      </a:r>
+                      <a:endParaRPr b="0" lang="fr-BE" sz="1800" spc="-1" strike="noStrike">
+                        <a:solidFill>
+                          <a:srgbClr val="000000"/>
+                        </a:solidFill>
+                        <a:uFill>
+                          <a:solidFill>
+                            <a:srgbClr val="ffffff"/>
+                          </a:solidFill>
+                        </a:uFill>
+                        <a:latin typeface="Arial"/>
+                      </a:endParaRPr>
+                    </a:p>
+                  </a:txBody>
+                  <a:tcPr marL="90000" marR="90000">
+                    <a:lnL w="720">
+                      <a:solidFill>
+                        <a:srgbClr val="ffffff"/>
+                      </a:solidFill>
+                    </a:lnL>
+                    <a:lnR w="720">
+                      <a:solidFill>
+                        <a:srgbClr val="ffffff"/>
+                      </a:solidFill>
+                    </a:lnR>
+                    <a:lnT w="720">
+                      <a:solidFill>
+                        <a:srgbClr val="ffffff"/>
+                      </a:solidFill>
+                    </a:lnT>
+                    <a:lnB w="720">
+                      <a:solidFill>
+                        <a:srgbClr val="ffffff"/>
+                      </a:solidFill>
+                    </a:lnB>
+                    <a:solidFill>
+                      <a:srgbClr val="b3b3b3"/>
+                    </a:solidFill>
+                  </a:tcPr>
+                </a:tc>
+                <a:tc>
+                  <a:txBody>
+                    <a:bodyPr lIns="90000" rIns="90000" tIns="46800" bIns="46800"/>
+                    <a:p>
+                      <a:pPr algn="ctr"/>
+                      <a:r>
+                        <a:rPr b="0" lang="fr-BE" sz="1800" spc="-1" strike="noStrike">
+                          <a:solidFill>
+                            <a:srgbClr val="000000"/>
+                          </a:solidFill>
+                          <a:uFill>
+                            <a:solidFill>
+                              <a:srgbClr val="ffffff"/>
+                            </a:solidFill>
+                          </a:uFill>
+                          <a:latin typeface="Arial"/>
+                        </a:rPr>
+                        <a:t>Features</a:t>
+                      </a:r>
+                      <a:endParaRPr b="0" lang="fr-BE" sz="1800" spc="-1" strike="noStrike">
+                        <a:solidFill>
+                          <a:srgbClr val="000000"/>
+                        </a:solidFill>
+                        <a:uFill>
+                          <a:solidFill>
+                            <a:srgbClr val="ffffff"/>
+                          </a:solidFill>
+                        </a:uFill>
+                        <a:latin typeface="Arial"/>
+                      </a:endParaRPr>
+                    </a:p>
+                  </a:txBody>
+                  <a:tcPr marL="90000" marR="90000">
+                    <a:lnL w="720">
+                      <a:solidFill>
+                        <a:srgbClr val="ffffff"/>
+                      </a:solidFill>
+                    </a:lnL>
+                    <a:lnR w="720">
+                      <a:solidFill>
+                        <a:srgbClr val="ffffff"/>
+                      </a:solidFill>
+                    </a:lnR>
+                    <a:lnT w="720">
+                      <a:solidFill>
+                        <a:srgbClr val="ffffff"/>
+                      </a:solidFill>
+                    </a:lnT>
+                    <a:lnB w="720">
+                      <a:solidFill>
+                        <a:srgbClr val="ffffff"/>
+                      </a:solidFill>
+                    </a:lnB>
+                    <a:solidFill>
+                      <a:srgbClr val="b3b3b3"/>
+                    </a:solidFill>
+                  </a:tcPr>
+                </a:tc>
+                <a:tc>
+                  <a:txBody>
+                    <a:bodyPr lIns="90000" rIns="90000" tIns="46800" bIns="46800"/>
+                    <a:p>
+                      <a:pPr algn="ctr"/>
+                      <a:r>
+                        <a:rPr b="0" lang="fr-BE" sz="1800" spc="-1" strike="noStrike">
+                          <a:solidFill>
+                            <a:srgbClr val="000000"/>
+                          </a:solidFill>
+                          <a:uFill>
+                            <a:solidFill>
+                              <a:srgbClr val="ffffff"/>
+                            </a:solidFill>
+                          </a:uFill>
+                          <a:latin typeface="Arial"/>
+                        </a:rPr>
+                        <a:t>Précision</a:t>
+                      </a:r>
+                      <a:endParaRPr b="0" lang="fr-BE" sz="1800" spc="-1" strike="noStrike">
+                        <a:solidFill>
+                          <a:srgbClr val="000000"/>
+                        </a:solidFill>
+                        <a:uFill>
+                          <a:solidFill>
+                            <a:srgbClr val="ffffff"/>
+                          </a:solidFill>
+                        </a:uFill>
+                        <a:latin typeface="Arial"/>
+                      </a:endParaRPr>
+                    </a:p>
+                  </a:txBody>
+                  <a:tcPr marL="90000" marR="90000">
+                    <a:lnL w="720">
+                      <a:solidFill>
+                        <a:srgbClr val="ffffff"/>
+                      </a:solidFill>
+                    </a:lnL>
+                    <a:lnR w="720">
+                      <a:solidFill>
+                        <a:srgbClr val="ffffff"/>
+                      </a:solidFill>
+                    </a:lnR>
+                    <a:lnT w="720">
+                      <a:solidFill>
+                        <a:srgbClr val="ffffff"/>
+                      </a:solidFill>
+                    </a:lnT>
+                    <a:lnB w="720">
+                      <a:solidFill>
+                        <a:srgbClr val="ffffff"/>
+                      </a:solidFill>
+                    </a:lnB>
+                    <a:solidFill>
+                      <a:srgbClr val="b3b3b3"/>
+                    </a:solidFill>
+                  </a:tcPr>
+                </a:tc>
+              </a:tr>
+              <a:tr h="1244880">
+                <a:tc>
+                  <a:txBody>
+                    <a:bodyPr lIns="90000" rIns="90000" tIns="46800" bIns="46800"/>
+                    <a:p>
+                      <a:pPr algn="ctr"/>
+                      <a:r>
+                        <a:rPr b="0" lang="fr-BE" sz="1800" spc="-1" strike="noStrike">
+                          <a:solidFill>
+                            <a:srgbClr val="000000"/>
+                          </a:solidFill>
+                          <a:uFill>
+                            <a:solidFill>
+                              <a:srgbClr val="ffffff"/>
+                            </a:solidFill>
+                          </a:uFill>
+                          <a:latin typeface="Arial"/>
+                        </a:rPr>
+                        <a:t>1</a:t>
+                      </a:r>
+                      <a:endParaRPr b="0" lang="fr-BE" sz="1800" spc="-1" strike="noStrike">
+                        <a:solidFill>
+                          <a:srgbClr val="000000"/>
+                        </a:solidFill>
+                        <a:uFill>
+                          <a:solidFill>
+                            <a:srgbClr val="ffffff"/>
+                          </a:solidFill>
+                        </a:uFill>
+                        <a:latin typeface="Arial"/>
+                      </a:endParaRPr>
+                    </a:p>
+                  </a:txBody>
+                  <a:tcPr marL="90000" marR="90000">
+                    <a:lnL w="720">
+                      <a:solidFill>
+                        <a:srgbClr val="ffffff"/>
+                      </a:solidFill>
+                    </a:lnL>
+                    <a:lnR w="720">
+                      <a:solidFill>
+                        <a:srgbClr val="ffffff"/>
+                      </a:solidFill>
+                    </a:lnR>
+                    <a:lnT w="720">
+                      <a:solidFill>
+                        <a:srgbClr val="ffffff"/>
+                      </a:solidFill>
+                    </a:lnT>
+                    <a:lnB w="720">
+                      <a:solidFill>
+                        <a:srgbClr val="ffffff"/>
+                      </a:solidFill>
+                    </a:lnB>
+                    <a:solidFill>
+                      <a:srgbClr val="cccccc"/>
+                    </a:solidFill>
+                  </a:tcPr>
+                </a:tc>
+                <a:tc>
+                  <a:txBody>
+                    <a:bodyPr lIns="90000" rIns="90000" tIns="46800" bIns="46800"/>
+                    <a:p>
+                      <a:pPr algn="ctr"/>
+                      <a:r>
+                        <a:rPr b="0" lang="fr-BE" sz="1800" spc="-1" strike="noStrike">
+                          <a:solidFill>
+                            <a:srgbClr val="000000"/>
+                          </a:solidFill>
+                          <a:uFill>
+                            <a:solidFill>
+                              <a:srgbClr val="ffffff"/>
+                            </a:solidFill>
+                          </a:uFill>
+                          <a:latin typeface="Arial"/>
+                        </a:rPr>
+                        <a:t>Ridge Classifier</a:t>
+                      </a:r>
+                      <a:endParaRPr b="0" lang="fr-BE" sz="1800" spc="-1" strike="noStrike">
+                        <a:solidFill>
+                          <a:srgbClr val="000000"/>
+                        </a:solidFill>
+                        <a:uFill>
+                          <a:solidFill>
+                            <a:srgbClr val="ffffff"/>
+                          </a:solidFill>
+                        </a:uFill>
+                        <a:latin typeface="Arial"/>
+                      </a:endParaRPr>
+                    </a:p>
+                  </a:txBody>
+                  <a:tcPr marL="90000" marR="90000">
+                    <a:lnL w="720">
+                      <a:solidFill>
+                        <a:srgbClr val="ffffff"/>
+                      </a:solidFill>
+                    </a:lnL>
+                    <a:lnR w="720">
+                      <a:solidFill>
+                        <a:srgbClr val="ffffff"/>
+                      </a:solidFill>
+                    </a:lnR>
+                    <a:lnT w="720">
+                      <a:solidFill>
+                        <a:srgbClr val="ffffff"/>
+                      </a:solidFill>
+                    </a:lnT>
+                    <a:lnB w="720">
+                      <a:solidFill>
+                        <a:srgbClr val="ffffff"/>
+                      </a:solidFill>
+                    </a:lnB>
+                    <a:solidFill>
+                      <a:srgbClr val="cccccc"/>
+                    </a:solidFill>
+                  </a:tcPr>
+                </a:tc>
+                <a:tc>
+                  <a:txBody>
+                    <a:bodyPr lIns="90000" rIns="90000" tIns="46800" bIns="46800"/>
+                    <a:p>
+                      <a:pPr algn="ctr"/>
+                      <a:r>
+                        <a:rPr b="0" lang="fr-BE" sz="1800" spc="-1" strike="noStrike">
+                          <a:solidFill>
+                            <a:srgbClr val="000000"/>
+                          </a:solidFill>
+                          <a:uFill>
+                            <a:solidFill>
+                              <a:srgbClr val="ffffff"/>
+                            </a:solidFill>
+                          </a:uFill>
+                          <a:latin typeface="Arial"/>
+                        </a:rPr>
+                        <a:t>Tf-Idf </a:t>
+                      </a:r>
+                      <a:endParaRPr b="0" lang="fr-BE" sz="1800" spc="-1" strike="noStrike">
+                        <a:solidFill>
+                          <a:srgbClr val="000000"/>
+                        </a:solidFill>
+                        <a:uFill>
+                          <a:solidFill>
+                            <a:srgbClr val="ffffff"/>
+                          </a:solidFill>
+                        </a:uFill>
+                        <a:latin typeface="Arial"/>
+                      </a:endParaRPr>
+                    </a:p>
+                    <a:p>
+                      <a:pPr algn="ctr"/>
+                      <a:r>
+                        <a:rPr b="0" lang="fr-BE" sz="1800" spc="-1" strike="noStrike">
+                          <a:solidFill>
+                            <a:srgbClr val="000000"/>
+                          </a:solidFill>
+                          <a:uFill>
+                            <a:solidFill>
+                              <a:srgbClr val="ffffff"/>
+                            </a:solidFill>
+                          </a:uFill>
+                          <a:latin typeface="Arial"/>
+                        </a:rPr>
+                        <a:t>Ponctuation </a:t>
+                      </a:r>
+                      <a:endParaRPr b="0" lang="fr-BE" sz="1800" spc="-1" strike="noStrike">
+                        <a:solidFill>
+                          <a:srgbClr val="000000"/>
+                        </a:solidFill>
+                        <a:uFill>
+                          <a:solidFill>
+                            <a:srgbClr val="ffffff"/>
+                          </a:solidFill>
+                        </a:uFill>
+                        <a:latin typeface="Arial"/>
+                      </a:endParaRPr>
+                    </a:p>
+                    <a:p>
+                      <a:pPr algn="ctr"/>
+                      <a:r>
+                        <a:rPr b="0" lang="fr-BE" sz="1800" spc="-1" strike="noStrike">
+                          <a:solidFill>
+                            <a:srgbClr val="000000"/>
+                          </a:solidFill>
+                          <a:uFill>
+                            <a:solidFill>
+                              <a:srgbClr val="ffffff"/>
+                            </a:solidFill>
+                          </a:uFill>
+                          <a:latin typeface="Arial"/>
+                        </a:rPr>
+                        <a:t>Pronoms</a:t>
+                      </a:r>
+                      <a:endParaRPr b="0" lang="fr-BE" sz="1800" spc="-1" strike="noStrike">
+                        <a:solidFill>
+                          <a:srgbClr val="000000"/>
+                        </a:solidFill>
+                        <a:uFill>
+                          <a:solidFill>
+                            <a:srgbClr val="ffffff"/>
+                          </a:solidFill>
+                        </a:uFill>
+                        <a:latin typeface="Arial"/>
+                      </a:endParaRPr>
+                    </a:p>
+                  </a:txBody>
+                  <a:tcPr marL="90000" marR="90000">
+                    <a:lnL w="720">
+                      <a:solidFill>
+                        <a:srgbClr val="ffffff"/>
+                      </a:solidFill>
+                    </a:lnL>
+                    <a:lnR w="720">
+                      <a:solidFill>
+                        <a:srgbClr val="ffffff"/>
+                      </a:solidFill>
+                    </a:lnR>
+                    <a:lnT w="720">
+                      <a:solidFill>
+                        <a:srgbClr val="ffffff"/>
+                      </a:solidFill>
+                    </a:lnT>
+                    <a:lnB w="720">
+                      <a:solidFill>
+                        <a:srgbClr val="ffffff"/>
+                      </a:solidFill>
+                    </a:lnB>
+                    <a:solidFill>
+                      <a:srgbClr val="cccccc"/>
+                    </a:solidFill>
+                  </a:tcPr>
+                </a:tc>
+                <a:tc>
+                  <a:txBody>
+                    <a:bodyPr lIns="90000" rIns="90000" tIns="46800" bIns="46800"/>
+                    <a:p>
+                      <a:pPr algn="ctr"/>
+                      <a:r>
+                        <a:rPr b="0" lang="fr-BE" sz="1800" spc="-1" strike="noStrike">
+                          <a:solidFill>
+                            <a:srgbClr val="000000"/>
+                          </a:solidFill>
+                          <a:uFill>
+                            <a:solidFill>
+                              <a:srgbClr val="ffffff"/>
+                            </a:solidFill>
+                          </a:uFill>
+                          <a:latin typeface="Arial"/>
+                        </a:rPr>
+                        <a:t>0.9737</a:t>
+                      </a:r>
+                      <a:endParaRPr b="0" lang="fr-BE" sz="1800" spc="-1" strike="noStrike">
+                        <a:solidFill>
+                          <a:srgbClr val="000000"/>
+                        </a:solidFill>
+                        <a:uFill>
+                          <a:solidFill>
+                            <a:srgbClr val="ffffff"/>
+                          </a:solidFill>
+                        </a:uFill>
+                        <a:latin typeface="Arial"/>
+                      </a:endParaRPr>
+                    </a:p>
+                  </a:txBody>
+                  <a:tcPr marL="90000" marR="90000">
+                    <a:lnL w="720">
+                      <a:solidFill>
+                        <a:srgbClr val="ffffff"/>
+                      </a:solidFill>
+                    </a:lnL>
+                    <a:lnR w="720">
+                      <a:solidFill>
+                        <a:srgbClr val="ffffff"/>
+                      </a:solidFill>
+                    </a:lnR>
+                    <a:lnT w="720">
+                      <a:solidFill>
+                        <a:srgbClr val="ffffff"/>
+                      </a:solidFill>
+                    </a:lnT>
+                    <a:lnB w="720">
+                      <a:solidFill>
+                        <a:srgbClr val="ffffff"/>
+                      </a:solidFill>
+                    </a:lnB>
+                    <a:solidFill>
+                      <a:srgbClr val="cccccc"/>
+                    </a:solidFill>
+                  </a:tcPr>
+                </a:tc>
+              </a:tr>
+              <a:tr h="1615320">
+                <a:tc>
+                  <a:txBody>
+                    <a:bodyPr lIns="90000" rIns="90000" tIns="46800" bIns="46800"/>
+                    <a:p>
+                      <a:pPr algn="ctr"/>
+                      <a:r>
+                        <a:rPr b="0" lang="fr-BE" sz="1800" spc="-1" strike="noStrike">
+                          <a:solidFill>
+                            <a:srgbClr val="000000"/>
+                          </a:solidFill>
+                          <a:uFill>
+                            <a:solidFill>
+                              <a:srgbClr val="ffffff"/>
+                            </a:solidFill>
+                          </a:uFill>
+                          <a:latin typeface="Arial"/>
+                        </a:rPr>
+                        <a:t>2</a:t>
+                      </a:r>
+                      <a:endParaRPr b="0" lang="fr-BE" sz="1800" spc="-1" strike="noStrike">
+                        <a:solidFill>
+                          <a:srgbClr val="000000"/>
+                        </a:solidFill>
+                        <a:uFill>
+                          <a:solidFill>
+                            <a:srgbClr val="ffffff"/>
+                          </a:solidFill>
+                        </a:uFill>
+                        <a:latin typeface="Arial"/>
+                      </a:endParaRPr>
+                    </a:p>
+                  </a:txBody>
+                  <a:tcPr marL="90000" marR="90000">
+                    <a:lnL w="720">
+                      <a:solidFill>
+                        <a:srgbClr val="ffffff"/>
+                      </a:solidFill>
+                    </a:lnL>
+                    <a:lnR w="720">
+                      <a:solidFill>
+                        <a:srgbClr val="ffffff"/>
+                      </a:solidFill>
+                    </a:lnR>
+                    <a:lnT w="720">
+                      <a:solidFill>
+                        <a:srgbClr val="ffffff"/>
+                      </a:solidFill>
+                    </a:lnT>
+                    <a:lnB w="720">
+                      <a:solidFill>
+                        <a:srgbClr val="ffffff"/>
+                      </a:solidFill>
+                    </a:lnB>
+                    <a:solidFill>
+                      <a:srgbClr val="e6e6e6"/>
+                    </a:solidFill>
+                  </a:tcPr>
+                </a:tc>
+                <a:tc>
+                  <a:txBody>
+                    <a:bodyPr lIns="90000" rIns="90000" tIns="46800" bIns="46800"/>
+                    <a:p>
+                      <a:pPr algn="ctr"/>
+                      <a:r>
+                        <a:rPr b="0" lang="fr-BE" sz="1800" spc="-1" strike="noStrike">
+                          <a:solidFill>
+                            <a:srgbClr val="000000"/>
+                          </a:solidFill>
+                          <a:uFill>
+                            <a:solidFill>
+                              <a:srgbClr val="ffffff"/>
+                            </a:solidFill>
+                          </a:uFill>
+                          <a:latin typeface="Arial"/>
+                        </a:rPr>
+                        <a:t>Ridge Classifier</a:t>
+                      </a:r>
+                      <a:endParaRPr b="0" lang="fr-BE" sz="1800" spc="-1" strike="noStrike">
+                        <a:solidFill>
+                          <a:srgbClr val="000000"/>
+                        </a:solidFill>
+                        <a:uFill>
+                          <a:solidFill>
+                            <a:srgbClr val="ffffff"/>
+                          </a:solidFill>
+                        </a:uFill>
+                        <a:latin typeface="Arial"/>
+                      </a:endParaRPr>
+                    </a:p>
+                  </a:txBody>
+                  <a:tcPr marL="90000" marR="90000">
+                    <a:lnL w="720">
+                      <a:solidFill>
+                        <a:srgbClr val="ffffff"/>
+                      </a:solidFill>
+                    </a:lnL>
+                    <a:lnR w="720">
+                      <a:solidFill>
+                        <a:srgbClr val="ffffff"/>
+                      </a:solidFill>
+                    </a:lnR>
+                    <a:lnT w="720">
+                      <a:solidFill>
+                        <a:srgbClr val="ffffff"/>
+                      </a:solidFill>
+                    </a:lnT>
+                    <a:lnB w="720">
+                      <a:solidFill>
+                        <a:srgbClr val="ffffff"/>
+                      </a:solidFill>
+                    </a:lnB>
+                    <a:solidFill>
+                      <a:srgbClr val="e6e6e6"/>
+                    </a:solidFill>
+                  </a:tcPr>
+                </a:tc>
+                <a:tc>
+                  <a:txBody>
+                    <a:bodyPr lIns="90000" rIns="90000" tIns="46800" bIns="46800"/>
+                    <a:p>
+                      <a:pPr algn="ctr"/>
+                      <a:r>
+                        <a:rPr b="0" lang="fr-BE" sz="1800" spc="-1" strike="noStrike">
+                          <a:solidFill>
+                            <a:srgbClr val="000000"/>
+                          </a:solidFill>
+                          <a:uFill>
+                            <a:solidFill>
+                              <a:srgbClr val="ffffff"/>
+                            </a:solidFill>
+                          </a:uFill>
+                          <a:latin typeface="Arial"/>
+                          <a:ea typeface="Noto Sans CJK SC Regular"/>
+                        </a:rPr>
+                        <a:t>Tf-Idf </a:t>
+                      </a:r>
+                      <a:endParaRPr b="0" lang="fr-BE" sz="1800" spc="-1" strike="noStrike">
+                        <a:solidFill>
+                          <a:srgbClr val="000000"/>
+                        </a:solidFill>
+                        <a:uFill>
+                          <a:solidFill>
+                            <a:srgbClr val="ffffff"/>
+                          </a:solidFill>
+                        </a:uFill>
+                        <a:latin typeface="Arial"/>
+                      </a:endParaRPr>
+                    </a:p>
+                    <a:p>
+                      <a:pPr algn="ctr"/>
+                      <a:r>
+                        <a:rPr b="0" lang="fr-BE" sz="1800" spc="-1" strike="noStrike">
+                          <a:solidFill>
+                            <a:srgbClr val="000000"/>
+                          </a:solidFill>
+                          <a:uFill>
+                            <a:solidFill>
+                              <a:srgbClr val="ffffff"/>
+                            </a:solidFill>
+                          </a:uFill>
+                          <a:latin typeface="Arial"/>
+                          <a:ea typeface="Noto Sans CJK SC Regular"/>
+                        </a:rPr>
+                        <a:t>Ponctuation</a:t>
+                      </a:r>
+                      <a:endParaRPr b="0" lang="fr-BE" sz="1800" spc="-1" strike="noStrike">
+                        <a:solidFill>
+                          <a:srgbClr val="000000"/>
+                        </a:solidFill>
+                        <a:uFill>
+                          <a:solidFill>
+                            <a:srgbClr val="ffffff"/>
+                          </a:solidFill>
+                        </a:uFill>
+                        <a:latin typeface="Arial"/>
+                      </a:endParaRPr>
+                    </a:p>
+                    <a:p>
+                      <a:pPr algn="ctr"/>
+                      <a:r>
+                        <a:rPr b="0" lang="fr-BE" sz="1800" spc="-1" strike="noStrike">
+                          <a:solidFill>
+                            <a:srgbClr val="000000"/>
+                          </a:solidFill>
+                          <a:uFill>
+                            <a:solidFill>
+                              <a:srgbClr val="ffffff"/>
+                            </a:solidFill>
+                          </a:uFill>
+                          <a:latin typeface="Arial"/>
+                          <a:ea typeface="Noto Sans CJK SC Regular"/>
+                        </a:rPr>
+                        <a:t> </a:t>
+                      </a:r>
+                      <a:r>
+                        <a:rPr b="0" lang="fr-BE" sz="1800" spc="-1" strike="noStrike">
+                          <a:solidFill>
+                            <a:srgbClr val="000000"/>
+                          </a:solidFill>
+                          <a:uFill>
+                            <a:solidFill>
+                              <a:srgbClr val="ffffff"/>
+                            </a:solidFill>
+                          </a:uFill>
+                          <a:latin typeface="Arial"/>
+                          <a:ea typeface="Noto Sans CJK SC Regular"/>
+                        </a:rPr>
+                        <a:t>Pronoms</a:t>
+                      </a:r>
+                      <a:endParaRPr b="0" lang="fr-BE" sz="1800" spc="-1" strike="noStrike">
+                        <a:solidFill>
+                          <a:srgbClr val="000000"/>
+                        </a:solidFill>
+                        <a:uFill>
+                          <a:solidFill>
+                            <a:srgbClr val="ffffff"/>
+                          </a:solidFill>
+                        </a:uFill>
+                        <a:latin typeface="Arial"/>
+                      </a:endParaRPr>
+                    </a:p>
+                    <a:p>
+                      <a:pPr algn="ctr"/>
+                      <a:r>
+                        <a:rPr b="0" lang="fr-BE" sz="1800" spc="-1" strike="noStrike">
+                          <a:solidFill>
+                            <a:srgbClr val="000000"/>
+                          </a:solidFill>
+                          <a:uFill>
+                            <a:solidFill>
+                              <a:srgbClr val="ffffff"/>
+                            </a:solidFill>
+                          </a:uFill>
+                          <a:latin typeface="Arial"/>
+                          <a:ea typeface="Noto Sans CJK SC Regular"/>
+                        </a:rPr>
+                        <a:t>  </a:t>
+                      </a:r>
+                      <a:r>
+                        <a:rPr b="0" lang="fr-BE" sz="1800" spc="-1" strike="noStrike">
+                          <a:solidFill>
+                            <a:srgbClr val="000000"/>
+                          </a:solidFill>
+                          <a:uFill>
+                            <a:solidFill>
+                              <a:srgbClr val="ffffff"/>
+                            </a:solidFill>
+                          </a:uFill>
+                          <a:latin typeface="Arial"/>
+                          <a:ea typeface="Noto Sans CJK SC Regular"/>
+                        </a:rPr>
+                        <a:t>Sentiments</a:t>
+                      </a:r>
+                      <a:endParaRPr b="0" lang="fr-BE" sz="1800" spc="-1" strike="noStrike">
+                        <a:solidFill>
+                          <a:srgbClr val="000000"/>
+                        </a:solidFill>
+                        <a:uFill>
+                          <a:solidFill>
+                            <a:srgbClr val="ffffff"/>
+                          </a:solidFill>
+                        </a:uFill>
+                        <a:latin typeface="Arial"/>
+                      </a:endParaRPr>
+                    </a:p>
+                  </a:txBody>
+                  <a:tcPr marL="90000" marR="90000">
+                    <a:lnL w="720">
+                      <a:solidFill>
+                        <a:srgbClr val="ffffff"/>
+                      </a:solidFill>
+                    </a:lnL>
+                    <a:lnR w="720">
+                      <a:solidFill>
+                        <a:srgbClr val="ffffff"/>
+                      </a:solidFill>
+                    </a:lnR>
+                    <a:lnT w="720">
+                      <a:solidFill>
+                        <a:srgbClr val="ffffff"/>
+                      </a:solidFill>
+                    </a:lnT>
+                    <a:lnB w="720">
+                      <a:solidFill>
+                        <a:srgbClr val="ffffff"/>
+                      </a:solidFill>
+                    </a:lnB>
+                    <a:solidFill>
+                      <a:srgbClr val="e6e6e6"/>
+                    </a:solidFill>
+                  </a:tcPr>
+                </a:tc>
+                <a:tc>
+                  <a:txBody>
+                    <a:bodyPr lIns="90000" rIns="90000" tIns="46800" bIns="46800"/>
+                    <a:p>
+                      <a:pPr algn="ctr"/>
+                      <a:r>
+                        <a:rPr b="0" lang="fr-BE" sz="1800" spc="-1" strike="noStrike">
+                          <a:solidFill>
+                            <a:srgbClr val="000000"/>
+                          </a:solidFill>
+                          <a:uFill>
+                            <a:solidFill>
+                              <a:srgbClr val="ffffff"/>
+                            </a:solidFill>
+                          </a:uFill>
+                          <a:latin typeface="Arial"/>
+                        </a:rPr>
+                        <a:t>0.9730</a:t>
+                      </a:r>
+                      <a:endParaRPr b="0" lang="fr-BE" sz="1800" spc="-1" strike="noStrike">
+                        <a:solidFill>
+                          <a:srgbClr val="000000"/>
+                        </a:solidFill>
+                        <a:uFill>
+                          <a:solidFill>
+                            <a:srgbClr val="ffffff"/>
+                          </a:solidFill>
+                        </a:uFill>
+                        <a:latin typeface="Arial"/>
+                      </a:endParaRPr>
+                    </a:p>
+                  </a:txBody>
+                  <a:tcPr marL="90000" marR="90000">
+                    <a:lnL w="720">
+                      <a:solidFill>
+                        <a:srgbClr val="ffffff"/>
+                      </a:solidFill>
+                    </a:lnL>
+                    <a:lnR w="720">
+                      <a:solidFill>
+                        <a:srgbClr val="ffffff"/>
+                      </a:solidFill>
+                    </a:lnR>
+                    <a:lnT w="720">
+                      <a:solidFill>
+                        <a:srgbClr val="ffffff"/>
+                      </a:solidFill>
+                    </a:lnT>
+                    <a:lnB w="720">
+                      <a:solidFill>
+                        <a:srgbClr val="ffffff"/>
+                      </a:solidFill>
+                    </a:lnB>
+                    <a:solidFill>
+                      <a:srgbClr val="e6e6e6"/>
+                    </a:solidFill>
+                  </a:tcPr>
+                </a:tc>
+              </a:tr>
+              <a:tr h="1244880">
+                <a:tc>
+                  <a:txBody>
+                    <a:bodyPr lIns="90000" rIns="90000" tIns="46800" bIns="46800"/>
+                    <a:p>
+                      <a:pPr algn="ctr"/>
+                      <a:r>
+                        <a:rPr b="0" lang="fr-BE" sz="1800" spc="-1" strike="noStrike">
+                          <a:solidFill>
+                            <a:srgbClr val="000000"/>
+                          </a:solidFill>
+                          <a:uFill>
+                            <a:solidFill>
+                              <a:srgbClr val="ffffff"/>
+                            </a:solidFill>
+                          </a:uFill>
+                          <a:latin typeface="Arial"/>
+                        </a:rPr>
+                        <a:t>3</a:t>
+                      </a:r>
+                      <a:endParaRPr b="0" lang="fr-BE" sz="1800" spc="-1" strike="noStrike">
+                        <a:solidFill>
+                          <a:srgbClr val="000000"/>
+                        </a:solidFill>
+                        <a:uFill>
+                          <a:solidFill>
+                            <a:srgbClr val="ffffff"/>
+                          </a:solidFill>
+                        </a:uFill>
+                        <a:latin typeface="Arial"/>
+                      </a:endParaRPr>
+                    </a:p>
+                  </a:txBody>
+                  <a:tcPr marL="90000" marR="90000">
+                    <a:lnL w="720">
+                      <a:solidFill>
+                        <a:srgbClr val="ffffff"/>
+                      </a:solidFill>
+                    </a:lnL>
+                    <a:lnR w="720">
+                      <a:solidFill>
+                        <a:srgbClr val="ffffff"/>
+                      </a:solidFill>
+                    </a:lnR>
+                    <a:lnT w="720">
+                      <a:solidFill>
+                        <a:srgbClr val="ffffff"/>
+                      </a:solidFill>
+                    </a:lnT>
+                    <a:lnB w="720">
+                      <a:solidFill>
+                        <a:srgbClr val="ffffff"/>
+                      </a:solidFill>
+                    </a:lnB>
+                    <a:solidFill>
+                      <a:srgbClr val="cccccc"/>
+                    </a:solidFill>
+                  </a:tcPr>
+                </a:tc>
+                <a:tc>
+                  <a:txBody>
+                    <a:bodyPr lIns="90000" rIns="90000" tIns="46800" bIns="46800"/>
+                    <a:p>
+                      <a:pPr algn="ctr"/>
+                      <a:r>
+                        <a:rPr b="0" lang="fr-BE" sz="1800" spc="-1" strike="noStrike">
+                          <a:solidFill>
+                            <a:srgbClr val="000000"/>
+                          </a:solidFill>
+                          <a:uFill>
+                            <a:solidFill>
+                              <a:srgbClr val="ffffff"/>
+                            </a:solidFill>
+                          </a:uFill>
+                          <a:latin typeface="Arial"/>
+                          <a:ea typeface="Noto Sans CJK SC Regular"/>
+                        </a:rPr>
+                        <a:t>Ridge Classifier</a:t>
+                      </a:r>
+                      <a:endParaRPr b="0" lang="fr-BE" sz="1800" spc="-1" strike="noStrike">
+                        <a:solidFill>
+                          <a:srgbClr val="000000"/>
+                        </a:solidFill>
+                        <a:uFill>
+                          <a:solidFill>
+                            <a:srgbClr val="ffffff"/>
+                          </a:solidFill>
+                        </a:uFill>
+                        <a:latin typeface="Arial"/>
+                      </a:endParaRPr>
+                    </a:p>
+                  </a:txBody>
+                  <a:tcPr marL="90000" marR="90000">
+                    <a:lnL w="720">
+                      <a:solidFill>
+                        <a:srgbClr val="ffffff"/>
+                      </a:solidFill>
+                    </a:lnL>
+                    <a:lnR w="720">
+                      <a:solidFill>
+                        <a:srgbClr val="ffffff"/>
+                      </a:solidFill>
+                    </a:lnR>
+                    <a:lnT w="720">
+                      <a:solidFill>
+                        <a:srgbClr val="ffffff"/>
+                      </a:solidFill>
+                    </a:lnT>
+                    <a:lnB w="720">
+                      <a:solidFill>
+                        <a:srgbClr val="ffffff"/>
+                      </a:solidFill>
+                    </a:lnB>
+                    <a:solidFill>
+                      <a:srgbClr val="cccccc"/>
+                    </a:solidFill>
+                  </a:tcPr>
+                </a:tc>
+                <a:tc>
+                  <a:txBody>
+                    <a:bodyPr lIns="90000" rIns="90000" tIns="46800" bIns="46800"/>
+                    <a:p>
+                      <a:pPr algn="ctr"/>
+                      <a:r>
+                        <a:rPr b="0" lang="fr-BE" sz="1800" spc="-1" strike="noStrike">
+                          <a:solidFill>
+                            <a:srgbClr val="000000"/>
+                          </a:solidFill>
+                          <a:uFill>
+                            <a:solidFill>
+                              <a:srgbClr val="ffffff"/>
+                            </a:solidFill>
+                          </a:uFill>
+                          <a:latin typeface="Arial"/>
+                        </a:rPr>
+                        <a:t>Tf-Idf </a:t>
+                      </a:r>
+                      <a:endParaRPr b="0" lang="fr-BE" sz="1800" spc="-1" strike="noStrike">
+                        <a:solidFill>
+                          <a:srgbClr val="000000"/>
+                        </a:solidFill>
+                        <a:uFill>
+                          <a:solidFill>
+                            <a:srgbClr val="ffffff"/>
+                          </a:solidFill>
+                        </a:uFill>
+                        <a:latin typeface="Arial"/>
+                      </a:endParaRPr>
+                    </a:p>
+                    <a:p>
+                      <a:pPr algn="ctr"/>
+                      <a:r>
+                        <a:rPr b="0" lang="fr-BE" sz="1800" spc="-1" strike="noStrike">
+                          <a:solidFill>
+                            <a:srgbClr val="000000"/>
+                          </a:solidFill>
+                          <a:uFill>
+                            <a:solidFill>
+                              <a:srgbClr val="ffffff"/>
+                            </a:solidFill>
+                          </a:uFill>
+                          <a:latin typeface="Arial"/>
+                        </a:rPr>
+                        <a:t>Ponctuation</a:t>
+                      </a:r>
+                      <a:endParaRPr b="0" lang="fr-BE" sz="1800" spc="-1" strike="noStrike">
+                        <a:solidFill>
+                          <a:srgbClr val="000000"/>
+                        </a:solidFill>
+                        <a:uFill>
+                          <a:solidFill>
+                            <a:srgbClr val="ffffff"/>
+                          </a:solidFill>
+                        </a:uFill>
+                        <a:latin typeface="Arial"/>
+                      </a:endParaRPr>
+                    </a:p>
+                    <a:p>
+                      <a:pPr algn="ctr"/>
+                      <a:r>
+                        <a:rPr b="0" lang="fr-BE" sz="1800" spc="-1" strike="noStrike">
+                          <a:solidFill>
+                            <a:srgbClr val="000000"/>
+                          </a:solidFill>
+                          <a:uFill>
+                            <a:solidFill>
+                              <a:srgbClr val="ffffff"/>
+                            </a:solidFill>
+                          </a:uFill>
+                          <a:latin typeface="Arial"/>
+                        </a:rPr>
+                        <a:t>  </a:t>
+                      </a:r>
+                      <a:r>
+                        <a:rPr b="0" lang="fr-BE" sz="1800" spc="-1" strike="noStrike">
+                          <a:solidFill>
+                            <a:srgbClr val="000000"/>
+                          </a:solidFill>
+                          <a:uFill>
+                            <a:solidFill>
+                              <a:srgbClr val="ffffff"/>
+                            </a:solidFill>
+                          </a:uFill>
+                          <a:latin typeface="Arial"/>
+                        </a:rPr>
+                        <a:t>Sentiments </a:t>
+                      </a:r>
+                      <a:endParaRPr b="0" lang="fr-BE" sz="1800" spc="-1" strike="noStrike">
+                        <a:solidFill>
+                          <a:srgbClr val="000000"/>
+                        </a:solidFill>
+                        <a:uFill>
+                          <a:solidFill>
+                            <a:srgbClr val="ffffff"/>
+                          </a:solidFill>
+                        </a:uFill>
+                        <a:latin typeface="Arial"/>
+                      </a:endParaRPr>
+                    </a:p>
+                  </a:txBody>
+                  <a:tcPr marL="90000" marR="90000">
+                    <a:lnL w="720">
+                      <a:solidFill>
+                        <a:srgbClr val="ffffff"/>
+                      </a:solidFill>
+                    </a:lnL>
+                    <a:lnR w="720">
+                      <a:solidFill>
+                        <a:srgbClr val="ffffff"/>
+                      </a:solidFill>
+                    </a:lnR>
+                    <a:lnT w="720">
+                      <a:solidFill>
+                        <a:srgbClr val="ffffff"/>
+                      </a:solidFill>
+                    </a:lnT>
+                    <a:lnB w="720">
+                      <a:solidFill>
+                        <a:srgbClr val="ffffff"/>
+                      </a:solidFill>
+                    </a:lnB>
+                    <a:solidFill>
+                      <a:srgbClr val="cccccc"/>
+                    </a:solidFill>
+                  </a:tcPr>
+                </a:tc>
+                <a:tc>
+                  <a:txBody>
+                    <a:bodyPr lIns="90000" rIns="90000" tIns="46800" bIns="46800"/>
+                    <a:p>
+                      <a:pPr algn="ctr"/>
+                      <a:r>
+                        <a:rPr b="0" lang="fr-BE" sz="1800" spc="-1" strike="noStrike">
+                          <a:solidFill>
+                            <a:srgbClr val="000000"/>
+                          </a:solidFill>
+                          <a:uFill>
+                            <a:solidFill>
+                              <a:srgbClr val="ffffff"/>
+                            </a:solidFill>
+                          </a:uFill>
+                          <a:latin typeface="Arial"/>
+                        </a:rPr>
+                        <a:t>0.972</a:t>
+                      </a:r>
+                      <a:endParaRPr b="0" lang="fr-BE" sz="1800" spc="-1" strike="noStrike">
+                        <a:solidFill>
+                          <a:srgbClr val="000000"/>
+                        </a:solidFill>
+                        <a:uFill>
+                          <a:solidFill>
+                            <a:srgbClr val="ffffff"/>
+                          </a:solidFill>
+                        </a:uFill>
+                        <a:latin typeface="Arial"/>
+                      </a:endParaRPr>
+                    </a:p>
+                  </a:txBody>
+                  <a:tcPr marL="90000" marR="90000">
+                    <a:lnL w="720">
+                      <a:solidFill>
+                        <a:srgbClr val="ffffff"/>
+                      </a:solidFill>
+                    </a:lnL>
+                    <a:lnR w="720">
+                      <a:solidFill>
+                        <a:srgbClr val="ffffff"/>
+                      </a:solidFill>
+                    </a:lnR>
+                    <a:lnT w="720">
+                      <a:solidFill>
+                        <a:srgbClr val="ffffff"/>
+                      </a:solidFill>
+                    </a:lnT>
+                    <a:lnB w="720">
+                      <a:solidFill>
+                        <a:srgbClr val="ffffff"/>
+                      </a:solidFill>
+                    </a:lnB>
+                    <a:solidFill>
+                      <a:srgbClr val="cccccc"/>
+                    </a:solidFill>
+                  </a:tcPr>
+                </a:tc>
+              </a:tr>
+              <a:tr h="875520">
+                <a:tc>
+                  <a:txBody>
+                    <a:bodyPr lIns="90000" rIns="90000" tIns="46800" bIns="46800"/>
+                    <a:p>
+                      <a:pPr algn="ctr"/>
+                      <a:r>
+                        <a:rPr b="0" lang="fr-BE" sz="1800" spc="-1" strike="noStrike">
+                          <a:solidFill>
+                            <a:srgbClr val="000000"/>
+                          </a:solidFill>
+                          <a:uFill>
+                            <a:solidFill>
+                              <a:srgbClr val="ffffff"/>
+                            </a:solidFill>
+                          </a:uFill>
+                          <a:latin typeface="Arial"/>
+                        </a:rPr>
+                        <a:t>4</a:t>
+                      </a:r>
+                      <a:endParaRPr b="0" lang="fr-BE" sz="1800" spc="-1" strike="noStrike">
+                        <a:solidFill>
+                          <a:srgbClr val="000000"/>
+                        </a:solidFill>
+                        <a:uFill>
+                          <a:solidFill>
+                            <a:srgbClr val="ffffff"/>
+                          </a:solidFill>
+                        </a:uFill>
+                        <a:latin typeface="Arial"/>
+                      </a:endParaRPr>
+                    </a:p>
+                  </a:txBody>
+                  <a:tcPr marL="90000" marR="90000">
+                    <a:lnL w="720">
+                      <a:solidFill>
+                        <a:srgbClr val="ffffff"/>
+                      </a:solidFill>
+                    </a:lnL>
+                    <a:lnR w="720">
+                      <a:solidFill>
+                        <a:srgbClr val="ffffff"/>
+                      </a:solidFill>
+                    </a:lnR>
+                    <a:lnT w="720">
+                      <a:solidFill>
+                        <a:srgbClr val="ffffff"/>
+                      </a:solidFill>
+                    </a:lnT>
+                    <a:lnB w="720">
+                      <a:solidFill>
+                        <a:srgbClr val="ffffff"/>
+                      </a:solidFill>
+                    </a:lnB>
+                    <a:solidFill>
+                      <a:srgbClr val="e6e6e6"/>
+                    </a:solidFill>
+                  </a:tcPr>
+                </a:tc>
+                <a:tc>
+                  <a:txBody>
+                    <a:bodyPr lIns="90000" rIns="90000" tIns="46800" bIns="46800"/>
+                    <a:p>
+                      <a:pPr algn="ctr"/>
+                      <a:r>
+                        <a:rPr b="0" lang="fr-BE" sz="1800" spc="-1" strike="noStrike">
+                          <a:solidFill>
+                            <a:srgbClr val="000000"/>
+                          </a:solidFill>
+                          <a:uFill>
+                            <a:solidFill>
+                              <a:srgbClr val="ffffff"/>
+                            </a:solidFill>
+                          </a:uFill>
+                          <a:latin typeface="Arial"/>
+                          <a:ea typeface="Noto Sans CJK SC Regular"/>
+                        </a:rPr>
+                        <a:t>Ridge Classifier</a:t>
+                      </a:r>
+                      <a:endParaRPr b="0" lang="fr-BE" sz="1800" spc="-1" strike="noStrike">
+                        <a:solidFill>
+                          <a:srgbClr val="000000"/>
+                        </a:solidFill>
+                        <a:uFill>
+                          <a:solidFill>
+                            <a:srgbClr val="ffffff"/>
+                          </a:solidFill>
+                        </a:uFill>
+                        <a:latin typeface="Arial"/>
+                      </a:endParaRPr>
+                    </a:p>
+                  </a:txBody>
+                  <a:tcPr marL="90000" marR="90000">
+                    <a:lnL w="720">
+                      <a:solidFill>
+                        <a:srgbClr val="ffffff"/>
+                      </a:solidFill>
+                    </a:lnL>
+                    <a:lnR w="720">
+                      <a:solidFill>
+                        <a:srgbClr val="ffffff"/>
+                      </a:solidFill>
+                    </a:lnR>
+                    <a:lnT w="720">
+                      <a:solidFill>
+                        <a:srgbClr val="ffffff"/>
+                      </a:solidFill>
+                    </a:lnT>
+                    <a:lnB w="720">
+                      <a:solidFill>
+                        <a:srgbClr val="ffffff"/>
+                      </a:solidFill>
+                    </a:lnB>
+                    <a:solidFill>
+                      <a:srgbClr val="e6e6e6"/>
+                    </a:solidFill>
+                  </a:tcPr>
+                </a:tc>
+                <a:tc>
+                  <a:txBody>
+                    <a:bodyPr lIns="90000" rIns="90000" tIns="46800" bIns="46800"/>
+                    <a:p>
+                      <a:pPr algn="ctr"/>
+                      <a:r>
+                        <a:rPr b="0" lang="fr-BE" sz="1800" spc="-1" strike="noStrike">
+                          <a:solidFill>
+                            <a:srgbClr val="000000"/>
+                          </a:solidFill>
+                          <a:uFill>
+                            <a:solidFill>
+                              <a:srgbClr val="ffffff"/>
+                            </a:solidFill>
+                          </a:uFill>
+                          <a:latin typeface="Arial"/>
+                        </a:rPr>
+                        <a:t>Tf-Idf </a:t>
+                      </a:r>
+                      <a:endParaRPr b="0" lang="fr-BE" sz="1800" spc="-1" strike="noStrike">
+                        <a:solidFill>
+                          <a:srgbClr val="000000"/>
+                        </a:solidFill>
+                        <a:uFill>
+                          <a:solidFill>
+                            <a:srgbClr val="ffffff"/>
+                          </a:solidFill>
+                        </a:uFill>
+                        <a:latin typeface="Arial"/>
+                      </a:endParaRPr>
+                    </a:p>
+                    <a:p>
+                      <a:pPr algn="ctr"/>
+                      <a:r>
+                        <a:rPr b="0" lang="fr-BE" sz="1800" spc="-1" strike="noStrike">
+                          <a:solidFill>
+                            <a:srgbClr val="000000"/>
+                          </a:solidFill>
+                          <a:uFill>
+                            <a:solidFill>
+                              <a:srgbClr val="ffffff"/>
+                            </a:solidFill>
+                          </a:uFill>
+                          <a:latin typeface="Arial"/>
+                        </a:rPr>
+                        <a:t>Ponctuation </a:t>
+                      </a:r>
+                      <a:endParaRPr b="0" lang="fr-BE" sz="1800" spc="-1" strike="noStrike">
+                        <a:solidFill>
+                          <a:srgbClr val="000000"/>
+                        </a:solidFill>
+                        <a:uFill>
+                          <a:solidFill>
+                            <a:srgbClr val="ffffff"/>
+                          </a:solidFill>
+                        </a:uFill>
+                        <a:latin typeface="Arial"/>
+                      </a:endParaRPr>
+                    </a:p>
+                  </a:txBody>
+                  <a:tcPr marL="90000" marR="90000">
+                    <a:lnL w="720">
+                      <a:solidFill>
+                        <a:srgbClr val="ffffff"/>
+                      </a:solidFill>
+                    </a:lnL>
+                    <a:lnR w="720">
+                      <a:solidFill>
+                        <a:srgbClr val="ffffff"/>
+                      </a:solidFill>
+                    </a:lnR>
+                    <a:lnT w="720">
+                      <a:solidFill>
+                        <a:srgbClr val="ffffff"/>
+                      </a:solidFill>
+                    </a:lnT>
+                    <a:lnB w="720">
+                      <a:solidFill>
+                        <a:srgbClr val="ffffff"/>
+                      </a:solidFill>
+                    </a:lnB>
+                    <a:solidFill>
+                      <a:srgbClr val="e6e6e6"/>
+                    </a:solidFill>
+                  </a:tcPr>
+                </a:tc>
+                <a:tc>
+                  <a:txBody>
+                    <a:bodyPr lIns="90000" rIns="90000" tIns="46800" bIns="46800"/>
+                    <a:p>
+                      <a:pPr algn="ctr"/>
+                      <a:r>
+                        <a:rPr b="0" lang="fr-BE" sz="1800" spc="-1" strike="noStrike">
+                          <a:solidFill>
+                            <a:srgbClr val="000000"/>
+                          </a:solidFill>
+                          <a:uFill>
+                            <a:solidFill>
+                              <a:srgbClr val="ffffff"/>
+                            </a:solidFill>
+                          </a:uFill>
+                          <a:latin typeface="Arial"/>
+                        </a:rPr>
+                        <a:t>0.971</a:t>
+                      </a:r>
+                      <a:endParaRPr b="0" lang="fr-BE" sz="1800" spc="-1" strike="noStrike">
+                        <a:solidFill>
+                          <a:srgbClr val="000000"/>
+                        </a:solidFill>
+                        <a:uFill>
+                          <a:solidFill>
+                            <a:srgbClr val="ffffff"/>
+                          </a:solidFill>
+                        </a:uFill>
+                        <a:latin typeface="Arial"/>
+                      </a:endParaRPr>
+                    </a:p>
+                  </a:txBody>
+                  <a:tcPr marL="90000" marR="90000">
+                    <a:lnL w="720">
+                      <a:solidFill>
+                        <a:srgbClr val="ffffff"/>
+                      </a:solidFill>
+                    </a:lnL>
+                    <a:lnR w="720">
+                      <a:solidFill>
+                        <a:srgbClr val="ffffff"/>
+                      </a:solidFill>
+                    </a:lnR>
+                    <a:lnT w="720">
+                      <a:solidFill>
+                        <a:srgbClr val="ffffff"/>
+                      </a:solidFill>
+                    </a:lnT>
+                    <a:lnB w="720">
+                      <a:solidFill>
+                        <a:srgbClr val="ffffff"/>
+                      </a:solidFill>
+                    </a:lnB>
+                    <a:solidFill>
+                      <a:srgbClr val="e6e6e6"/>
+                    </a:solidFill>
+                  </a:tcPr>
+                </a:tc>
+              </a:tr>
+              <a:tr h="875520">
+                <a:tc>
+                  <a:txBody>
+                    <a:bodyPr lIns="90000" rIns="90000" tIns="46800" bIns="46800"/>
+                    <a:p>
+                      <a:pPr algn="ctr"/>
+                      <a:r>
+                        <a:rPr b="0" lang="fr-BE" sz="1800" spc="-1" strike="noStrike">
+                          <a:solidFill>
+                            <a:srgbClr val="000000"/>
+                          </a:solidFill>
+                          <a:uFill>
+                            <a:solidFill>
+                              <a:srgbClr val="ffffff"/>
+                            </a:solidFill>
+                          </a:uFill>
+                          <a:latin typeface="Arial"/>
+                        </a:rPr>
+                        <a:t>5</a:t>
+                      </a:r>
+                      <a:endParaRPr b="0" lang="fr-BE" sz="1800" spc="-1" strike="noStrike">
+                        <a:solidFill>
+                          <a:srgbClr val="000000"/>
+                        </a:solidFill>
+                        <a:uFill>
+                          <a:solidFill>
+                            <a:srgbClr val="ffffff"/>
+                          </a:solidFill>
+                        </a:uFill>
+                        <a:latin typeface="Arial"/>
+                      </a:endParaRPr>
+                    </a:p>
+                  </a:txBody>
+                  <a:tcPr marL="90000" marR="90000">
+                    <a:lnL w="720">
+                      <a:solidFill>
+                        <a:srgbClr val="ffffff"/>
+                      </a:solidFill>
+                    </a:lnL>
+                    <a:lnR w="720">
+                      <a:solidFill>
+                        <a:srgbClr val="ffffff"/>
+                      </a:solidFill>
+                    </a:lnR>
+                    <a:lnT w="720">
+                      <a:solidFill>
+                        <a:srgbClr val="ffffff"/>
+                      </a:solidFill>
+                    </a:lnT>
+                    <a:lnB w="720">
+                      <a:solidFill>
+                        <a:srgbClr val="ffffff"/>
+                      </a:solidFill>
+                    </a:lnB>
+                    <a:solidFill>
+                      <a:srgbClr val="cccccc"/>
+                    </a:solidFill>
+                  </a:tcPr>
+                </a:tc>
+                <a:tc>
+                  <a:txBody>
+                    <a:bodyPr lIns="90000" rIns="90000" tIns="46800" bIns="46800"/>
+                    <a:p>
+                      <a:pPr algn="ctr"/>
+                      <a:r>
+                        <a:rPr b="0" lang="fr-BE" sz="1800" spc="-1" strike="noStrike">
+                          <a:solidFill>
+                            <a:srgbClr val="000000"/>
+                          </a:solidFill>
+                          <a:uFill>
+                            <a:solidFill>
+                              <a:srgbClr val="ffffff"/>
+                            </a:solidFill>
+                          </a:uFill>
+                          <a:latin typeface="Arial"/>
+                          <a:ea typeface="Noto Sans CJK SC Regular"/>
+                        </a:rPr>
+                        <a:t>Ridge Classifier</a:t>
+                      </a:r>
+                      <a:endParaRPr b="0" lang="fr-BE" sz="1800" spc="-1" strike="noStrike">
+                        <a:solidFill>
+                          <a:srgbClr val="000000"/>
+                        </a:solidFill>
+                        <a:uFill>
+                          <a:solidFill>
+                            <a:srgbClr val="ffffff"/>
+                          </a:solidFill>
+                        </a:uFill>
+                        <a:latin typeface="Arial"/>
+                      </a:endParaRPr>
+                    </a:p>
+                  </a:txBody>
+                  <a:tcPr marL="90000" marR="90000">
+                    <a:lnL w="720">
+                      <a:solidFill>
+                        <a:srgbClr val="ffffff"/>
+                      </a:solidFill>
+                    </a:lnL>
+                    <a:lnR w="720">
+                      <a:solidFill>
+                        <a:srgbClr val="ffffff"/>
+                      </a:solidFill>
+                    </a:lnR>
+                    <a:lnT w="720">
+                      <a:solidFill>
+                        <a:srgbClr val="ffffff"/>
+                      </a:solidFill>
+                    </a:lnT>
+                    <a:lnB w="720">
+                      <a:solidFill>
+                        <a:srgbClr val="ffffff"/>
+                      </a:solidFill>
+                    </a:lnB>
+                    <a:solidFill>
+                      <a:srgbClr val="cccccc"/>
+                    </a:solidFill>
+                  </a:tcPr>
+                </a:tc>
+                <a:tc>
+                  <a:txBody>
+                    <a:bodyPr lIns="90000" rIns="90000" tIns="46800" bIns="46800"/>
+                    <a:p>
+                      <a:pPr algn="ctr"/>
+                      <a:r>
+                        <a:rPr b="0" lang="fr-BE" sz="1800" spc="-1" strike="noStrike">
+                          <a:solidFill>
+                            <a:srgbClr val="000000"/>
+                          </a:solidFill>
+                          <a:uFill>
+                            <a:solidFill>
+                              <a:srgbClr val="ffffff"/>
+                            </a:solidFill>
+                          </a:uFill>
+                          <a:latin typeface="Arial"/>
+                          <a:ea typeface="Noto Sans CJK SC Regular"/>
+                        </a:rPr>
+                        <a:t>Tf-Idf </a:t>
+                      </a:r>
+                      <a:endParaRPr b="0" lang="fr-BE" sz="1800" spc="-1" strike="noStrike">
+                        <a:solidFill>
+                          <a:srgbClr val="000000"/>
+                        </a:solidFill>
+                        <a:uFill>
+                          <a:solidFill>
+                            <a:srgbClr val="ffffff"/>
+                          </a:solidFill>
+                        </a:uFill>
+                        <a:latin typeface="Arial"/>
+                      </a:endParaRPr>
+                    </a:p>
+                    <a:p>
+                      <a:pPr algn="ctr"/>
+                      <a:r>
+                        <a:rPr b="0" lang="fr-BE" sz="1800" spc="-1" strike="noStrike">
+                          <a:solidFill>
+                            <a:srgbClr val="000000"/>
+                          </a:solidFill>
+                          <a:uFill>
+                            <a:solidFill>
+                              <a:srgbClr val="ffffff"/>
+                            </a:solidFill>
+                          </a:uFill>
+                          <a:latin typeface="Arial"/>
+                          <a:ea typeface="Noto Sans CJK SC Regular"/>
+                        </a:rPr>
+                        <a:t>Sentiments </a:t>
+                      </a:r>
+                      <a:endParaRPr b="0" lang="fr-BE" sz="1800" spc="-1" strike="noStrike">
+                        <a:solidFill>
+                          <a:srgbClr val="000000"/>
+                        </a:solidFill>
+                        <a:uFill>
+                          <a:solidFill>
+                            <a:srgbClr val="ffffff"/>
+                          </a:solidFill>
+                        </a:uFill>
+                        <a:latin typeface="Arial"/>
+                      </a:endParaRPr>
+                    </a:p>
+                  </a:txBody>
+                  <a:tcPr marL="90000" marR="90000">
+                    <a:lnL w="720">
+                      <a:solidFill>
+                        <a:srgbClr val="ffffff"/>
+                      </a:solidFill>
+                    </a:lnL>
+                    <a:lnR w="720">
+                      <a:solidFill>
+                        <a:srgbClr val="ffffff"/>
+                      </a:solidFill>
+                    </a:lnR>
+                    <a:lnT w="720">
+                      <a:solidFill>
+                        <a:srgbClr val="ffffff"/>
+                      </a:solidFill>
+                    </a:lnT>
+                    <a:lnB w="720">
+                      <a:solidFill>
+                        <a:srgbClr val="ffffff"/>
+                      </a:solidFill>
+                    </a:lnB>
+                    <a:solidFill>
+                      <a:srgbClr val="cccccc"/>
+                    </a:solidFill>
+                  </a:tcPr>
+                </a:tc>
+                <a:tc>
+                  <a:txBody>
+                    <a:bodyPr lIns="90000" rIns="90000" tIns="46800" bIns="46800"/>
+                    <a:p>
+                      <a:pPr algn="ctr"/>
+                      <a:r>
+                        <a:rPr b="0" lang="fr-BE" sz="1800" spc="-1" strike="noStrike">
+                          <a:solidFill>
+                            <a:srgbClr val="000000"/>
+                          </a:solidFill>
+                          <a:uFill>
+                            <a:solidFill>
+                              <a:srgbClr val="ffffff"/>
+                            </a:solidFill>
+                          </a:uFill>
+                          <a:latin typeface="Arial"/>
+                        </a:rPr>
+                        <a:t>0.9704</a:t>
+                      </a:r>
+                      <a:endParaRPr b="0" lang="fr-BE" sz="1800" spc="-1" strike="noStrike">
+                        <a:solidFill>
+                          <a:srgbClr val="000000"/>
+                        </a:solidFill>
+                        <a:uFill>
+                          <a:solidFill>
+                            <a:srgbClr val="ffffff"/>
+                          </a:solidFill>
+                        </a:uFill>
+                        <a:latin typeface="Arial"/>
+                      </a:endParaRPr>
+                    </a:p>
+                  </a:txBody>
+                  <a:tcPr marL="90000" marR="90000">
+                    <a:lnL w="720">
+                      <a:solidFill>
+                        <a:srgbClr val="ffffff"/>
+                      </a:solidFill>
+                    </a:lnL>
+                    <a:lnR w="720">
+                      <a:solidFill>
+                        <a:srgbClr val="ffffff"/>
+                      </a:solidFill>
+                    </a:lnR>
+                    <a:lnT w="720">
+                      <a:solidFill>
+                        <a:srgbClr val="ffffff"/>
+                      </a:solidFill>
+                    </a:lnT>
+                    <a:lnB w="720">
+                      <a:solidFill>
+                        <a:srgbClr val="ffffff"/>
+                      </a:solidFill>
+                    </a:lnB>
+                    <a:solidFill>
+                      <a:srgbClr val="cccccc"/>
+                    </a:solidFill>
+                  </a:tcPr>
+                </a:tc>
+              </a:tr>
+              <a:tr h="505800">
+                <a:tc>
+                  <a:txBody>
+                    <a:bodyPr lIns="90000" rIns="90000" tIns="46800" bIns="46800"/>
+                    <a:p>
+                      <a:pPr algn="ctr"/>
+                      <a:r>
+                        <a:rPr b="0" lang="fr-BE" sz="1800" spc="-1" strike="noStrike">
+                          <a:solidFill>
+                            <a:srgbClr val="000000"/>
+                          </a:solidFill>
+                          <a:uFill>
+                            <a:solidFill>
+                              <a:srgbClr val="ffffff"/>
+                            </a:solidFill>
+                          </a:uFill>
+                          <a:latin typeface="Arial"/>
+                        </a:rPr>
+                        <a:t>6</a:t>
+                      </a:r>
+                      <a:endParaRPr b="0" lang="fr-BE" sz="1800" spc="-1" strike="noStrike">
+                        <a:solidFill>
+                          <a:srgbClr val="000000"/>
+                        </a:solidFill>
+                        <a:uFill>
+                          <a:solidFill>
+                            <a:srgbClr val="ffffff"/>
+                          </a:solidFill>
+                        </a:uFill>
+                        <a:latin typeface="Arial"/>
+                      </a:endParaRPr>
+                    </a:p>
+                  </a:txBody>
+                  <a:tcPr marL="90000" marR="90000">
+                    <a:lnL w="720">
+                      <a:solidFill>
+                        <a:srgbClr val="ffffff"/>
+                      </a:solidFill>
+                    </a:lnL>
+                    <a:lnR w="720">
+                      <a:solidFill>
+                        <a:srgbClr val="ffffff"/>
+                      </a:solidFill>
+                    </a:lnR>
+                    <a:lnT w="720">
+                      <a:solidFill>
+                        <a:srgbClr val="ffffff"/>
+                      </a:solidFill>
+                    </a:lnT>
+                    <a:lnB w="720">
+                      <a:solidFill>
+                        <a:srgbClr val="ffffff"/>
+                      </a:solidFill>
+                    </a:lnB>
+                    <a:solidFill>
+                      <a:srgbClr val="e6e6e6"/>
+                    </a:solidFill>
+                  </a:tcPr>
+                </a:tc>
+                <a:tc>
+                  <a:txBody>
+                    <a:bodyPr lIns="90000" rIns="90000" tIns="46800" bIns="46800"/>
+                    <a:p>
+                      <a:pPr algn="ctr"/>
+                      <a:r>
+                        <a:rPr b="0" lang="fr-BE" sz="1800" spc="-1" strike="noStrike">
+                          <a:solidFill>
+                            <a:srgbClr val="000000"/>
+                          </a:solidFill>
+                          <a:uFill>
+                            <a:solidFill>
+                              <a:srgbClr val="ffffff"/>
+                            </a:solidFill>
+                          </a:uFill>
+                          <a:latin typeface="Arial"/>
+                          <a:ea typeface="Noto Sans CJK SC Regular"/>
+                        </a:rPr>
+                        <a:t>Ridge Classifier</a:t>
+                      </a:r>
+                      <a:endParaRPr b="0" lang="fr-BE" sz="1800" spc="-1" strike="noStrike">
+                        <a:solidFill>
+                          <a:srgbClr val="000000"/>
+                        </a:solidFill>
+                        <a:uFill>
+                          <a:solidFill>
+                            <a:srgbClr val="ffffff"/>
+                          </a:solidFill>
+                        </a:uFill>
+                        <a:latin typeface="Arial"/>
+                      </a:endParaRPr>
+                    </a:p>
+                  </a:txBody>
+                  <a:tcPr marL="90000" marR="90000">
+                    <a:lnL w="720">
+                      <a:solidFill>
+                        <a:srgbClr val="ffffff"/>
+                      </a:solidFill>
+                    </a:lnL>
+                    <a:lnR w="720">
+                      <a:solidFill>
+                        <a:srgbClr val="ffffff"/>
+                      </a:solidFill>
+                    </a:lnR>
+                    <a:lnT w="720">
+                      <a:solidFill>
+                        <a:srgbClr val="ffffff"/>
+                      </a:solidFill>
+                    </a:lnT>
+                    <a:lnB w="720">
+                      <a:solidFill>
+                        <a:srgbClr val="ffffff"/>
+                      </a:solidFill>
+                    </a:lnB>
+                    <a:solidFill>
+                      <a:srgbClr val="e6e6e6"/>
+                    </a:solidFill>
+                  </a:tcPr>
+                </a:tc>
+                <a:tc>
+                  <a:txBody>
+                    <a:bodyPr lIns="90000" rIns="90000" tIns="46800" bIns="46800"/>
+                    <a:p>
+                      <a:pPr algn="ctr"/>
+                      <a:r>
+                        <a:rPr b="0" lang="fr-BE" sz="1800" spc="-1" strike="noStrike">
+                          <a:solidFill>
+                            <a:srgbClr val="000000"/>
+                          </a:solidFill>
+                          <a:uFill>
+                            <a:solidFill>
+                              <a:srgbClr val="ffffff"/>
+                            </a:solidFill>
+                          </a:uFill>
+                          <a:latin typeface="Arial"/>
+                          <a:ea typeface="Noto Sans CJK SC Regular"/>
+                        </a:rPr>
+                        <a:t>Tf-Idf </a:t>
+                      </a:r>
+                      <a:endParaRPr b="0" lang="fr-BE" sz="1800" spc="-1" strike="noStrike">
+                        <a:solidFill>
+                          <a:srgbClr val="000000"/>
+                        </a:solidFill>
+                        <a:uFill>
+                          <a:solidFill>
+                            <a:srgbClr val="ffffff"/>
+                          </a:solidFill>
+                        </a:uFill>
+                        <a:latin typeface="Arial"/>
+                      </a:endParaRPr>
+                    </a:p>
+                  </a:txBody>
+                  <a:tcPr marL="90000" marR="90000">
+                    <a:lnL w="720">
+                      <a:solidFill>
+                        <a:srgbClr val="ffffff"/>
+                      </a:solidFill>
+                    </a:lnL>
+                    <a:lnR w="720">
+                      <a:solidFill>
+                        <a:srgbClr val="ffffff"/>
+                      </a:solidFill>
+                    </a:lnR>
+                    <a:lnT w="720">
+                      <a:solidFill>
+                        <a:srgbClr val="ffffff"/>
+                      </a:solidFill>
+                    </a:lnT>
+                    <a:lnB w="720">
+                      <a:solidFill>
+                        <a:srgbClr val="ffffff"/>
+                      </a:solidFill>
+                    </a:lnB>
+                    <a:solidFill>
+                      <a:srgbClr val="e6e6e6"/>
+                    </a:solidFill>
+                  </a:tcPr>
+                </a:tc>
+                <a:tc>
+                  <a:txBody>
+                    <a:bodyPr lIns="90000" rIns="90000" tIns="46800" bIns="46800"/>
+                    <a:p>
+                      <a:pPr algn="ctr"/>
+                      <a:r>
+                        <a:rPr b="0" lang="fr-BE" sz="1800" spc="-1" strike="noStrike">
+                          <a:solidFill>
+                            <a:srgbClr val="000000"/>
+                          </a:solidFill>
+                          <a:uFill>
+                            <a:solidFill>
+                              <a:srgbClr val="ffffff"/>
+                            </a:solidFill>
+                          </a:uFill>
+                          <a:latin typeface="Arial"/>
+                        </a:rPr>
+                        <a:t>0.9702</a:t>
+                      </a:r>
+                      <a:endParaRPr b="0" lang="fr-BE" sz="1800" spc="-1" strike="noStrike">
+                        <a:solidFill>
+                          <a:srgbClr val="000000"/>
+                        </a:solidFill>
+                        <a:uFill>
+                          <a:solidFill>
+                            <a:srgbClr val="ffffff"/>
+                          </a:solidFill>
+                        </a:uFill>
+                        <a:latin typeface="Arial"/>
+                      </a:endParaRPr>
+                    </a:p>
+                  </a:txBody>
+                  <a:tcPr marL="90000" marR="90000">
+                    <a:lnL w="720">
+                      <a:solidFill>
+                        <a:srgbClr val="ffffff"/>
+                      </a:solidFill>
+                    </a:lnL>
+                    <a:lnR w="720">
+                      <a:solidFill>
+                        <a:srgbClr val="ffffff"/>
+                      </a:solidFill>
+                    </a:lnR>
+                    <a:lnT w="720">
+                      <a:solidFill>
+                        <a:srgbClr val="ffffff"/>
+                      </a:solidFill>
+                    </a:lnT>
+                    <a:lnB w="720">
+                      <a:solidFill>
+                        <a:srgbClr val="ffffff"/>
+                      </a:solidFill>
+                    </a:lnB>
+                    <a:solidFill>
+                      <a:srgbClr val="e6e6e6"/>
+                    </a:solidFill>
+                  </a:tcPr>
+                </a:tc>
+              </a:tr>
+              <a:tr h="1244880">
+                <a:tc>
+                  <a:txBody>
+                    <a:bodyPr lIns="90000" rIns="90000" tIns="46800" bIns="46800"/>
+                    <a:p>
+                      <a:pPr algn="ctr"/>
+                      <a:r>
+                        <a:rPr b="0" lang="fr-BE" sz="1800" spc="-1" strike="noStrike">
+                          <a:solidFill>
+                            <a:srgbClr val="000000"/>
+                          </a:solidFill>
+                          <a:uFill>
+                            <a:solidFill>
+                              <a:srgbClr val="ffffff"/>
+                            </a:solidFill>
+                          </a:uFill>
+                          <a:latin typeface="Arial"/>
+                        </a:rPr>
+                        <a:t>6</a:t>
+                      </a:r>
+                      <a:endParaRPr b="0" lang="fr-BE" sz="1800" spc="-1" strike="noStrike">
+                        <a:solidFill>
+                          <a:srgbClr val="000000"/>
+                        </a:solidFill>
+                        <a:uFill>
+                          <a:solidFill>
+                            <a:srgbClr val="ffffff"/>
+                          </a:solidFill>
+                        </a:uFill>
+                        <a:latin typeface="Arial"/>
+                      </a:endParaRPr>
+                    </a:p>
+                  </a:txBody>
+                  <a:tcPr marL="90000" marR="90000">
+                    <a:lnL w="720">
+                      <a:solidFill>
+                        <a:srgbClr val="ffffff"/>
+                      </a:solidFill>
+                    </a:lnL>
+                    <a:lnR w="720">
+                      <a:solidFill>
+                        <a:srgbClr val="ffffff"/>
+                      </a:solidFill>
+                    </a:lnR>
+                    <a:lnT w="720">
+                      <a:solidFill>
+                        <a:srgbClr val="ffffff"/>
+                      </a:solidFill>
+                    </a:lnT>
+                    <a:lnB w="720">
+                      <a:solidFill>
+                        <a:srgbClr val="ffffff"/>
+                      </a:solidFill>
+                    </a:lnB>
+                    <a:solidFill>
+                      <a:srgbClr val="cccccc"/>
+                    </a:solidFill>
+                  </a:tcPr>
+                </a:tc>
+                <a:tc>
+                  <a:txBody>
+                    <a:bodyPr lIns="90000" rIns="90000" tIns="46800" bIns="46800"/>
+                    <a:p>
+                      <a:pPr algn="ctr"/>
+                      <a:r>
+                        <a:rPr b="0" lang="fr-BE" sz="1800" spc="-1" strike="noStrike">
+                          <a:solidFill>
+                            <a:srgbClr val="000000"/>
+                          </a:solidFill>
+                          <a:uFill>
+                            <a:solidFill>
+                              <a:srgbClr val="ffffff"/>
+                            </a:solidFill>
+                          </a:uFill>
+                          <a:latin typeface="Arial"/>
+                          <a:ea typeface="Noto Sans CJK SC Regular"/>
+                        </a:rPr>
+                        <a:t>Passive-Aggressive</a:t>
+                      </a:r>
+                      <a:endParaRPr b="0" lang="fr-BE" sz="1800" spc="-1" strike="noStrike">
+                        <a:solidFill>
+                          <a:srgbClr val="000000"/>
+                        </a:solidFill>
+                        <a:uFill>
+                          <a:solidFill>
+                            <a:srgbClr val="ffffff"/>
+                          </a:solidFill>
+                        </a:uFill>
+                        <a:latin typeface="Arial"/>
+                      </a:endParaRPr>
+                    </a:p>
+                  </a:txBody>
+                  <a:tcPr marL="90000" marR="90000">
+                    <a:lnL w="720">
+                      <a:solidFill>
+                        <a:srgbClr val="ffffff"/>
+                      </a:solidFill>
+                    </a:lnL>
+                    <a:lnR w="720">
+                      <a:solidFill>
+                        <a:srgbClr val="ffffff"/>
+                      </a:solidFill>
+                    </a:lnR>
+                    <a:lnT w="720">
+                      <a:solidFill>
+                        <a:srgbClr val="ffffff"/>
+                      </a:solidFill>
+                    </a:lnT>
+                    <a:lnB w="720">
+                      <a:solidFill>
+                        <a:srgbClr val="ffffff"/>
+                      </a:solidFill>
+                    </a:lnB>
+                    <a:solidFill>
+                      <a:srgbClr val="cccccc"/>
+                    </a:solidFill>
+                  </a:tcPr>
+                </a:tc>
+                <a:tc>
+                  <a:txBody>
+                    <a:bodyPr lIns="90000" rIns="90000" tIns="46800" bIns="46800"/>
+                    <a:p>
+                      <a:pPr algn="ctr"/>
+                      <a:r>
+                        <a:rPr b="0" lang="fr-BE" sz="1800" spc="-1" strike="noStrike">
+                          <a:solidFill>
+                            <a:srgbClr val="000000"/>
+                          </a:solidFill>
+                          <a:uFill>
+                            <a:solidFill>
+                              <a:srgbClr val="ffffff"/>
+                            </a:solidFill>
+                          </a:uFill>
+                          <a:latin typeface="Arial"/>
+                          <a:ea typeface="Noto Sans CJK SC Regular"/>
+                        </a:rPr>
+                        <a:t>Tf-Idf </a:t>
+                      </a:r>
+                      <a:endParaRPr b="0" lang="fr-BE" sz="1800" spc="-1" strike="noStrike">
+                        <a:solidFill>
+                          <a:srgbClr val="000000"/>
+                        </a:solidFill>
+                        <a:uFill>
+                          <a:solidFill>
+                            <a:srgbClr val="ffffff"/>
+                          </a:solidFill>
+                        </a:uFill>
+                        <a:latin typeface="Arial"/>
+                      </a:endParaRPr>
+                    </a:p>
+                    <a:p>
+                      <a:pPr algn="ctr"/>
+                      <a:r>
+                        <a:rPr b="0" lang="fr-BE" sz="1800" spc="-1" strike="noStrike">
+                          <a:solidFill>
+                            <a:srgbClr val="000000"/>
+                          </a:solidFill>
+                          <a:uFill>
+                            <a:solidFill>
+                              <a:srgbClr val="ffffff"/>
+                            </a:solidFill>
+                          </a:uFill>
+                          <a:latin typeface="Arial"/>
+                          <a:ea typeface="Noto Sans CJK SC Regular"/>
+                        </a:rPr>
+                        <a:t>Sentiments</a:t>
+                      </a:r>
+                      <a:endParaRPr b="0" lang="fr-BE" sz="1800" spc="-1" strike="noStrike">
+                        <a:solidFill>
+                          <a:srgbClr val="000000"/>
+                        </a:solidFill>
+                        <a:uFill>
+                          <a:solidFill>
+                            <a:srgbClr val="ffffff"/>
+                          </a:solidFill>
+                        </a:uFill>
+                        <a:latin typeface="Arial"/>
+                      </a:endParaRPr>
+                    </a:p>
+                    <a:p>
+                      <a:pPr algn="ctr"/>
+                      <a:r>
+                        <a:rPr b="0" lang="fr-BE" sz="1800" spc="-1" strike="noStrike">
+                          <a:solidFill>
+                            <a:srgbClr val="000000"/>
+                          </a:solidFill>
+                          <a:uFill>
+                            <a:solidFill>
+                              <a:srgbClr val="ffffff"/>
+                            </a:solidFill>
+                          </a:uFill>
+                          <a:latin typeface="Arial"/>
+                          <a:ea typeface="Noto Sans CJK SC Regular"/>
+                        </a:rPr>
+                        <a:t>  </a:t>
+                      </a:r>
+                      <a:r>
+                        <a:rPr b="0" lang="fr-BE" sz="1800" spc="-1" strike="noStrike">
+                          <a:solidFill>
+                            <a:srgbClr val="000000"/>
+                          </a:solidFill>
+                          <a:uFill>
+                            <a:solidFill>
+                              <a:srgbClr val="ffffff"/>
+                            </a:solidFill>
+                          </a:uFill>
+                          <a:latin typeface="Arial"/>
+                          <a:ea typeface="Noto Sans CJK SC Regular"/>
+                        </a:rPr>
+                        <a:t>Pronoms</a:t>
+                      </a:r>
+                      <a:endParaRPr b="0" lang="fr-BE" sz="1800" spc="-1" strike="noStrike">
+                        <a:solidFill>
+                          <a:srgbClr val="000000"/>
+                        </a:solidFill>
+                        <a:uFill>
+                          <a:solidFill>
+                            <a:srgbClr val="ffffff"/>
+                          </a:solidFill>
+                        </a:uFill>
+                        <a:latin typeface="Arial"/>
+                      </a:endParaRPr>
+                    </a:p>
+                  </a:txBody>
+                  <a:tcPr marL="90000" marR="90000">
+                    <a:lnL w="720">
+                      <a:solidFill>
+                        <a:srgbClr val="ffffff"/>
+                      </a:solidFill>
+                    </a:lnL>
+                    <a:lnR w="720">
+                      <a:solidFill>
+                        <a:srgbClr val="ffffff"/>
+                      </a:solidFill>
+                    </a:lnR>
+                    <a:lnT w="720">
+                      <a:solidFill>
+                        <a:srgbClr val="ffffff"/>
+                      </a:solidFill>
+                    </a:lnT>
+                    <a:lnB w="720">
+                      <a:solidFill>
+                        <a:srgbClr val="ffffff"/>
+                      </a:solidFill>
+                    </a:lnB>
+                    <a:solidFill>
+                      <a:srgbClr val="cccccc"/>
+                    </a:solidFill>
+                  </a:tcPr>
+                </a:tc>
+                <a:tc>
+                  <a:txBody>
+                    <a:bodyPr lIns="90000" rIns="90000" tIns="46800" bIns="46800"/>
+                    <a:p>
+                      <a:pPr algn="ctr"/>
+                      <a:r>
+                        <a:rPr b="0" lang="fr-BE" sz="1800" spc="-1" strike="noStrike">
+                          <a:solidFill>
+                            <a:srgbClr val="000000"/>
+                          </a:solidFill>
+                          <a:uFill>
+                            <a:solidFill>
+                              <a:srgbClr val="ffffff"/>
+                            </a:solidFill>
+                          </a:uFill>
+                          <a:latin typeface="Arial"/>
+                        </a:rPr>
+                        <a:t>0.9702</a:t>
+                      </a:r>
+                      <a:endParaRPr b="0" lang="fr-BE" sz="1800" spc="-1" strike="noStrike">
+                        <a:solidFill>
+                          <a:srgbClr val="000000"/>
+                        </a:solidFill>
+                        <a:uFill>
+                          <a:solidFill>
+                            <a:srgbClr val="ffffff"/>
+                          </a:solidFill>
+                        </a:uFill>
+                        <a:latin typeface="Arial"/>
+                      </a:endParaRPr>
+                    </a:p>
+                  </a:txBody>
+                  <a:tcPr marL="90000" marR="90000">
+                    <a:lnL w="720">
+                      <a:solidFill>
+                        <a:srgbClr val="ffffff"/>
+                      </a:solidFill>
+                    </a:lnL>
+                    <a:lnR w="720">
+                      <a:solidFill>
+                        <a:srgbClr val="ffffff"/>
+                      </a:solidFill>
+                    </a:lnR>
+                    <a:lnT w="720">
+                      <a:solidFill>
+                        <a:srgbClr val="ffffff"/>
+                      </a:solidFill>
+                    </a:lnT>
+                    <a:lnB w="720">
+                      <a:solidFill>
+                        <a:srgbClr val="ffffff"/>
+                      </a:solidFill>
+                    </a:lnB>
+                    <a:solidFill>
+                      <a:srgbClr val="cccccc"/>
+                    </a:solidFill>
+                  </a:tcPr>
+                </a:tc>
+              </a:tr>
+              <a:tr h="875520">
+                <a:tc>
+                  <a:txBody>
+                    <a:bodyPr lIns="90000" rIns="90000" tIns="46800" bIns="46800"/>
+                    <a:p>
+                      <a:pPr algn="ctr"/>
+                      <a:r>
+                        <a:rPr b="0" lang="fr-BE" sz="1800" spc="-1" strike="noStrike">
+                          <a:solidFill>
+                            <a:srgbClr val="000000"/>
+                          </a:solidFill>
+                          <a:uFill>
+                            <a:solidFill>
+                              <a:srgbClr val="ffffff"/>
+                            </a:solidFill>
+                          </a:uFill>
+                          <a:latin typeface="Arial"/>
+                        </a:rPr>
+                        <a:t>8</a:t>
+                      </a:r>
+                      <a:endParaRPr b="0" lang="fr-BE" sz="1800" spc="-1" strike="noStrike">
+                        <a:solidFill>
+                          <a:srgbClr val="000000"/>
+                        </a:solidFill>
+                        <a:uFill>
+                          <a:solidFill>
+                            <a:srgbClr val="ffffff"/>
+                          </a:solidFill>
+                        </a:uFill>
+                        <a:latin typeface="Arial"/>
+                      </a:endParaRPr>
+                    </a:p>
+                  </a:txBody>
+                  <a:tcPr marL="90000" marR="90000">
+                    <a:lnL w="720">
+                      <a:solidFill>
+                        <a:srgbClr val="ffffff"/>
+                      </a:solidFill>
+                    </a:lnL>
+                    <a:lnR w="720">
+                      <a:solidFill>
+                        <a:srgbClr val="ffffff"/>
+                      </a:solidFill>
+                    </a:lnR>
+                    <a:lnT w="720">
+                      <a:solidFill>
+                        <a:srgbClr val="ffffff"/>
+                      </a:solidFill>
+                    </a:lnT>
+                    <a:lnB w="720">
+                      <a:solidFill>
+                        <a:srgbClr val="ffffff"/>
+                      </a:solidFill>
+                    </a:lnB>
+                    <a:solidFill>
+                      <a:srgbClr val="e6e6e6"/>
+                    </a:solidFill>
+                  </a:tcPr>
+                </a:tc>
+                <a:tc>
+                  <a:txBody>
+                    <a:bodyPr lIns="90000" rIns="90000" tIns="46800" bIns="46800"/>
+                    <a:p>
+                      <a:pPr algn="ctr"/>
+                      <a:r>
+                        <a:rPr b="0" lang="fr-BE" sz="1800" spc="-1" strike="noStrike">
+                          <a:solidFill>
+                            <a:srgbClr val="000000"/>
+                          </a:solidFill>
+                          <a:uFill>
+                            <a:solidFill>
+                              <a:srgbClr val="ffffff"/>
+                            </a:solidFill>
+                          </a:uFill>
+                          <a:latin typeface="Arial"/>
+                          <a:ea typeface="Noto Sans CJK SC Regular"/>
+                        </a:rPr>
+                        <a:t>Passive-Aggressive</a:t>
+                      </a:r>
+                      <a:endParaRPr b="0" lang="fr-BE" sz="1800" spc="-1" strike="noStrike">
+                        <a:solidFill>
+                          <a:srgbClr val="000000"/>
+                        </a:solidFill>
+                        <a:uFill>
+                          <a:solidFill>
+                            <a:srgbClr val="ffffff"/>
+                          </a:solidFill>
+                        </a:uFill>
+                        <a:latin typeface="Arial"/>
+                      </a:endParaRPr>
+                    </a:p>
+                  </a:txBody>
+                  <a:tcPr marL="90000" marR="90000">
+                    <a:lnL w="720">
+                      <a:solidFill>
+                        <a:srgbClr val="ffffff"/>
+                      </a:solidFill>
+                    </a:lnL>
+                    <a:lnR w="720">
+                      <a:solidFill>
+                        <a:srgbClr val="ffffff"/>
+                      </a:solidFill>
+                    </a:lnR>
+                    <a:lnT w="720">
+                      <a:solidFill>
+                        <a:srgbClr val="ffffff"/>
+                      </a:solidFill>
+                    </a:lnT>
+                    <a:lnB w="720">
+                      <a:solidFill>
+                        <a:srgbClr val="ffffff"/>
+                      </a:solidFill>
+                    </a:lnB>
+                    <a:solidFill>
+                      <a:srgbClr val="e6e6e6"/>
+                    </a:solidFill>
+                  </a:tcPr>
+                </a:tc>
+                <a:tc>
+                  <a:txBody>
+                    <a:bodyPr lIns="90000" rIns="90000" tIns="46800" bIns="46800"/>
+                    <a:p>
+                      <a:pPr algn="ctr"/>
+                      <a:r>
+                        <a:rPr b="0" lang="fr-BE" sz="1800" spc="-1" strike="noStrike">
+                          <a:solidFill>
+                            <a:srgbClr val="000000"/>
+                          </a:solidFill>
+                          <a:uFill>
+                            <a:solidFill>
+                              <a:srgbClr val="ffffff"/>
+                            </a:solidFill>
+                          </a:uFill>
+                          <a:latin typeface="Arial"/>
+                          <a:ea typeface="Noto Sans CJK SC Regular"/>
+                        </a:rPr>
+                        <a:t>Tf-Idf </a:t>
+                      </a:r>
+                      <a:endParaRPr b="0" lang="fr-BE" sz="1800" spc="-1" strike="noStrike">
+                        <a:solidFill>
+                          <a:srgbClr val="000000"/>
+                        </a:solidFill>
+                        <a:uFill>
+                          <a:solidFill>
+                            <a:srgbClr val="ffffff"/>
+                          </a:solidFill>
+                        </a:uFill>
+                        <a:latin typeface="Arial"/>
+                      </a:endParaRPr>
+                    </a:p>
+                    <a:p>
+                      <a:pPr algn="ctr"/>
+                      <a:r>
+                        <a:rPr b="0" lang="fr-BE" sz="1800" spc="-1" strike="noStrike">
+                          <a:solidFill>
+                            <a:srgbClr val="000000"/>
+                          </a:solidFill>
+                          <a:uFill>
+                            <a:solidFill>
+                              <a:srgbClr val="ffffff"/>
+                            </a:solidFill>
+                          </a:uFill>
+                          <a:latin typeface="Arial"/>
+                          <a:ea typeface="Noto Sans CJK SC Regular"/>
+                        </a:rPr>
+                        <a:t>Pronoms</a:t>
+                      </a:r>
+                      <a:endParaRPr b="0" lang="fr-BE" sz="1800" spc="-1" strike="noStrike">
+                        <a:solidFill>
+                          <a:srgbClr val="000000"/>
+                        </a:solidFill>
+                        <a:uFill>
+                          <a:solidFill>
+                            <a:srgbClr val="ffffff"/>
+                          </a:solidFill>
+                        </a:uFill>
+                        <a:latin typeface="Arial"/>
+                      </a:endParaRPr>
+                    </a:p>
+                  </a:txBody>
+                  <a:tcPr marL="90000" marR="90000">
+                    <a:lnL w="720">
+                      <a:solidFill>
+                        <a:srgbClr val="ffffff"/>
+                      </a:solidFill>
+                    </a:lnL>
+                    <a:lnR w="720">
+                      <a:solidFill>
+                        <a:srgbClr val="ffffff"/>
+                      </a:solidFill>
+                    </a:lnR>
+                    <a:lnT w="720">
+                      <a:solidFill>
+                        <a:srgbClr val="ffffff"/>
+                      </a:solidFill>
+                    </a:lnT>
+                    <a:lnB w="720">
+                      <a:solidFill>
+                        <a:srgbClr val="ffffff"/>
+                      </a:solidFill>
+                    </a:lnB>
+                    <a:solidFill>
+                      <a:srgbClr val="e6e6e6"/>
+                    </a:solidFill>
+                  </a:tcPr>
+                </a:tc>
+                <a:tc>
+                  <a:txBody>
+                    <a:bodyPr lIns="90000" rIns="90000" tIns="46800" bIns="46800"/>
+                    <a:p>
+                      <a:pPr algn="ctr"/>
+                      <a:r>
+                        <a:rPr b="0" lang="fr-BE" sz="1800" spc="-1" strike="noStrike">
+                          <a:solidFill>
+                            <a:srgbClr val="000000"/>
+                          </a:solidFill>
+                          <a:uFill>
+                            <a:solidFill>
+                              <a:srgbClr val="ffffff"/>
+                            </a:solidFill>
+                          </a:uFill>
+                          <a:latin typeface="Arial"/>
+                        </a:rPr>
+                        <a:t>0.96</a:t>
+                      </a:r>
+                      <a:endParaRPr b="0" lang="fr-BE" sz="1800" spc="-1" strike="noStrike">
+                        <a:solidFill>
+                          <a:srgbClr val="000000"/>
+                        </a:solidFill>
+                        <a:uFill>
+                          <a:solidFill>
+                            <a:srgbClr val="ffffff"/>
+                          </a:solidFill>
+                        </a:uFill>
+                        <a:latin typeface="Arial"/>
+                      </a:endParaRPr>
+                    </a:p>
+                  </a:txBody>
+                  <a:tcPr marL="90000" marR="90000">
+                    <a:lnL w="720">
+                      <a:solidFill>
+                        <a:srgbClr val="ffffff"/>
+                      </a:solidFill>
+                    </a:lnL>
+                    <a:lnR w="720">
+                      <a:solidFill>
+                        <a:srgbClr val="ffffff"/>
+                      </a:solidFill>
+                    </a:lnR>
+                    <a:lnT w="720">
+                      <a:solidFill>
+                        <a:srgbClr val="ffffff"/>
+                      </a:solidFill>
+                    </a:lnT>
+                    <a:lnB w="720">
+                      <a:solidFill>
+                        <a:srgbClr val="ffffff"/>
+                      </a:solidFill>
+                    </a:lnB>
+                    <a:solidFill>
+                      <a:srgbClr val="e6e6e6"/>
+                    </a:solidFill>
+                  </a:tcPr>
+                </a:tc>
+              </a:tr>
+              <a:tr h="875520">
+                <a:tc>
+                  <a:txBody>
+                    <a:bodyPr lIns="90000" rIns="90000" tIns="46800" bIns="46800"/>
+                    <a:p>
+                      <a:pPr algn="ctr"/>
+                      <a:r>
+                        <a:rPr b="0" lang="fr-BE" sz="1800" spc="-1" strike="noStrike">
+                          <a:solidFill>
+                            <a:srgbClr val="000000"/>
+                          </a:solidFill>
+                          <a:uFill>
+                            <a:solidFill>
+                              <a:srgbClr val="ffffff"/>
+                            </a:solidFill>
+                          </a:uFill>
+                          <a:latin typeface="Arial"/>
+                        </a:rPr>
+                        <a:t>9</a:t>
+                      </a:r>
+                      <a:endParaRPr b="0" lang="fr-BE" sz="1800" spc="-1" strike="noStrike">
+                        <a:solidFill>
+                          <a:srgbClr val="000000"/>
+                        </a:solidFill>
+                        <a:uFill>
+                          <a:solidFill>
+                            <a:srgbClr val="ffffff"/>
+                          </a:solidFill>
+                        </a:uFill>
+                        <a:latin typeface="Arial"/>
+                      </a:endParaRPr>
+                    </a:p>
+                  </a:txBody>
+                  <a:tcPr marL="90000" marR="90000">
+                    <a:lnL w="720">
+                      <a:solidFill>
+                        <a:srgbClr val="ffffff"/>
+                      </a:solidFill>
+                    </a:lnL>
+                    <a:lnR w="720">
+                      <a:solidFill>
+                        <a:srgbClr val="ffffff"/>
+                      </a:solidFill>
+                    </a:lnR>
+                    <a:lnT w="720">
+                      <a:solidFill>
+                        <a:srgbClr val="ffffff"/>
+                      </a:solidFill>
+                    </a:lnT>
+                    <a:lnB w="720">
+                      <a:solidFill>
+                        <a:srgbClr val="ffffff"/>
+                      </a:solidFill>
+                    </a:lnB>
+                    <a:solidFill>
+                      <a:srgbClr val="cccccc"/>
+                    </a:solidFill>
+                  </a:tcPr>
+                </a:tc>
+                <a:tc>
+                  <a:txBody>
+                    <a:bodyPr lIns="90000" rIns="90000" tIns="46800" bIns="46800"/>
+                    <a:p>
+                      <a:pPr algn="ctr"/>
+                      <a:r>
+                        <a:rPr b="0" lang="fr-BE" sz="1800" spc="-1" strike="noStrike">
+                          <a:solidFill>
+                            <a:srgbClr val="000000"/>
+                          </a:solidFill>
+                          <a:uFill>
+                            <a:solidFill>
+                              <a:srgbClr val="ffffff"/>
+                            </a:solidFill>
+                          </a:uFill>
+                          <a:latin typeface="Arial"/>
+                          <a:ea typeface="Noto Sans CJK SC Regular"/>
+                        </a:rPr>
+                        <a:t>Logistic regression</a:t>
+                      </a:r>
+                      <a:endParaRPr b="0" lang="fr-BE" sz="1800" spc="-1" strike="noStrike">
+                        <a:solidFill>
+                          <a:srgbClr val="000000"/>
+                        </a:solidFill>
+                        <a:uFill>
+                          <a:solidFill>
+                            <a:srgbClr val="ffffff"/>
+                          </a:solidFill>
+                        </a:uFill>
+                        <a:latin typeface="Arial"/>
+                      </a:endParaRPr>
+                    </a:p>
+                  </a:txBody>
+                  <a:tcPr marL="90000" marR="90000">
+                    <a:lnL w="720">
+                      <a:solidFill>
+                        <a:srgbClr val="ffffff"/>
+                      </a:solidFill>
+                    </a:lnL>
+                    <a:lnR w="720">
+                      <a:solidFill>
+                        <a:srgbClr val="ffffff"/>
+                      </a:solidFill>
+                    </a:lnR>
+                    <a:lnT w="720">
+                      <a:solidFill>
+                        <a:srgbClr val="ffffff"/>
+                      </a:solidFill>
+                    </a:lnT>
+                    <a:lnB w="720">
+                      <a:solidFill>
+                        <a:srgbClr val="ffffff"/>
+                      </a:solidFill>
+                    </a:lnB>
+                    <a:solidFill>
+                      <a:srgbClr val="cccccc"/>
+                    </a:solidFill>
+                  </a:tcPr>
+                </a:tc>
+                <a:tc>
+                  <a:txBody>
+                    <a:bodyPr lIns="90000" rIns="90000" tIns="46800" bIns="46800"/>
+                    <a:p>
+                      <a:pPr algn="ctr"/>
+                      <a:r>
+                        <a:rPr b="0" lang="fr-BE" sz="1800" spc="-1" strike="noStrike">
+                          <a:solidFill>
+                            <a:srgbClr val="000000"/>
+                          </a:solidFill>
+                          <a:uFill>
+                            <a:solidFill>
+                              <a:srgbClr val="ffffff"/>
+                            </a:solidFill>
+                          </a:uFill>
+                          <a:latin typeface="Arial"/>
+                          <a:ea typeface="Noto Sans CJK SC Regular"/>
+                        </a:rPr>
+                        <a:t>Tf-Idf </a:t>
+                      </a:r>
+                      <a:endParaRPr b="0" lang="fr-BE" sz="1800" spc="-1" strike="noStrike">
+                        <a:solidFill>
+                          <a:srgbClr val="000000"/>
+                        </a:solidFill>
+                        <a:uFill>
+                          <a:solidFill>
+                            <a:srgbClr val="ffffff"/>
+                          </a:solidFill>
+                        </a:uFill>
+                        <a:latin typeface="Arial"/>
+                      </a:endParaRPr>
+                    </a:p>
+                    <a:p>
+                      <a:pPr algn="ctr"/>
+                      <a:r>
+                        <a:rPr b="0" lang="fr-BE" sz="1800" spc="-1" strike="noStrike">
+                          <a:solidFill>
+                            <a:srgbClr val="000000"/>
+                          </a:solidFill>
+                          <a:uFill>
+                            <a:solidFill>
+                              <a:srgbClr val="ffffff"/>
+                            </a:solidFill>
+                          </a:uFill>
+                          <a:latin typeface="Arial"/>
+                          <a:ea typeface="Noto Sans CJK SC Regular"/>
+                        </a:rPr>
+                        <a:t>Text_Count </a:t>
+                      </a:r>
+                      <a:endParaRPr b="0" lang="fr-BE" sz="1800" spc="-1" strike="noStrike">
+                        <a:solidFill>
+                          <a:srgbClr val="000000"/>
+                        </a:solidFill>
+                        <a:uFill>
+                          <a:solidFill>
+                            <a:srgbClr val="ffffff"/>
+                          </a:solidFill>
+                        </a:uFill>
+                        <a:latin typeface="Arial"/>
+                      </a:endParaRPr>
+                    </a:p>
+                  </a:txBody>
+                  <a:tcPr marL="90000" marR="90000">
+                    <a:lnL w="720">
+                      <a:solidFill>
+                        <a:srgbClr val="ffffff"/>
+                      </a:solidFill>
+                    </a:lnL>
+                    <a:lnR w="720">
+                      <a:solidFill>
+                        <a:srgbClr val="ffffff"/>
+                      </a:solidFill>
+                    </a:lnR>
+                    <a:lnT w="720">
+                      <a:solidFill>
+                        <a:srgbClr val="ffffff"/>
+                      </a:solidFill>
+                    </a:lnT>
+                    <a:lnB w="720">
+                      <a:solidFill>
+                        <a:srgbClr val="ffffff"/>
+                      </a:solidFill>
+                    </a:lnB>
+                    <a:solidFill>
+                      <a:srgbClr val="cccccc"/>
+                    </a:solidFill>
+                  </a:tcPr>
+                </a:tc>
+                <a:tc>
+                  <a:txBody>
+                    <a:bodyPr lIns="90000" rIns="90000" tIns="46800" bIns="46800"/>
+                    <a:p>
+                      <a:pPr algn="ctr"/>
+                      <a:r>
+                        <a:rPr b="0" lang="fr-BE" sz="1800" spc="-1" strike="noStrike">
+                          <a:solidFill>
+                            <a:srgbClr val="000000"/>
+                          </a:solidFill>
+                          <a:uFill>
+                            <a:solidFill>
+                              <a:srgbClr val="ffffff"/>
+                            </a:solidFill>
+                          </a:uFill>
+                          <a:latin typeface="Arial"/>
+                        </a:rPr>
+                        <a:t>0.95</a:t>
+                      </a:r>
+                      <a:endParaRPr b="0" lang="fr-BE" sz="1800" spc="-1" strike="noStrike">
+                        <a:solidFill>
+                          <a:srgbClr val="000000"/>
+                        </a:solidFill>
+                        <a:uFill>
+                          <a:solidFill>
+                            <a:srgbClr val="ffffff"/>
+                          </a:solidFill>
+                        </a:uFill>
+                        <a:latin typeface="Arial"/>
+                      </a:endParaRPr>
+                    </a:p>
+                  </a:txBody>
+                  <a:tcPr marL="90000" marR="90000">
+                    <a:lnL w="720">
+                      <a:solidFill>
+                        <a:srgbClr val="ffffff"/>
+                      </a:solidFill>
+                    </a:lnL>
+                    <a:lnR w="720">
+                      <a:solidFill>
+                        <a:srgbClr val="ffffff"/>
+                      </a:solidFill>
+                    </a:lnR>
+                    <a:lnT w="720">
+                      <a:solidFill>
+                        <a:srgbClr val="ffffff"/>
+                      </a:solidFill>
+                    </a:lnT>
+                    <a:lnB w="720">
+                      <a:solidFill>
+                        <a:srgbClr val="ffffff"/>
+                      </a:solidFill>
+                    </a:lnB>
+                    <a:solidFill>
+                      <a:srgbClr val="cccccc"/>
+                    </a:solidFill>
+                  </a:tcPr>
+                </a:tc>
+              </a:tr>
+              <a:tr h="1245960">
+                <a:tc>
+                  <a:txBody>
+                    <a:bodyPr lIns="90000" rIns="90000" tIns="46800" bIns="46800"/>
+                    <a:p>
+                      <a:pPr algn="ctr"/>
+                      <a:r>
+                        <a:rPr b="0" lang="fr-BE" sz="1800" spc="-1" strike="noStrike">
+                          <a:solidFill>
+                            <a:srgbClr val="000000"/>
+                          </a:solidFill>
+                          <a:uFill>
+                            <a:solidFill>
+                              <a:srgbClr val="ffffff"/>
+                            </a:solidFill>
+                          </a:uFill>
+                          <a:latin typeface="Arial"/>
+                        </a:rPr>
+                        <a:t>10</a:t>
+                      </a:r>
+                      <a:endParaRPr b="0" lang="fr-BE" sz="1800" spc="-1" strike="noStrike">
+                        <a:solidFill>
+                          <a:srgbClr val="000000"/>
+                        </a:solidFill>
+                        <a:uFill>
+                          <a:solidFill>
+                            <a:srgbClr val="ffffff"/>
+                          </a:solidFill>
+                        </a:uFill>
+                        <a:latin typeface="Arial"/>
+                      </a:endParaRPr>
+                    </a:p>
+                  </a:txBody>
+                  <a:tcPr marL="90000" marR="90000">
+                    <a:lnL w="720">
+                      <a:solidFill>
+                        <a:srgbClr val="ffffff"/>
+                      </a:solidFill>
+                    </a:lnL>
+                    <a:lnR w="720">
+                      <a:solidFill>
+                        <a:srgbClr val="ffffff"/>
+                      </a:solidFill>
+                    </a:lnR>
+                    <a:lnT w="720">
+                      <a:solidFill>
+                        <a:srgbClr val="ffffff"/>
+                      </a:solidFill>
+                    </a:lnT>
+                    <a:lnB w="720">
+                      <a:solidFill>
+                        <a:srgbClr val="ffffff"/>
+                      </a:solidFill>
+                    </a:lnB>
+                    <a:solidFill>
+                      <a:srgbClr val="e6e6e6"/>
+                    </a:solidFill>
+                  </a:tcPr>
+                </a:tc>
+                <a:tc>
+                  <a:txBody>
+                    <a:bodyPr lIns="90000" rIns="90000" tIns="46800" bIns="46800"/>
+                    <a:p>
+                      <a:pPr algn="ctr"/>
+                      <a:r>
+                        <a:rPr b="0" lang="fr-BE" sz="1800" spc="-1" strike="noStrike">
+                          <a:solidFill>
+                            <a:srgbClr val="000000"/>
+                          </a:solidFill>
+                          <a:uFill>
+                            <a:solidFill>
+                              <a:srgbClr val="ffffff"/>
+                            </a:solidFill>
+                          </a:uFill>
+                          <a:latin typeface="Arial"/>
+                          <a:ea typeface="Noto Sans CJK SC Regular"/>
+                        </a:rPr>
+                        <a:t>Logistic regression</a:t>
+                      </a:r>
+                      <a:endParaRPr b="0" lang="fr-BE" sz="1800" spc="-1" strike="noStrike">
+                        <a:solidFill>
+                          <a:srgbClr val="000000"/>
+                        </a:solidFill>
+                        <a:uFill>
+                          <a:solidFill>
+                            <a:srgbClr val="ffffff"/>
+                          </a:solidFill>
+                        </a:uFill>
+                        <a:latin typeface="Arial"/>
+                      </a:endParaRPr>
+                    </a:p>
+                  </a:txBody>
+                  <a:tcPr marL="90000" marR="90000">
+                    <a:lnL w="720">
+                      <a:solidFill>
+                        <a:srgbClr val="ffffff"/>
+                      </a:solidFill>
+                    </a:lnL>
+                    <a:lnR w="720">
+                      <a:solidFill>
+                        <a:srgbClr val="ffffff"/>
+                      </a:solidFill>
+                    </a:lnR>
+                    <a:lnT w="720">
+                      <a:solidFill>
+                        <a:srgbClr val="ffffff"/>
+                      </a:solidFill>
+                    </a:lnT>
+                    <a:lnB w="720">
+                      <a:solidFill>
+                        <a:srgbClr val="ffffff"/>
+                      </a:solidFill>
+                    </a:lnB>
+                    <a:solidFill>
+                      <a:srgbClr val="e6e6e6"/>
+                    </a:solidFill>
+                  </a:tcPr>
+                </a:tc>
+                <a:tc>
+                  <a:txBody>
+                    <a:bodyPr lIns="90000" rIns="90000" tIns="46800" bIns="46800" anchor="ctr"/>
+                    <a:p>
+                      <a:pPr algn="ctr"/>
+                      <a:r>
+                        <a:rPr b="0" lang="fr-BE" sz="1800" spc="-1" strike="noStrike">
+                          <a:solidFill>
+                            <a:srgbClr val="000000"/>
+                          </a:solidFill>
+                          <a:uFill>
+                            <a:solidFill>
+                              <a:srgbClr val="ffffff"/>
+                            </a:solidFill>
+                          </a:uFill>
+                          <a:latin typeface="Arial"/>
+                          <a:ea typeface="Noto Sans CJK SC Regular"/>
+                        </a:rPr>
+                        <a:t>Tfidf </a:t>
+                      </a:r>
+                      <a:endParaRPr b="0" lang="fr-BE" sz="1800" spc="-1" strike="noStrike">
+                        <a:solidFill>
+                          <a:srgbClr val="000000"/>
+                        </a:solidFill>
+                        <a:uFill>
+                          <a:solidFill>
+                            <a:srgbClr val="ffffff"/>
+                          </a:solidFill>
+                        </a:uFill>
+                        <a:latin typeface="Arial"/>
+                      </a:endParaRPr>
+                    </a:p>
+                    <a:p>
+                      <a:pPr algn="ctr"/>
+                      <a:r>
+                        <a:rPr b="0" lang="fr-BE" sz="1800" spc="-1" strike="noStrike">
+                          <a:solidFill>
+                            <a:srgbClr val="000000"/>
+                          </a:solidFill>
+                          <a:uFill>
+                            <a:solidFill>
+                              <a:srgbClr val="ffffff"/>
+                            </a:solidFill>
+                          </a:uFill>
+                          <a:latin typeface="Arial"/>
+                          <a:ea typeface="Noto Sans CJK SC Regular"/>
+                        </a:rPr>
+                        <a:t>Text_Count</a:t>
+                      </a:r>
+                      <a:endParaRPr b="0" lang="fr-BE" sz="1800" spc="-1" strike="noStrike">
+                        <a:solidFill>
+                          <a:srgbClr val="000000"/>
+                        </a:solidFill>
+                        <a:uFill>
+                          <a:solidFill>
+                            <a:srgbClr val="ffffff"/>
+                          </a:solidFill>
+                        </a:uFill>
+                        <a:latin typeface="Arial"/>
+                      </a:endParaRPr>
+                    </a:p>
+                    <a:p>
+                      <a:pPr algn="ctr"/>
+                      <a:r>
+                        <a:rPr b="0" lang="fr-BE" sz="1800" spc="-1" strike="noStrike">
+                          <a:solidFill>
+                            <a:srgbClr val="000000"/>
+                          </a:solidFill>
+                          <a:uFill>
+                            <a:solidFill>
+                              <a:srgbClr val="ffffff"/>
+                            </a:solidFill>
+                          </a:uFill>
+                          <a:latin typeface="Arial"/>
+                          <a:ea typeface="Noto Sans CJK SC Regular"/>
+                        </a:rPr>
+                        <a:t> </a:t>
+                      </a:r>
+                      <a:r>
+                        <a:rPr b="0" lang="fr-BE" sz="1800" spc="-1" strike="noStrike">
+                          <a:solidFill>
+                            <a:srgbClr val="000000"/>
+                          </a:solidFill>
+                          <a:uFill>
+                            <a:solidFill>
+                              <a:srgbClr val="ffffff"/>
+                            </a:solidFill>
+                          </a:uFill>
+                          <a:latin typeface="Arial"/>
+                          <a:ea typeface="Noto Sans CJK SC Regular"/>
+                        </a:rPr>
+                        <a:t>Sentiments</a:t>
+                      </a:r>
+                      <a:endParaRPr b="0" lang="fr-BE" sz="1800" spc="-1" strike="noStrike">
+                        <a:solidFill>
+                          <a:srgbClr val="000000"/>
+                        </a:solidFill>
+                        <a:uFill>
+                          <a:solidFill>
+                            <a:srgbClr val="ffffff"/>
+                          </a:solidFill>
+                        </a:uFill>
+                        <a:latin typeface="Arial"/>
+                      </a:endParaRPr>
+                    </a:p>
+                  </a:txBody>
+                  <a:tcPr marL="90000" marR="90000">
+                    <a:lnL w="720">
+                      <a:solidFill>
+                        <a:srgbClr val="ffffff"/>
+                      </a:solidFill>
+                    </a:lnL>
+                    <a:lnR w="720">
+                      <a:solidFill>
+                        <a:srgbClr val="ffffff"/>
+                      </a:solidFill>
+                    </a:lnR>
+                    <a:lnT w="720">
+                      <a:solidFill>
+                        <a:srgbClr val="ffffff"/>
+                      </a:solidFill>
+                    </a:lnT>
+                    <a:lnB w="720">
+                      <a:solidFill>
+                        <a:srgbClr val="ffffff"/>
+                      </a:solidFill>
+                    </a:lnB>
+                    <a:solidFill>
+                      <a:srgbClr val="e6e6e6"/>
+                    </a:solidFill>
+                  </a:tcPr>
+                </a:tc>
+                <a:tc>
+                  <a:txBody>
+                    <a:bodyPr lIns="90000" rIns="90000" tIns="46800" bIns="46800"/>
+                    <a:p>
+                      <a:pPr algn="ctr"/>
+                      <a:r>
+                        <a:rPr b="0" lang="fr-BE" sz="1800" spc="-1" strike="noStrike">
+                          <a:solidFill>
+                            <a:srgbClr val="000000"/>
+                          </a:solidFill>
+                          <a:uFill>
+                            <a:solidFill>
+                              <a:srgbClr val="ffffff"/>
+                            </a:solidFill>
+                          </a:uFill>
+                          <a:latin typeface="Arial"/>
+                        </a:rPr>
+                        <a:t>0.94</a:t>
+                      </a:r>
+                      <a:endParaRPr b="0" lang="fr-BE" sz="1800" spc="-1" strike="noStrike">
+                        <a:solidFill>
+                          <a:srgbClr val="000000"/>
+                        </a:solidFill>
+                        <a:uFill>
+                          <a:solidFill>
+                            <a:srgbClr val="ffffff"/>
+                          </a:solidFill>
+                        </a:uFill>
+                        <a:latin typeface="Arial"/>
+                      </a:endParaRPr>
+                    </a:p>
+                  </a:txBody>
+                  <a:tcPr marL="90000" marR="90000">
+                    <a:lnL w="720">
+                      <a:solidFill>
+                        <a:srgbClr val="ffffff"/>
+                      </a:solidFill>
+                    </a:lnL>
+                    <a:lnR w="720">
+                      <a:solidFill>
+                        <a:srgbClr val="ffffff"/>
+                      </a:solidFill>
+                    </a:lnR>
+                    <a:lnT w="720">
+                      <a:solidFill>
+                        <a:srgbClr val="ffffff"/>
+                      </a:solidFill>
+                    </a:lnT>
+                    <a:lnB w="720">
+                      <a:solidFill>
+                        <a:srgbClr val="ffffff"/>
+                      </a:solidFill>
+                    </a:lnB>
+                    <a:solidFill>
+                      <a:srgbClr val="e6e6e6"/>
+                    </a:solidFill>
+                  </a:tcPr>
+                </a:tc>
+              </a:tr>
+            </a:tbl>
+          </a:graphicData>
+        </a:graphic>
+      </p:graphicFrame>
       <mc:AlternateContent>
         <mc:Choice xmlns:a14="http://schemas.microsoft.com/office/drawing/2010/main" Requires="a14">
           <p:sp>
             <p:nvSpPr>
-              <p:cNvPr id="63" name="Formula 20"/>
+              <p:cNvPr id="63" name="Formula 23"/>
               <p:cNvSpPr txBox="1"/>
               <p:nvPr/>
             </p:nvSpPr>
             <p:spPr>
               <a:xfrm>
-                <a:off x="5282280" y="32112000"/>
-                <a:ext cx="8397720" cy="1800000"/>
+                <a:off x="6048000" y="32255640"/>
+                <a:ext cx="7585920" cy="1800000"/>
               </a:xfrm>
               <a:prstGeom prst="rect">
                 <a:avLst/>
@@ -3466,44 +6203,10 @@
                           <m:t xml:space="preserve">de</m:t>
                         </m:r>
                         <m:r>
-                          <m:t xml:space="preserve">prédictions</m:t>
+                          <m:t xml:space="preserve">prédiction</m:t>
                         </m:r>
                       </m:den>
                     </m:f>
-                  </m:oMath>
-                </a14:m>
-              </a:p>
-            </p:txBody>
-          </p:sp>
-        </mc:Choice>
-        <mc:Fallback/>
-      </mc:AlternateContent>
-      <mc:AlternateContent>
-        <mc:Choice xmlns:a14="http://schemas.microsoft.com/office/drawing/2010/main" Requires="a14">
-          <p:sp>
-            <p:nvSpPr>
-              <p:cNvPr id="64" name="Formula 21"/>
-              <p:cNvSpPr txBox="1"/>
-              <p:nvPr/>
-            </p:nvSpPr>
-            <p:spPr>
-              <a:xfrm>
-                <a:off x="18124560" y="30336480"/>
-                <a:ext cx="143640" cy="245160"/>
-              </a:xfrm>
-              <a:prstGeom prst="rect">
-                <a:avLst/>
-              </a:prstGeom>
-            </p:spPr>
-            <p:txBody>
-              <a:bodyPr/>
-              <a:p>
-                <a14:m>
-                  <m:oMath xmlns:m="http://schemas.openxmlformats.org/officeDocument/2006/math">
-                    <m:eqArr>
-                      <m:e/>
-                      <m:e/>
-                    </m:eqArr>
                   </m:oMath>
                 </a14:m>
               </a:p>
